--- a/Proyect/Presentación/SUPERCONDUCTORES.pptx
+++ b/Proyect/Presentación/SUPERCONDUCTORES.pptx
@@ -7,26 +7,23 @@
     <p:sldMasterId id="2147483669" r:id="rId3"/>
   </p:sldMasterIdLst>
   <p:notesMasterIdLst>
-    <p:notesMasterId r:id="rId21"/>
+    <p:notesMasterId r:id="rId18"/>
   </p:notesMasterIdLst>
   <p:sldIdLst>
     <p:sldId id="283" r:id="rId4"/>
     <p:sldId id="480" r:id="rId5"/>
     <p:sldId id="466" r:id="rId6"/>
-    <p:sldId id="446" r:id="rId7"/>
-    <p:sldId id="468" r:id="rId8"/>
-    <p:sldId id="469" r:id="rId9"/>
-    <p:sldId id="470" r:id="rId10"/>
-    <p:sldId id="471" r:id="rId11"/>
-    <p:sldId id="472" r:id="rId12"/>
-    <p:sldId id="473" r:id="rId13"/>
-    <p:sldId id="474" r:id="rId14"/>
-    <p:sldId id="475" r:id="rId15"/>
-    <p:sldId id="476" r:id="rId16"/>
-    <p:sldId id="477" r:id="rId17"/>
-    <p:sldId id="478" r:id="rId18"/>
-    <p:sldId id="479" r:id="rId19"/>
-    <p:sldId id="467" r:id="rId20"/>
+    <p:sldId id="468" r:id="rId7"/>
+    <p:sldId id="469" r:id="rId8"/>
+    <p:sldId id="471" r:id="rId9"/>
+    <p:sldId id="474" r:id="rId10"/>
+    <p:sldId id="475" r:id="rId11"/>
+    <p:sldId id="476" r:id="rId12"/>
+    <p:sldId id="478" r:id="rId13"/>
+    <p:sldId id="479" r:id="rId14"/>
+    <p:sldId id="483" r:id="rId15"/>
+    <p:sldId id="482" r:id="rId16"/>
+    <p:sldId id="467" r:id="rId17"/>
   </p:sldIdLst>
   <p:sldSz cx="12192000" cy="6858000"/>
   <p:notesSz cx="6858000" cy="9144000"/>
@@ -138,7 +135,7 @@
   <pc:docChgLst>
     <pc:chgData name="Elizabeth Losa Pérez" userId="60901718135030cb" providerId="LiveId" clId="{26FC0CC9-6E14-48FB-B292-E093C79A5781}"/>
     <pc:docChg chg="undo custSel addSld delSld modSld sldOrd">
-      <pc:chgData name="Elizabeth Losa Pérez" userId="60901718135030cb" providerId="LiveId" clId="{26FC0CC9-6E14-48FB-B292-E093C79A5781}" dt="2024-11-20T06:21:48.729" v="1195" actId="47"/>
+      <pc:chgData name="Elizabeth Losa Pérez" userId="60901718135030cb" providerId="LiveId" clId="{26FC0CC9-6E14-48FB-B292-E093C79A5781}" dt="2024-11-20T19:21:51.353" v="2001" actId="20577"/>
       <pc:docMkLst>
         <pc:docMk/>
       </pc:docMkLst>
@@ -236,8 +233,8 @@
           </ac:picMkLst>
         </pc:picChg>
       </pc:sldChg>
-      <pc:sldChg chg="delSp modSp mod">
-        <pc:chgData name="Elizabeth Losa Pérez" userId="60901718135030cb" providerId="LiveId" clId="{26FC0CC9-6E14-48FB-B292-E093C79A5781}" dt="2024-11-20T05:28:55.170" v="223" actId="478"/>
+      <pc:sldChg chg="delSp modSp del mod">
+        <pc:chgData name="Elizabeth Losa Pérez" userId="60901718135030cb" providerId="LiveId" clId="{26FC0CC9-6E14-48FB-B292-E093C79A5781}" dt="2024-11-20T18:51:08.576" v="1249" actId="47"/>
         <pc:sldMkLst>
           <pc:docMk/>
           <pc:sldMk cId="9628699" sldId="446"/>
@@ -317,17 +314,25 @@
         </pc:sldMkLst>
       </pc:sldChg>
       <pc:sldChg chg="addSp delSp modSp add mod">
-        <pc:chgData name="Elizabeth Losa Pérez" userId="60901718135030cb" providerId="LiveId" clId="{26FC0CC9-6E14-48FB-B292-E093C79A5781}" dt="2024-11-20T05:59:06.698" v="1073" actId="113"/>
+        <pc:chgData name="Elizabeth Losa Pérez" userId="60901718135030cb" providerId="LiveId" clId="{26FC0CC9-6E14-48FB-B292-E093C79A5781}" dt="2024-11-20T19:19:20.428" v="1949" actId="20577"/>
         <pc:sldMkLst>
           <pc:docMk/>
           <pc:sldMk cId="2156422656" sldId="466"/>
         </pc:sldMkLst>
         <pc:spChg chg="add mod">
-          <ac:chgData name="Elizabeth Losa Pérez" userId="60901718135030cb" providerId="LiveId" clId="{26FC0CC9-6E14-48FB-B292-E093C79A5781}" dt="2024-11-20T05:59:06.698" v="1073" actId="113"/>
+          <ac:chgData name="Elizabeth Losa Pérez" userId="60901718135030cb" providerId="LiveId" clId="{26FC0CC9-6E14-48FB-B292-E093C79A5781}" dt="2024-11-20T18:51:01.092" v="1248" actId="403"/>
           <ac:spMkLst>
             <pc:docMk/>
             <pc:sldMk cId="2156422656" sldId="466"/>
             <ac:spMk id="3" creationId="{75E11A0F-7411-99E6-3EEE-C816B8759EAA}"/>
+          </ac:spMkLst>
+        </pc:spChg>
+        <pc:spChg chg="add mod">
+          <ac:chgData name="Elizabeth Losa Pérez" userId="60901718135030cb" providerId="LiveId" clId="{26FC0CC9-6E14-48FB-B292-E093C79A5781}" dt="2024-11-20T19:19:20.428" v="1949" actId="20577"/>
+          <ac:spMkLst>
+            <pc:docMk/>
+            <pc:sldMk cId="2156422656" sldId="466"/>
+            <ac:spMk id="6" creationId="{A4523804-2530-9B74-8D02-669AC00E9B63}"/>
           </ac:spMkLst>
         </pc:spChg>
         <pc:spChg chg="del">
@@ -338,6 +343,14 @@
             <ac:spMk id="13" creationId="{38F93B0C-67A6-CE5E-D5E1-35A049987A81}"/>
           </ac:spMkLst>
         </pc:spChg>
+        <pc:picChg chg="add del mod">
+          <ac:chgData name="Elizabeth Losa Pérez" userId="60901718135030cb" providerId="LiveId" clId="{26FC0CC9-6E14-48FB-B292-E093C79A5781}" dt="2024-11-20T19:15:15.583" v="1907" actId="21"/>
+          <ac:picMkLst>
+            <pc:docMk/>
+            <pc:sldMk cId="2156422656" sldId="466"/>
+            <ac:picMk id="5" creationId="{0C9EFE36-1847-998C-BC8A-0BD4F55D2503}"/>
+          </ac:picMkLst>
+        </pc:picChg>
       </pc:sldChg>
       <pc:sldChg chg="add ord">
         <pc:chgData name="Elizabeth Losa Pérez" userId="60901718135030cb" providerId="LiveId" clId="{26FC0CC9-6E14-48FB-B292-E093C79A5781}" dt="2024-11-20T05:24:12.366" v="141"/>
@@ -347,11 +360,19 @@
         </pc:sldMkLst>
       </pc:sldChg>
       <pc:sldChg chg="addSp delSp modSp add mod">
-        <pc:chgData name="Elizabeth Losa Pérez" userId="60901718135030cb" providerId="LiveId" clId="{26FC0CC9-6E14-48FB-B292-E093C79A5781}" dt="2024-11-20T05:59:35.363" v="1081" actId="108"/>
+        <pc:chgData name="Elizabeth Losa Pérez" userId="60901718135030cb" providerId="LiveId" clId="{26FC0CC9-6E14-48FB-B292-E093C79A5781}" dt="2024-11-20T19:19:24.823" v="1952" actId="20577"/>
         <pc:sldMkLst>
           <pc:docMk/>
           <pc:sldMk cId="2772475097" sldId="468"/>
         </pc:sldMkLst>
+        <pc:spChg chg="add mod">
+          <ac:chgData name="Elizabeth Losa Pérez" userId="60901718135030cb" providerId="LiveId" clId="{26FC0CC9-6E14-48FB-B292-E093C79A5781}" dt="2024-11-20T19:19:24.823" v="1952" actId="20577"/>
+          <ac:spMkLst>
+            <pc:docMk/>
+            <pc:sldMk cId="2772475097" sldId="468"/>
+            <ac:spMk id="2" creationId="{DA173954-2D81-0E19-81A6-7CE69D319295}"/>
+          </ac:spMkLst>
+        </pc:spChg>
         <pc:spChg chg="del mod">
           <ac:chgData name="Elizabeth Losa Pérez" userId="60901718135030cb" providerId="LiveId" clId="{26FC0CC9-6E14-48FB-B292-E093C79A5781}" dt="2024-11-20T05:36:38.318" v="324" actId="478"/>
           <ac:spMkLst>
@@ -426,13 +447,13 @@
         </pc:picChg>
       </pc:sldChg>
       <pc:sldChg chg="addSp modSp add mod ord">
-        <pc:chgData name="Elizabeth Losa Pérez" userId="60901718135030cb" providerId="LiveId" clId="{26FC0CC9-6E14-48FB-B292-E093C79A5781}" dt="2024-11-20T05:59:45.075" v="1083" actId="1076"/>
+        <pc:chgData name="Elizabeth Losa Pérez" userId="60901718135030cb" providerId="LiveId" clId="{26FC0CC9-6E14-48FB-B292-E093C79A5781}" dt="2024-11-20T19:19:29.928" v="1955" actId="20577"/>
         <pc:sldMkLst>
           <pc:docMk/>
           <pc:sldMk cId="894812066" sldId="469"/>
         </pc:sldMkLst>
         <pc:spChg chg="add mod">
-          <ac:chgData name="Elizabeth Losa Pérez" userId="60901718135030cb" providerId="LiveId" clId="{26FC0CC9-6E14-48FB-B292-E093C79A5781}" dt="2024-11-20T05:59:45.075" v="1083" actId="1076"/>
+          <ac:chgData name="Elizabeth Losa Pérez" userId="60901718135030cb" providerId="LiveId" clId="{26FC0CC9-6E14-48FB-B292-E093C79A5781}" dt="2024-11-20T18:55:27.003" v="1396" actId="1076"/>
           <ac:spMkLst>
             <pc:docMk/>
             <pc:sldMk cId="894812066" sldId="469"/>
@@ -447,6 +468,22 @@
             <ac:spMk id="4" creationId="{520337E4-9112-DCEE-FBFB-29122BF2F6D4}"/>
           </ac:spMkLst>
         </pc:spChg>
+        <pc:spChg chg="add mod">
+          <ac:chgData name="Elizabeth Losa Pérez" userId="60901718135030cb" providerId="LiveId" clId="{26FC0CC9-6E14-48FB-B292-E093C79A5781}" dt="2024-11-20T19:19:29.928" v="1955" actId="20577"/>
+          <ac:spMkLst>
+            <pc:docMk/>
+            <pc:sldMk cId="894812066" sldId="469"/>
+            <ac:spMk id="5" creationId="{D4B1257B-02C2-8B00-E0DF-3131A2719EF7}"/>
+          </ac:spMkLst>
+        </pc:spChg>
+        <pc:graphicFrameChg chg="add mod modGraphic">
+          <ac:chgData name="Elizabeth Losa Pérez" userId="60901718135030cb" providerId="LiveId" clId="{26FC0CC9-6E14-48FB-B292-E093C79A5781}" dt="2024-11-20T18:58:21.893" v="1463" actId="1076"/>
+          <ac:graphicFrameMkLst>
+            <pc:docMk/>
+            <pc:sldMk cId="894812066" sldId="469"/>
+            <ac:graphicFrameMk id="2" creationId="{D882D62A-AF56-F95D-A36A-37F20C29D166}"/>
+          </ac:graphicFrameMkLst>
+        </pc:graphicFrameChg>
       </pc:sldChg>
       <pc:sldChg chg="delSp modSp add del mod">
         <pc:chgData name="Elizabeth Losa Pérez" userId="60901718135030cb" providerId="LiveId" clId="{26FC0CC9-6E14-48FB-B292-E093C79A5781}" dt="2024-11-20T05:38:24.506" v="369" actId="47"/>
@@ -463,8 +500,8 @@
           </ac:spMkLst>
         </pc:spChg>
       </pc:sldChg>
-      <pc:sldChg chg="delSp modSp add mod">
-        <pc:chgData name="Elizabeth Losa Pérez" userId="60901718135030cb" providerId="LiveId" clId="{26FC0CC9-6E14-48FB-B292-E093C79A5781}" dt="2024-11-20T05:40:16.837" v="440" actId="478"/>
+      <pc:sldChg chg="delSp modSp add del mod">
+        <pc:chgData name="Elizabeth Losa Pérez" userId="60901718135030cb" providerId="LiveId" clId="{26FC0CC9-6E14-48FB-B292-E093C79A5781}" dt="2024-11-20T18:58:32.518" v="1464" actId="47"/>
         <pc:sldMkLst>
           <pc:docMk/>
           <pc:sldMk cId="1267617684" sldId="470"/>
@@ -487,13 +524,13 @@
         </pc:spChg>
       </pc:sldChg>
       <pc:sldChg chg="addSp modSp add mod">
-        <pc:chgData name="Elizabeth Losa Pérez" userId="60901718135030cb" providerId="LiveId" clId="{26FC0CC9-6E14-48FB-B292-E093C79A5781}" dt="2024-11-20T05:59:49.228" v="1084" actId="108"/>
+        <pc:chgData name="Elizabeth Losa Pérez" userId="60901718135030cb" providerId="LiveId" clId="{26FC0CC9-6E14-48FB-B292-E093C79A5781}" dt="2024-11-20T19:19:35.863" v="1958" actId="20577"/>
         <pc:sldMkLst>
           <pc:docMk/>
           <pc:sldMk cId="2706134588" sldId="471"/>
         </pc:sldMkLst>
         <pc:spChg chg="add mod">
-          <ac:chgData name="Elizabeth Losa Pérez" userId="60901718135030cb" providerId="LiveId" clId="{26FC0CC9-6E14-48FB-B292-E093C79A5781}" dt="2024-11-20T05:59:49.228" v="1084" actId="108"/>
+          <ac:chgData name="Elizabeth Losa Pérez" userId="60901718135030cb" providerId="LiveId" clId="{26FC0CC9-6E14-48FB-B292-E093C79A5781}" dt="2024-11-20T19:02:17.533" v="1570" actId="1076"/>
           <ac:spMkLst>
             <pc:docMk/>
             <pc:sldMk cId="2706134588" sldId="471"/>
@@ -501,22 +538,46 @@
           </ac:spMkLst>
         </pc:spChg>
         <pc:spChg chg="mod">
-          <ac:chgData name="Elizabeth Losa Pérez" userId="60901718135030cb" providerId="LiveId" clId="{26FC0CC9-6E14-48FB-B292-E093C79A5781}" dt="2024-11-20T05:40:29.802" v="479" actId="14100"/>
+          <ac:chgData name="Elizabeth Losa Pérez" userId="60901718135030cb" providerId="LiveId" clId="{26FC0CC9-6E14-48FB-B292-E093C79A5781}" dt="2024-11-20T18:58:52.533" v="1484" actId="20577"/>
           <ac:spMkLst>
             <pc:docMk/>
             <pc:sldMk cId="2706134588" sldId="471"/>
             <ac:spMk id="4" creationId="{7FA298F7-F702-86A8-B7BE-45BCB93B2147}"/>
           </ac:spMkLst>
         </pc:spChg>
+        <pc:spChg chg="add mod">
+          <ac:chgData name="Elizabeth Losa Pérez" userId="60901718135030cb" providerId="LiveId" clId="{26FC0CC9-6E14-48FB-B292-E093C79A5781}" dt="2024-11-20T19:03:29.473" v="1584" actId="1076"/>
+          <ac:spMkLst>
+            <pc:docMk/>
+            <pc:sldMk cId="2706134588" sldId="471"/>
+            <ac:spMk id="5" creationId="{344EE378-245F-778E-D297-A70419CA92D7}"/>
+          </ac:spMkLst>
+        </pc:spChg>
+        <pc:spChg chg="add mod">
+          <ac:chgData name="Elizabeth Losa Pérez" userId="60901718135030cb" providerId="LiveId" clId="{26FC0CC9-6E14-48FB-B292-E093C79A5781}" dt="2024-11-20T19:19:35.863" v="1958" actId="20577"/>
+          <ac:spMkLst>
+            <pc:docMk/>
+            <pc:sldMk cId="2706134588" sldId="471"/>
+            <ac:spMk id="8" creationId="{0820D51E-C430-DE5C-8755-C28CD11FF755}"/>
+          </ac:spMkLst>
+        </pc:spChg>
+        <pc:picChg chg="add mod">
+          <ac:chgData name="Elizabeth Losa Pérez" userId="60901718135030cb" providerId="LiveId" clId="{26FC0CC9-6E14-48FB-B292-E093C79A5781}" dt="2024-11-20T19:03:27.255" v="1583" actId="1076"/>
+          <ac:picMkLst>
+            <pc:docMk/>
+            <pc:sldMk cId="2706134588" sldId="471"/>
+            <ac:picMk id="7" creationId="{B76C140B-ACB2-13DE-6527-04032EC52817}"/>
+          </ac:picMkLst>
+        </pc:picChg>
       </pc:sldChg>
-      <pc:sldChg chg="modSp add mod">
-        <pc:chgData name="Elizabeth Losa Pérez" userId="60901718135030cb" providerId="LiveId" clId="{26FC0CC9-6E14-48FB-B292-E093C79A5781}" dt="2024-11-20T05:59:53.053" v="1085" actId="108"/>
+      <pc:sldChg chg="delSp modSp add del mod">
+        <pc:chgData name="Elizabeth Losa Pérez" userId="60901718135030cb" providerId="LiveId" clId="{26FC0CC9-6E14-48FB-B292-E093C79A5781}" dt="2024-11-20T18:59:42.263" v="1550" actId="47"/>
         <pc:sldMkLst>
           <pc:docMk/>
           <pc:sldMk cId="4232836576" sldId="472"/>
         </pc:sldMkLst>
-        <pc:spChg chg="mod">
-          <ac:chgData name="Elizabeth Losa Pérez" userId="60901718135030cb" providerId="LiveId" clId="{26FC0CC9-6E14-48FB-B292-E093C79A5781}" dt="2024-11-20T05:59:53.053" v="1085" actId="108"/>
+        <pc:spChg chg="del mod">
+          <ac:chgData name="Elizabeth Losa Pérez" userId="60901718135030cb" providerId="LiveId" clId="{26FC0CC9-6E14-48FB-B292-E093C79A5781}" dt="2024-11-20T18:59:20.278" v="1523"/>
           <ac:spMkLst>
             <pc:docMk/>
             <pc:sldMk cId="4232836576" sldId="472"/>
@@ -532,8 +593,8 @@
           </ac:spMkLst>
         </pc:spChg>
       </pc:sldChg>
-      <pc:sldChg chg="modSp add mod">
-        <pc:chgData name="Elizabeth Losa Pérez" userId="60901718135030cb" providerId="LiveId" clId="{26FC0CC9-6E14-48FB-B292-E093C79A5781}" dt="2024-11-20T05:59:57.215" v="1086" actId="108"/>
+      <pc:sldChg chg="modSp add del mod">
+        <pc:chgData name="Elizabeth Losa Pérez" userId="60901718135030cb" providerId="LiveId" clId="{26FC0CC9-6E14-48FB-B292-E093C79A5781}" dt="2024-11-20T19:00:16.932" v="1551" actId="47"/>
         <pc:sldMkLst>
           <pc:docMk/>
           <pc:sldMk cId="287958439" sldId="473"/>
@@ -555,14 +616,22 @@
           </ac:spMkLst>
         </pc:spChg>
       </pc:sldChg>
-      <pc:sldChg chg="modSp add mod">
-        <pc:chgData name="Elizabeth Losa Pérez" userId="60901718135030cb" providerId="LiveId" clId="{26FC0CC9-6E14-48FB-B292-E093C79A5781}" dt="2024-11-20T06:00:10.506" v="1092" actId="15"/>
+      <pc:sldChg chg="addSp modSp add mod">
+        <pc:chgData name="Elizabeth Losa Pérez" userId="60901718135030cb" providerId="LiveId" clId="{26FC0CC9-6E14-48FB-B292-E093C79A5781}" dt="2024-11-20T19:20:14.318" v="1972" actId="20577"/>
         <pc:sldMkLst>
           <pc:docMk/>
           <pc:sldMk cId="2958810132" sldId="474"/>
         </pc:sldMkLst>
+        <pc:spChg chg="add mod">
+          <ac:chgData name="Elizabeth Losa Pérez" userId="60901718135030cb" providerId="LiveId" clId="{26FC0CC9-6E14-48FB-B292-E093C79A5781}" dt="2024-11-20T19:19:45.905" v="1961" actId="20577"/>
+          <ac:spMkLst>
+            <pc:docMk/>
+            <pc:sldMk cId="2958810132" sldId="474"/>
+            <ac:spMk id="2" creationId="{6EB45C3E-93E3-BD65-0BC8-43563E6F402E}"/>
+          </ac:spMkLst>
+        </pc:spChg>
         <pc:spChg chg="mod">
-          <ac:chgData name="Elizabeth Losa Pérez" userId="60901718135030cb" providerId="LiveId" clId="{26FC0CC9-6E14-48FB-B292-E093C79A5781}" dt="2024-11-20T06:00:10.506" v="1092" actId="15"/>
+          <ac:chgData name="Elizabeth Losa Pérez" userId="60901718135030cb" providerId="LiveId" clId="{26FC0CC9-6E14-48FB-B292-E093C79A5781}" dt="2024-11-20T19:20:14.318" v="1972" actId="20577"/>
           <ac:spMkLst>
             <pc:docMk/>
             <pc:sldMk cId="2958810132" sldId="474"/>
@@ -579,7 +648,7 @@
         </pc:spChg>
       </pc:sldChg>
       <pc:sldChg chg="addSp delSp modSp add mod">
-        <pc:chgData name="Elizabeth Losa Pérez" userId="60901718135030cb" providerId="LiveId" clId="{26FC0CC9-6E14-48FB-B292-E093C79A5781}" dt="2024-11-20T06:00:17.201" v="1093" actId="108"/>
+        <pc:chgData name="Elizabeth Losa Pérez" userId="60901718135030cb" providerId="LiveId" clId="{26FC0CC9-6E14-48FB-B292-E093C79A5781}" dt="2024-11-20T19:20:29.326" v="1975" actId="20577"/>
         <pc:sldMkLst>
           <pc:docMk/>
           <pc:sldMk cId="563979870" sldId="475"/>
@@ -601,16 +670,40 @@
           </ac:spMkLst>
         </pc:spChg>
         <pc:spChg chg="add mod">
-          <ac:chgData name="Elizabeth Losa Pérez" userId="60901718135030cb" providerId="LiveId" clId="{26FC0CC9-6E14-48FB-B292-E093C79A5781}" dt="2024-11-20T06:00:17.201" v="1093" actId="108"/>
+          <ac:chgData name="Elizabeth Losa Pérez" userId="60901718135030cb" providerId="LiveId" clId="{26FC0CC9-6E14-48FB-B292-E093C79A5781}" dt="2024-11-20T19:03:58.498" v="1589" actId="1076"/>
           <ac:spMkLst>
             <pc:docMk/>
             <pc:sldMk cId="563979870" sldId="475"/>
             <ac:spMk id="5" creationId="{F68D8A3B-B702-41EA-C954-B6D0AA26853E}"/>
           </ac:spMkLst>
         </pc:spChg>
+        <pc:spChg chg="add mod">
+          <ac:chgData name="Elizabeth Losa Pérez" userId="60901718135030cb" providerId="LiveId" clId="{26FC0CC9-6E14-48FB-B292-E093C79A5781}" dt="2024-11-20T19:20:29.326" v="1975" actId="20577"/>
+          <ac:spMkLst>
+            <pc:docMk/>
+            <pc:sldMk cId="563979870" sldId="475"/>
+            <ac:spMk id="8" creationId="{447D3998-257D-1351-4468-EE9686079EE8}"/>
+          </ac:spMkLst>
+        </pc:spChg>
+        <pc:picChg chg="add del mod">
+          <ac:chgData name="Elizabeth Losa Pérez" userId="60901718135030cb" providerId="LiveId" clId="{26FC0CC9-6E14-48FB-B292-E093C79A5781}" dt="2024-11-20T19:01:23.075" v="1562" actId="478"/>
+          <ac:picMkLst>
+            <pc:docMk/>
+            <pc:sldMk cId="563979870" sldId="475"/>
+            <ac:picMk id="3" creationId="{6788BDAD-AD7D-B789-EC6B-95405FE01ACF}"/>
+          </ac:picMkLst>
+        </pc:picChg>
+        <pc:picChg chg="add mod">
+          <ac:chgData name="Elizabeth Losa Pérez" userId="60901718135030cb" providerId="LiveId" clId="{26FC0CC9-6E14-48FB-B292-E093C79A5781}" dt="2024-11-20T19:03:56.693" v="1588" actId="1076"/>
+          <ac:picMkLst>
+            <pc:docMk/>
+            <pc:sldMk cId="563979870" sldId="475"/>
+            <ac:picMk id="7" creationId="{143EAC2B-90C0-B101-127D-A138F28A9D48}"/>
+          </ac:picMkLst>
+        </pc:picChg>
       </pc:sldChg>
       <pc:sldChg chg="addSp delSp modSp add mod">
-        <pc:chgData name="Elizabeth Losa Pérez" userId="60901718135030cb" providerId="LiveId" clId="{26FC0CC9-6E14-48FB-B292-E093C79A5781}" dt="2024-11-20T06:00:21.145" v="1094" actId="108"/>
+        <pc:chgData name="Elizabeth Losa Pérez" userId="60901718135030cb" providerId="LiveId" clId="{26FC0CC9-6E14-48FB-B292-E093C79A5781}" dt="2024-11-20T19:20:44.994" v="1978" actId="20577"/>
         <pc:sldMkLst>
           <pc:docMk/>
           <pc:sldMk cId="2004433302" sldId="476"/>
@@ -624,7 +717,7 @@
           </ac:spMkLst>
         </pc:spChg>
         <pc:spChg chg="mod">
-          <ac:chgData name="Elizabeth Losa Pérez" userId="60901718135030cb" providerId="LiveId" clId="{26FC0CC9-6E14-48FB-B292-E093C79A5781}" dt="2024-11-20T05:47:44.482" v="746" actId="20577"/>
+          <ac:chgData name="Elizabeth Losa Pérez" userId="60901718135030cb" providerId="LiveId" clId="{26FC0CC9-6E14-48FB-B292-E093C79A5781}" dt="2024-11-20T19:06:22.603" v="1641" actId="20577"/>
           <ac:spMkLst>
             <pc:docMk/>
             <pc:sldMk cId="2004433302" sldId="476"/>
@@ -632,16 +725,40 @@
           </ac:spMkLst>
         </pc:spChg>
         <pc:spChg chg="add mod">
-          <ac:chgData name="Elizabeth Losa Pérez" userId="60901718135030cb" providerId="LiveId" clId="{26FC0CC9-6E14-48FB-B292-E093C79A5781}" dt="2024-11-20T06:00:21.145" v="1094" actId="108"/>
+          <ac:chgData name="Elizabeth Losa Pérez" userId="60901718135030cb" providerId="LiveId" clId="{26FC0CC9-6E14-48FB-B292-E093C79A5781}" dt="2024-11-20T19:06:29.053" v="1644" actId="403"/>
           <ac:spMkLst>
             <pc:docMk/>
             <pc:sldMk cId="2004433302" sldId="476"/>
             <ac:spMk id="5" creationId="{8B63AF7D-2B0F-BCB6-221B-73BC4FA4B995}"/>
           </ac:spMkLst>
         </pc:spChg>
+        <pc:spChg chg="add mod">
+          <ac:chgData name="Elizabeth Losa Pérez" userId="60901718135030cb" providerId="LiveId" clId="{26FC0CC9-6E14-48FB-B292-E093C79A5781}" dt="2024-11-20T19:20:44.994" v="1978" actId="20577"/>
+          <ac:spMkLst>
+            <pc:docMk/>
+            <pc:sldMk cId="2004433302" sldId="476"/>
+            <ac:spMk id="7" creationId="{54C02842-3D7A-7A43-92D0-65BF437FA09A}"/>
+          </ac:spMkLst>
+        </pc:spChg>
+        <pc:picChg chg="add del mod modCrop">
+          <ac:chgData name="Elizabeth Losa Pérez" userId="60901718135030cb" providerId="LiveId" clId="{26FC0CC9-6E14-48FB-B292-E093C79A5781}" dt="2024-11-20T19:06:24.556" v="1642" actId="21"/>
+          <ac:picMkLst>
+            <pc:docMk/>
+            <pc:sldMk cId="2004433302" sldId="476"/>
+            <ac:picMk id="3" creationId="{C08EA9D8-194A-ABC8-384B-642AC9236102}"/>
+          </ac:picMkLst>
+        </pc:picChg>
+        <pc:picChg chg="add del mod modCrop">
+          <ac:chgData name="Elizabeth Losa Pérez" userId="60901718135030cb" providerId="LiveId" clId="{26FC0CC9-6E14-48FB-B292-E093C79A5781}" dt="2024-11-20T19:06:24.556" v="1642" actId="21"/>
+          <ac:picMkLst>
+            <pc:docMk/>
+            <pc:sldMk cId="2004433302" sldId="476"/>
+            <ac:picMk id="6" creationId="{3B8C3E19-DC4F-EAF0-C104-4FD5BF073819}"/>
+          </ac:picMkLst>
+        </pc:picChg>
       </pc:sldChg>
-      <pc:sldChg chg="delSp modSp add mod">
-        <pc:chgData name="Elizabeth Losa Pérez" userId="60901718135030cb" providerId="LiveId" clId="{26FC0CC9-6E14-48FB-B292-E093C79A5781}" dt="2024-11-20T05:50:31.567" v="874" actId="478"/>
+      <pc:sldChg chg="delSp modSp add del mod">
+        <pc:chgData name="Elizabeth Losa Pérez" userId="60901718135030cb" providerId="LiveId" clId="{26FC0CC9-6E14-48FB-B292-E093C79A5781}" dt="2024-11-20T19:05:51.845" v="1627" actId="47"/>
         <pc:sldMkLst>
           <pc:docMk/>
           <pc:sldMk cId="3554913797" sldId="477"/>
@@ -663,29 +780,77 @@
           </ac:spMkLst>
         </pc:spChg>
       </pc:sldChg>
-      <pc:sldChg chg="modSp add mod">
-        <pc:chgData name="Elizabeth Losa Pérez" userId="60901718135030cb" providerId="LiveId" clId="{26FC0CC9-6E14-48FB-B292-E093C79A5781}" dt="2024-11-20T05:50:37.011" v="884" actId="20577"/>
+      <pc:sldChg chg="addSp delSp modSp add mod">
+        <pc:chgData name="Elizabeth Losa Pérez" userId="60901718135030cb" providerId="LiveId" clId="{26FC0CC9-6E14-48FB-B292-E093C79A5781}" dt="2024-11-20T19:21:03.393" v="1985" actId="1076"/>
         <pc:sldMkLst>
           <pc:docMk/>
           <pc:sldMk cId="3139522515" sldId="478"/>
         </pc:sldMkLst>
         <pc:spChg chg="mod">
-          <ac:chgData name="Elizabeth Losa Pérez" userId="60901718135030cb" providerId="LiveId" clId="{26FC0CC9-6E14-48FB-B292-E093C79A5781}" dt="2024-11-20T05:50:37.011" v="884" actId="20577"/>
+          <ac:chgData name="Elizabeth Losa Pérez" userId="60901718135030cb" providerId="LiveId" clId="{26FC0CC9-6E14-48FB-B292-E093C79A5781}" dt="2024-11-20T19:06:19.205" v="1639" actId="20577"/>
           <ac:spMkLst>
             <pc:docMk/>
             <pc:sldMk cId="3139522515" sldId="478"/>
             <ac:spMk id="4" creationId="{2DD256C0-7BFF-63DC-9CB2-D622FC2B503D}"/>
           </ac:spMkLst>
         </pc:spChg>
+        <pc:spChg chg="add mod">
+          <ac:chgData name="Elizabeth Losa Pérez" userId="60901718135030cb" providerId="LiveId" clId="{26FC0CC9-6E14-48FB-B292-E093C79A5781}" dt="2024-11-20T19:20:51.713" v="1981" actId="20577"/>
+          <ac:spMkLst>
+            <pc:docMk/>
+            <pc:sldMk cId="3139522515" sldId="478"/>
+            <ac:spMk id="9" creationId="{9E3CA99D-60D7-B882-FDCB-0791C9080AA6}"/>
+          </ac:spMkLst>
+        </pc:spChg>
+        <pc:picChg chg="add del mod">
+          <ac:chgData name="Elizabeth Losa Pérez" userId="60901718135030cb" providerId="LiveId" clId="{26FC0CC9-6E14-48FB-B292-E093C79A5781}" dt="2024-11-20T19:06:50.633" v="1653" actId="478"/>
+          <ac:picMkLst>
+            <pc:docMk/>
+            <pc:sldMk cId="3139522515" sldId="478"/>
+            <ac:picMk id="3" creationId="{C08EA9D8-194A-ABC8-384B-642AC9236102}"/>
+          </ac:picMkLst>
+        </pc:picChg>
+        <pc:picChg chg="add mod">
+          <ac:chgData name="Elizabeth Losa Pérez" userId="60901718135030cb" providerId="LiveId" clId="{26FC0CC9-6E14-48FB-B292-E093C79A5781}" dt="2024-11-20T19:21:03.393" v="1985" actId="1076"/>
+          <ac:picMkLst>
+            <pc:docMk/>
+            <pc:sldMk cId="3139522515" sldId="478"/>
+            <ac:picMk id="5" creationId="{768E883F-6902-BC2B-5333-7E488FB124C6}"/>
+          </ac:picMkLst>
+        </pc:picChg>
+        <pc:picChg chg="add del mod">
+          <ac:chgData name="Elizabeth Losa Pérez" userId="60901718135030cb" providerId="LiveId" clId="{26FC0CC9-6E14-48FB-B292-E093C79A5781}" dt="2024-11-20T19:06:51.783" v="1654" actId="478"/>
+          <ac:picMkLst>
+            <pc:docMk/>
+            <pc:sldMk cId="3139522515" sldId="478"/>
+            <ac:picMk id="6" creationId="{3B8C3E19-DC4F-EAF0-C104-4FD5BF073819}"/>
+          </ac:picMkLst>
+        </pc:picChg>
+        <pc:picChg chg="add mod">
+          <ac:chgData name="Elizabeth Losa Pérez" userId="60901718135030cb" providerId="LiveId" clId="{26FC0CC9-6E14-48FB-B292-E093C79A5781}" dt="2024-11-20T19:21:01.193" v="1984" actId="14100"/>
+          <ac:picMkLst>
+            <pc:docMk/>
+            <pc:sldMk cId="3139522515" sldId="478"/>
+            <ac:picMk id="8" creationId="{F8687C70-9BA3-DF01-C148-9B52390DE9B6}"/>
+          </ac:picMkLst>
+        </pc:picChg>
       </pc:sldChg>
       <pc:sldChg chg="addSp modSp add mod">
-        <pc:chgData name="Elizabeth Losa Pérez" userId="60901718135030cb" providerId="LiveId" clId="{26FC0CC9-6E14-48FB-B292-E093C79A5781}" dt="2024-11-20T06:05:56.859" v="1099" actId="1076"/>
+        <pc:chgData name="Elizabeth Losa Pérez" userId="60901718135030cb" providerId="LiveId" clId="{26FC0CC9-6E14-48FB-B292-E093C79A5781}" dt="2024-11-20T19:21:08.404" v="1987" actId="20577"/>
         <pc:sldMkLst>
           <pc:docMk/>
           <pc:sldMk cId="364244725" sldId="479"/>
         </pc:sldMkLst>
         <pc:spChg chg="add mod">
-          <ac:chgData name="Elizabeth Losa Pérez" userId="60901718135030cb" providerId="LiveId" clId="{26FC0CC9-6E14-48FB-B292-E093C79A5781}" dt="2024-11-20T06:05:56.859" v="1099" actId="1076"/>
+          <ac:chgData name="Elizabeth Losa Pérez" userId="60901718135030cb" providerId="LiveId" clId="{26FC0CC9-6E14-48FB-B292-E093C79A5781}" dt="2024-11-20T19:21:08.404" v="1987" actId="20577"/>
+          <ac:spMkLst>
+            <pc:docMk/>
+            <pc:sldMk cId="364244725" sldId="479"/>
+            <ac:spMk id="2" creationId="{11A95FAB-6FF2-4849-9001-722A72FF3310}"/>
+          </ac:spMkLst>
+        </pc:spChg>
+        <pc:spChg chg="add mod">
+          <ac:chgData name="Elizabeth Losa Pérez" userId="60901718135030cb" providerId="LiveId" clId="{26FC0CC9-6E14-48FB-B292-E093C79A5781}" dt="2024-11-20T19:10:34.632" v="1745" actId="313"/>
           <ac:spMkLst>
             <pc:docMk/>
             <pc:sldMk cId="364244725" sldId="479"/>
@@ -693,7 +858,7 @@
           </ac:spMkLst>
         </pc:spChg>
         <pc:spChg chg="mod">
-          <ac:chgData name="Elizabeth Losa Pérez" userId="60901718135030cb" providerId="LiveId" clId="{26FC0CC9-6E14-48FB-B292-E093C79A5781}" dt="2024-11-20T05:50:41.931" v="896" actId="20577"/>
+          <ac:chgData name="Elizabeth Losa Pérez" userId="60901718135030cb" providerId="LiveId" clId="{26FC0CC9-6E14-48FB-B292-E093C79A5781}" dt="2024-11-20T19:08:59.416" v="1674" actId="20577"/>
           <ac:spMkLst>
             <pc:docMk/>
             <pc:sldMk cId="364244725" sldId="479"/>
@@ -702,11 +867,19 @@
         </pc:spChg>
       </pc:sldChg>
       <pc:sldChg chg="addSp delSp modSp add mod">
-        <pc:chgData name="Elizabeth Losa Pérez" userId="60901718135030cb" providerId="LiveId" clId="{26FC0CC9-6E14-48FB-B292-E093C79A5781}" dt="2024-11-20T06:15:14.139" v="1194" actId="20577"/>
+        <pc:chgData name="Elizabeth Losa Pérez" userId="60901718135030cb" providerId="LiveId" clId="{26FC0CC9-6E14-48FB-B292-E093C79A5781}" dt="2024-11-20T19:19:17.733" v="1947" actId="20577"/>
         <pc:sldMkLst>
           <pc:docMk/>
           <pc:sldMk cId="1427996728" sldId="480"/>
         </pc:sldMkLst>
+        <pc:spChg chg="add mod">
+          <ac:chgData name="Elizabeth Losa Pérez" userId="60901718135030cb" providerId="LiveId" clId="{26FC0CC9-6E14-48FB-B292-E093C79A5781}" dt="2024-11-20T19:19:17.733" v="1947" actId="20577"/>
+          <ac:spMkLst>
+            <pc:docMk/>
+            <pc:sldMk cId="1427996728" sldId="480"/>
+            <ac:spMk id="2" creationId="{34F00ECC-8928-8456-2E20-CCA6DA2712A8}"/>
+          </ac:spMkLst>
+        </pc:spChg>
         <pc:spChg chg="del mod">
           <ac:chgData name="Elizabeth Losa Pérez" userId="60901718135030cb" providerId="LiveId" clId="{26FC0CC9-6E14-48FB-B292-E093C79A5781}" dt="2024-11-20T06:07:10.260" v="1102" actId="478"/>
           <ac:spMkLst>
@@ -764,6 +937,138 @@
           </ac:picMkLst>
         </pc:picChg>
       </pc:sldChg>
+      <pc:sldChg chg="addSp delSp modSp add del mod">
+        <pc:chgData name="Elizabeth Losa Pérez" userId="60901718135030cb" providerId="LiveId" clId="{26FC0CC9-6E14-48FB-B292-E093C79A5781}" dt="2024-11-20T19:15:40.775" v="1908" actId="47"/>
+        <pc:sldMkLst>
+          <pc:docMk/>
+          <pc:sldMk cId="4131482164" sldId="481"/>
+        </pc:sldMkLst>
+        <pc:spChg chg="del">
+          <ac:chgData name="Elizabeth Losa Pérez" userId="60901718135030cb" providerId="LiveId" clId="{26FC0CC9-6E14-48FB-B292-E093C79A5781}" dt="2024-11-20T19:00:32.655" v="1553" actId="478"/>
+          <ac:spMkLst>
+            <pc:docMk/>
+            <pc:sldMk cId="4131482164" sldId="481"/>
+            <ac:spMk id="3" creationId="{20662715-D62D-D453-3BC9-B84617F2ACB4}"/>
+          </ac:spMkLst>
+        </pc:spChg>
+        <pc:spChg chg="add del mod">
+          <ac:chgData name="Elizabeth Losa Pérez" userId="60901718135030cb" providerId="LiveId" clId="{26FC0CC9-6E14-48FB-B292-E093C79A5781}" dt="2024-11-20T19:15:11.583" v="1904" actId="22"/>
+          <ac:spMkLst>
+            <pc:docMk/>
+            <pc:sldMk cId="4131482164" sldId="481"/>
+            <ac:spMk id="6" creationId="{F367E78B-EC84-164B-CB4D-C9606C297B52}"/>
+          </ac:spMkLst>
+        </pc:spChg>
+        <pc:picChg chg="add mod">
+          <ac:chgData name="Elizabeth Losa Pérez" userId="60901718135030cb" providerId="LiveId" clId="{26FC0CC9-6E14-48FB-B292-E093C79A5781}" dt="2024-11-20T19:15:12.806" v="1906" actId="1076"/>
+          <ac:picMkLst>
+            <pc:docMk/>
+            <pc:sldMk cId="4131482164" sldId="481"/>
+            <ac:picMk id="5" creationId="{0C9EFE36-1847-998C-BC8A-0BD4F55D2503}"/>
+          </ac:picMkLst>
+        </pc:picChg>
+      </pc:sldChg>
+      <pc:sldChg chg="addSp modSp add mod">
+        <pc:chgData name="Elizabeth Losa Pérez" userId="60901718135030cb" providerId="LiveId" clId="{26FC0CC9-6E14-48FB-B292-E093C79A5781}" dt="2024-11-20T19:21:51.353" v="2001" actId="20577"/>
+        <pc:sldMkLst>
+          <pc:docMk/>
+          <pc:sldMk cId="3621163892" sldId="482"/>
+        </pc:sldMkLst>
+        <pc:spChg chg="add mod">
+          <ac:chgData name="Elizabeth Losa Pérez" userId="60901718135030cb" providerId="LiveId" clId="{26FC0CC9-6E14-48FB-B292-E093C79A5781}" dt="2024-11-20T19:21:51.353" v="2001" actId="20577"/>
+          <ac:spMkLst>
+            <pc:docMk/>
+            <pc:sldMk cId="3621163892" sldId="482"/>
+            <ac:spMk id="2" creationId="{6AE71AEE-FA76-E565-4B16-FE4087DDF68A}"/>
+          </ac:spMkLst>
+        </pc:spChg>
+        <pc:spChg chg="mod">
+          <ac:chgData name="Elizabeth Losa Pérez" userId="60901718135030cb" providerId="LiveId" clId="{26FC0CC9-6E14-48FB-B292-E093C79A5781}" dt="2024-11-20T19:13:51.293" v="1894" actId="14100"/>
+          <ac:spMkLst>
+            <pc:docMk/>
+            <pc:sldMk cId="3621163892" sldId="482"/>
+            <ac:spMk id="3" creationId="{1FEDB5E4-2703-8835-71B9-E6C003E291D0}"/>
+          </ac:spMkLst>
+        </pc:spChg>
+      </pc:sldChg>
+      <pc:sldChg chg="addSp modSp add mod">
+        <pc:chgData name="Elizabeth Losa Pérez" userId="60901718135030cb" providerId="LiveId" clId="{26FC0CC9-6E14-48FB-B292-E093C79A5781}" dt="2024-11-20T19:21:33.576" v="1998" actId="20577"/>
+        <pc:sldMkLst>
+          <pc:docMk/>
+          <pc:sldMk cId="1816346806" sldId="483"/>
+        </pc:sldMkLst>
+        <pc:spChg chg="add mod">
+          <ac:chgData name="Elizabeth Losa Pérez" userId="60901718135030cb" providerId="LiveId" clId="{26FC0CC9-6E14-48FB-B292-E093C79A5781}" dt="2024-11-20T19:21:18.973" v="1990" actId="20577"/>
+          <ac:spMkLst>
+            <pc:docMk/>
+            <pc:sldMk cId="1816346806" sldId="483"/>
+            <ac:spMk id="2" creationId="{38C5F899-0B38-57E4-1D44-F197066B3792}"/>
+          </ac:spMkLst>
+        </pc:spChg>
+        <pc:spChg chg="mod">
+          <ac:chgData name="Elizabeth Losa Pérez" userId="60901718135030cb" providerId="LiveId" clId="{26FC0CC9-6E14-48FB-B292-E093C79A5781}" dt="2024-11-20T19:21:33.576" v="1998" actId="20577"/>
+          <ac:spMkLst>
+            <pc:docMk/>
+            <pc:sldMk cId="1816346806" sldId="483"/>
+            <ac:spMk id="3" creationId="{F241F7B5-B5A4-BC06-7D56-78841D25B4B1}"/>
+          </ac:spMkLst>
+        </pc:spChg>
+        <pc:spChg chg="mod">
+          <ac:chgData name="Elizabeth Losa Pérez" userId="60901718135030cb" providerId="LiveId" clId="{26FC0CC9-6E14-48FB-B292-E093C79A5781}" dt="2024-11-20T19:10:58.580" v="1775" actId="20577"/>
+          <ac:spMkLst>
+            <pc:docMk/>
+            <pc:sldMk cId="1816346806" sldId="483"/>
+            <ac:spMk id="4" creationId="{DE0C0C75-8D9F-0599-EE59-EC15BCCAF3E5}"/>
+          </ac:spMkLst>
+        </pc:spChg>
+      </pc:sldChg>
+      <pc:sldChg chg="addSp modSp add del mod">
+        <pc:chgData name="Elizabeth Losa Pérez" userId="60901718135030cb" providerId="LiveId" clId="{26FC0CC9-6E14-48FB-B292-E093C79A5781}" dt="2024-11-20T19:17:42.628" v="1934" actId="47"/>
+        <pc:sldMkLst>
+          <pc:docMk/>
+          <pc:sldMk cId="827940926" sldId="484"/>
+        </pc:sldMkLst>
+        <pc:spChg chg="add mod">
+          <ac:chgData name="Elizabeth Losa Pérez" userId="60901718135030cb" providerId="LiveId" clId="{26FC0CC9-6E14-48FB-B292-E093C79A5781}" dt="2024-11-20T19:16:45.823" v="1921"/>
+          <ac:spMkLst>
+            <pc:docMk/>
+            <pc:sldMk cId="827940926" sldId="484"/>
+            <ac:spMk id="2" creationId="{EB091E7F-0DEA-DC23-8219-6D004D37B9B2}"/>
+          </ac:spMkLst>
+        </pc:spChg>
+        <pc:spChg chg="mod">
+          <ac:chgData name="Elizabeth Losa Pérez" userId="60901718135030cb" providerId="LiveId" clId="{26FC0CC9-6E14-48FB-B292-E093C79A5781}" dt="2024-11-20T19:16:36.553" v="1919" actId="14100"/>
+          <ac:spMkLst>
+            <pc:docMk/>
+            <pc:sldMk cId="827940926" sldId="484"/>
+            <ac:spMk id="3" creationId="{1989535B-2DA4-54EF-61F4-034DBAABF4C1}"/>
+          </ac:spMkLst>
+        </pc:spChg>
+        <pc:spChg chg="add mod">
+          <ac:chgData name="Elizabeth Losa Pérez" userId="60901718135030cb" providerId="LiveId" clId="{26FC0CC9-6E14-48FB-B292-E093C79A5781}" dt="2024-11-20T19:17:22.553" v="1933" actId="20577"/>
+          <ac:spMkLst>
+            <pc:docMk/>
+            <pc:sldMk cId="827940926" sldId="484"/>
+            <ac:spMk id="5" creationId="{9912A55E-A8C6-A88A-FDE8-5658570D3B56}"/>
+          </ac:spMkLst>
+        </pc:spChg>
+        <pc:spChg chg="add mod">
+          <ac:chgData name="Elizabeth Losa Pérez" userId="60901718135030cb" providerId="LiveId" clId="{26FC0CC9-6E14-48FB-B292-E093C79A5781}" dt="2024-11-20T19:17:00.233" v="1923"/>
+          <ac:spMkLst>
+            <pc:docMk/>
+            <pc:sldMk cId="827940926" sldId="484"/>
+            <ac:spMk id="6" creationId="{2EB067C0-3CAA-D191-EA3F-C7C11C3FA65D}"/>
+          </ac:spMkLst>
+        </pc:spChg>
+        <pc:spChg chg="add mod">
+          <ac:chgData name="Elizabeth Losa Pérez" userId="60901718135030cb" providerId="LiveId" clId="{26FC0CC9-6E14-48FB-B292-E093C79A5781}" dt="2024-11-20T19:17:20.789" v="1932" actId="6549"/>
+          <ac:spMkLst>
+            <pc:docMk/>
+            <pc:sldMk cId="827940926" sldId="484"/>
+            <ac:spMk id="7" creationId="{2AD975C3-7D89-049B-0957-DDABEFC71609}"/>
+          </ac:spMkLst>
+        </pc:spChg>
+      </pc:sldChg>
     </pc:docChg>
   </pc:docChgLst>
 </pc:chgInfo>
@@ -851,7 +1156,7 @@
           <a:p>
             <a:fld id="{8F34D071-8B40-43A1-97EB-44FF1F8B8917}" type="datetimeFigureOut">
               <a:rPr lang="es-ES" smtClean="0"/>
-              <a:t>19/11/2024</a:t>
+              <a:t>20/11/2024</a:t>
             </a:fld>
             <a:endParaRPr lang="es-ES"/>
           </a:p>
@@ -1210,546 +1515,6 @@
         <p:cNvPr id="1" name="">
           <a:extLst>
             <a:ext uri="{FF2B5EF4-FFF2-40B4-BE49-F238E27FC236}">
-              <a16:creationId xmlns:a16="http://schemas.microsoft.com/office/drawing/2014/main" id="{4D72C8D6-EB5C-9DCF-5C44-5009CD705B18}"/>
-            </a:ext>
-          </a:extLst>
-        </p:cNvPr>
-        <p:cNvGrpSpPr/>
-        <p:nvPr/>
-      </p:nvGrpSpPr>
-      <p:grpSpPr>
-        <a:xfrm>
-          <a:off x="0" y="0"/>
-          <a:ext cx="0" cy="0"/>
-          <a:chOff x="0" y="0"/>
-          <a:chExt cx="0" cy="0"/>
-        </a:xfrm>
-      </p:grpSpPr>
-      <p:sp>
-        <p:nvSpPr>
-          <p:cNvPr id="2" name="Marcador de imagen de diapositiva 1">
-            <a:extLst>
-              <a:ext uri="{FF2B5EF4-FFF2-40B4-BE49-F238E27FC236}">
-                <a16:creationId xmlns:a16="http://schemas.microsoft.com/office/drawing/2014/main" id="{CAE454C7-439F-C321-C9D1-0061D8A6F860}"/>
-              </a:ext>
-            </a:extLst>
-          </p:cNvPr>
-          <p:cNvSpPr>
-            <a:spLocks noGrp="1" noRot="1" noChangeAspect="1"/>
-          </p:cNvSpPr>
-          <p:nvPr>
-            <p:ph type="sldImg"/>
-          </p:nvPr>
-        </p:nvSpPr>
-        <p:spPr/>
-      </p:sp>
-      <p:sp>
-        <p:nvSpPr>
-          <p:cNvPr id="3" name="Marcador de notas 2">
-            <a:extLst>
-              <a:ext uri="{FF2B5EF4-FFF2-40B4-BE49-F238E27FC236}">
-                <a16:creationId xmlns:a16="http://schemas.microsoft.com/office/drawing/2014/main" id="{19B3BBA7-AEC4-51E4-7BB2-00776005EA6B}"/>
-              </a:ext>
-            </a:extLst>
-          </p:cNvPr>
-          <p:cNvSpPr>
-            <a:spLocks noGrp="1"/>
-          </p:cNvSpPr>
-          <p:nvPr>
-            <p:ph type="body" idx="1"/>
-          </p:nvPr>
-        </p:nvSpPr>
-        <p:spPr/>
-        <p:txBody>
-          <a:bodyPr/>
-          <a:lstStyle/>
-          <a:p>
-            <a:endParaRPr lang="es-ES" dirty="0"/>
-          </a:p>
-        </p:txBody>
-      </p:sp>
-      <p:sp>
-        <p:nvSpPr>
-          <p:cNvPr id="4" name="Marcador de número de diapositiva 3">
-            <a:extLst>
-              <a:ext uri="{FF2B5EF4-FFF2-40B4-BE49-F238E27FC236}">
-                <a16:creationId xmlns:a16="http://schemas.microsoft.com/office/drawing/2014/main" id="{AFCED820-7537-BAAA-6621-67DD41C735D5}"/>
-              </a:ext>
-            </a:extLst>
-          </p:cNvPr>
-          <p:cNvSpPr>
-            <a:spLocks noGrp="1"/>
-          </p:cNvSpPr>
-          <p:nvPr>
-            <p:ph type="sldNum" sz="quarter" idx="5"/>
-          </p:nvPr>
-        </p:nvSpPr>
-        <p:spPr/>
-        <p:txBody>
-          <a:bodyPr/>
-          <a:lstStyle/>
-          <a:p>
-            <a:fld id="{4FC0ACAF-B518-4A5E-A721-8836A6002A26}" type="slidenum">
-              <a:rPr lang="es-ES" smtClean="0"/>
-              <a:t>10</a:t>
-            </a:fld>
-            <a:endParaRPr lang="es-ES"/>
-          </a:p>
-        </p:txBody>
-      </p:sp>
-    </p:spTree>
-    <p:extLst>
-      <p:ext uri="{BB962C8B-B14F-4D97-AF65-F5344CB8AC3E}">
-        <p14:creationId xmlns:p14="http://schemas.microsoft.com/office/powerpoint/2010/main" val="2119823126"/>
-      </p:ext>
-    </p:extLst>
-  </p:cSld>
-  <p:clrMapOvr>
-    <a:masterClrMapping/>
-  </p:clrMapOvr>
-</p:notes>
-</file>
-
-<file path=ppt/notesSlides/notesSlide11.xml><?xml version="1.0" encoding="utf-8"?>
-<p:notes xmlns:a="http://schemas.openxmlformats.org/drawingml/2006/main" xmlns:r="http://schemas.openxmlformats.org/officeDocument/2006/relationships" xmlns:p="http://schemas.openxmlformats.org/presentationml/2006/main">
-  <p:cSld>
-    <p:spTree>
-      <p:nvGrpSpPr>
-        <p:cNvPr id="1" name="">
-          <a:extLst>
-            <a:ext uri="{FF2B5EF4-FFF2-40B4-BE49-F238E27FC236}">
-              <a16:creationId xmlns:a16="http://schemas.microsoft.com/office/drawing/2014/main" id="{15EA61BA-14FB-9BD9-33C9-035030B880E6}"/>
-            </a:ext>
-          </a:extLst>
-        </p:cNvPr>
-        <p:cNvGrpSpPr/>
-        <p:nvPr/>
-      </p:nvGrpSpPr>
-      <p:grpSpPr>
-        <a:xfrm>
-          <a:off x="0" y="0"/>
-          <a:ext cx="0" cy="0"/>
-          <a:chOff x="0" y="0"/>
-          <a:chExt cx="0" cy="0"/>
-        </a:xfrm>
-      </p:grpSpPr>
-      <p:sp>
-        <p:nvSpPr>
-          <p:cNvPr id="2" name="Marcador de imagen de diapositiva 1">
-            <a:extLst>
-              <a:ext uri="{FF2B5EF4-FFF2-40B4-BE49-F238E27FC236}">
-                <a16:creationId xmlns:a16="http://schemas.microsoft.com/office/drawing/2014/main" id="{9A369402-0485-5192-1D83-45100521EDAD}"/>
-              </a:ext>
-            </a:extLst>
-          </p:cNvPr>
-          <p:cNvSpPr>
-            <a:spLocks noGrp="1" noRot="1" noChangeAspect="1"/>
-          </p:cNvSpPr>
-          <p:nvPr>
-            <p:ph type="sldImg"/>
-          </p:nvPr>
-        </p:nvSpPr>
-        <p:spPr/>
-      </p:sp>
-      <p:sp>
-        <p:nvSpPr>
-          <p:cNvPr id="3" name="Marcador de notas 2">
-            <a:extLst>
-              <a:ext uri="{FF2B5EF4-FFF2-40B4-BE49-F238E27FC236}">
-                <a16:creationId xmlns:a16="http://schemas.microsoft.com/office/drawing/2014/main" id="{E8BB86EB-9C60-85EE-8160-5BD1B9847B60}"/>
-              </a:ext>
-            </a:extLst>
-          </p:cNvPr>
-          <p:cNvSpPr>
-            <a:spLocks noGrp="1"/>
-          </p:cNvSpPr>
-          <p:nvPr>
-            <p:ph type="body" idx="1"/>
-          </p:nvPr>
-        </p:nvSpPr>
-        <p:spPr/>
-        <p:txBody>
-          <a:bodyPr/>
-          <a:lstStyle/>
-          <a:p>
-            <a:endParaRPr lang="es-ES" dirty="0"/>
-          </a:p>
-        </p:txBody>
-      </p:sp>
-      <p:sp>
-        <p:nvSpPr>
-          <p:cNvPr id="4" name="Marcador de número de diapositiva 3">
-            <a:extLst>
-              <a:ext uri="{FF2B5EF4-FFF2-40B4-BE49-F238E27FC236}">
-                <a16:creationId xmlns:a16="http://schemas.microsoft.com/office/drawing/2014/main" id="{94A30F35-7EE4-C178-C5A9-593989230E03}"/>
-              </a:ext>
-            </a:extLst>
-          </p:cNvPr>
-          <p:cNvSpPr>
-            <a:spLocks noGrp="1"/>
-          </p:cNvSpPr>
-          <p:nvPr>
-            <p:ph type="sldNum" sz="quarter" idx="5"/>
-          </p:nvPr>
-        </p:nvSpPr>
-        <p:spPr/>
-        <p:txBody>
-          <a:bodyPr/>
-          <a:lstStyle/>
-          <a:p>
-            <a:fld id="{4FC0ACAF-B518-4A5E-A721-8836A6002A26}" type="slidenum">
-              <a:rPr lang="es-ES" smtClean="0"/>
-              <a:t>11</a:t>
-            </a:fld>
-            <a:endParaRPr lang="es-ES"/>
-          </a:p>
-        </p:txBody>
-      </p:sp>
-    </p:spTree>
-    <p:extLst>
-      <p:ext uri="{BB962C8B-B14F-4D97-AF65-F5344CB8AC3E}">
-        <p14:creationId xmlns:p14="http://schemas.microsoft.com/office/powerpoint/2010/main" val="1358255130"/>
-      </p:ext>
-    </p:extLst>
-  </p:cSld>
-  <p:clrMapOvr>
-    <a:masterClrMapping/>
-  </p:clrMapOvr>
-</p:notes>
-</file>
-
-<file path=ppt/notesSlides/notesSlide12.xml><?xml version="1.0" encoding="utf-8"?>
-<p:notes xmlns:a="http://schemas.openxmlformats.org/drawingml/2006/main" xmlns:r="http://schemas.openxmlformats.org/officeDocument/2006/relationships" xmlns:p="http://schemas.openxmlformats.org/presentationml/2006/main">
-  <p:cSld>
-    <p:spTree>
-      <p:nvGrpSpPr>
-        <p:cNvPr id="1" name="">
-          <a:extLst>
-            <a:ext uri="{FF2B5EF4-FFF2-40B4-BE49-F238E27FC236}">
-              <a16:creationId xmlns:a16="http://schemas.microsoft.com/office/drawing/2014/main" id="{903876CF-9B23-DFF2-FA3E-147AD957BE8A}"/>
-            </a:ext>
-          </a:extLst>
-        </p:cNvPr>
-        <p:cNvGrpSpPr/>
-        <p:nvPr/>
-      </p:nvGrpSpPr>
-      <p:grpSpPr>
-        <a:xfrm>
-          <a:off x="0" y="0"/>
-          <a:ext cx="0" cy="0"/>
-          <a:chOff x="0" y="0"/>
-          <a:chExt cx="0" cy="0"/>
-        </a:xfrm>
-      </p:grpSpPr>
-      <p:sp>
-        <p:nvSpPr>
-          <p:cNvPr id="2" name="Marcador de imagen de diapositiva 1">
-            <a:extLst>
-              <a:ext uri="{FF2B5EF4-FFF2-40B4-BE49-F238E27FC236}">
-                <a16:creationId xmlns:a16="http://schemas.microsoft.com/office/drawing/2014/main" id="{52790F78-C437-F2AA-F147-B8D6A4E31228}"/>
-              </a:ext>
-            </a:extLst>
-          </p:cNvPr>
-          <p:cNvSpPr>
-            <a:spLocks noGrp="1" noRot="1" noChangeAspect="1"/>
-          </p:cNvSpPr>
-          <p:nvPr>
-            <p:ph type="sldImg"/>
-          </p:nvPr>
-        </p:nvSpPr>
-        <p:spPr/>
-      </p:sp>
-      <p:sp>
-        <p:nvSpPr>
-          <p:cNvPr id="3" name="Marcador de notas 2">
-            <a:extLst>
-              <a:ext uri="{FF2B5EF4-FFF2-40B4-BE49-F238E27FC236}">
-                <a16:creationId xmlns:a16="http://schemas.microsoft.com/office/drawing/2014/main" id="{4A53D8F4-39CB-CB2F-77CD-244AA8752A53}"/>
-              </a:ext>
-            </a:extLst>
-          </p:cNvPr>
-          <p:cNvSpPr>
-            <a:spLocks noGrp="1"/>
-          </p:cNvSpPr>
-          <p:nvPr>
-            <p:ph type="body" idx="1"/>
-          </p:nvPr>
-        </p:nvSpPr>
-        <p:spPr/>
-        <p:txBody>
-          <a:bodyPr/>
-          <a:lstStyle/>
-          <a:p>
-            <a:endParaRPr lang="es-ES" dirty="0"/>
-          </a:p>
-        </p:txBody>
-      </p:sp>
-      <p:sp>
-        <p:nvSpPr>
-          <p:cNvPr id="4" name="Marcador de número de diapositiva 3">
-            <a:extLst>
-              <a:ext uri="{FF2B5EF4-FFF2-40B4-BE49-F238E27FC236}">
-                <a16:creationId xmlns:a16="http://schemas.microsoft.com/office/drawing/2014/main" id="{B8E816A3-5D3D-7CD7-67E5-765C9487B0A2}"/>
-              </a:ext>
-            </a:extLst>
-          </p:cNvPr>
-          <p:cNvSpPr>
-            <a:spLocks noGrp="1"/>
-          </p:cNvSpPr>
-          <p:nvPr>
-            <p:ph type="sldNum" sz="quarter" idx="5"/>
-          </p:nvPr>
-        </p:nvSpPr>
-        <p:spPr/>
-        <p:txBody>
-          <a:bodyPr/>
-          <a:lstStyle/>
-          <a:p>
-            <a:fld id="{4FC0ACAF-B518-4A5E-A721-8836A6002A26}" type="slidenum">
-              <a:rPr lang="es-ES" smtClean="0"/>
-              <a:t>12</a:t>
-            </a:fld>
-            <a:endParaRPr lang="es-ES"/>
-          </a:p>
-        </p:txBody>
-      </p:sp>
-    </p:spTree>
-    <p:extLst>
-      <p:ext uri="{BB962C8B-B14F-4D97-AF65-F5344CB8AC3E}">
-        <p14:creationId xmlns:p14="http://schemas.microsoft.com/office/powerpoint/2010/main" val="1179133364"/>
-      </p:ext>
-    </p:extLst>
-  </p:cSld>
-  <p:clrMapOvr>
-    <a:masterClrMapping/>
-  </p:clrMapOvr>
-</p:notes>
-</file>
-
-<file path=ppt/notesSlides/notesSlide13.xml><?xml version="1.0" encoding="utf-8"?>
-<p:notes xmlns:a="http://schemas.openxmlformats.org/drawingml/2006/main" xmlns:r="http://schemas.openxmlformats.org/officeDocument/2006/relationships" xmlns:p="http://schemas.openxmlformats.org/presentationml/2006/main">
-  <p:cSld>
-    <p:spTree>
-      <p:nvGrpSpPr>
-        <p:cNvPr id="1" name="">
-          <a:extLst>
-            <a:ext uri="{FF2B5EF4-FFF2-40B4-BE49-F238E27FC236}">
-              <a16:creationId xmlns:a16="http://schemas.microsoft.com/office/drawing/2014/main" id="{D9CDB192-BAF7-0F58-5707-20F72F088736}"/>
-            </a:ext>
-          </a:extLst>
-        </p:cNvPr>
-        <p:cNvGrpSpPr/>
-        <p:nvPr/>
-      </p:nvGrpSpPr>
-      <p:grpSpPr>
-        <a:xfrm>
-          <a:off x="0" y="0"/>
-          <a:ext cx="0" cy="0"/>
-          <a:chOff x="0" y="0"/>
-          <a:chExt cx="0" cy="0"/>
-        </a:xfrm>
-      </p:grpSpPr>
-      <p:sp>
-        <p:nvSpPr>
-          <p:cNvPr id="2" name="Marcador de imagen de diapositiva 1">
-            <a:extLst>
-              <a:ext uri="{FF2B5EF4-FFF2-40B4-BE49-F238E27FC236}">
-                <a16:creationId xmlns:a16="http://schemas.microsoft.com/office/drawing/2014/main" id="{3841625E-0FC6-309A-B6F6-7E30305362F5}"/>
-              </a:ext>
-            </a:extLst>
-          </p:cNvPr>
-          <p:cNvSpPr>
-            <a:spLocks noGrp="1" noRot="1" noChangeAspect="1"/>
-          </p:cNvSpPr>
-          <p:nvPr>
-            <p:ph type="sldImg"/>
-          </p:nvPr>
-        </p:nvSpPr>
-        <p:spPr/>
-      </p:sp>
-      <p:sp>
-        <p:nvSpPr>
-          <p:cNvPr id="3" name="Marcador de notas 2">
-            <a:extLst>
-              <a:ext uri="{FF2B5EF4-FFF2-40B4-BE49-F238E27FC236}">
-                <a16:creationId xmlns:a16="http://schemas.microsoft.com/office/drawing/2014/main" id="{C41F9506-7472-CEC5-E88C-7D4FDF09059C}"/>
-              </a:ext>
-            </a:extLst>
-          </p:cNvPr>
-          <p:cNvSpPr>
-            <a:spLocks noGrp="1"/>
-          </p:cNvSpPr>
-          <p:nvPr>
-            <p:ph type="body" idx="1"/>
-          </p:nvPr>
-        </p:nvSpPr>
-        <p:spPr/>
-        <p:txBody>
-          <a:bodyPr/>
-          <a:lstStyle/>
-          <a:p>
-            <a:endParaRPr lang="es-ES" dirty="0"/>
-          </a:p>
-        </p:txBody>
-      </p:sp>
-      <p:sp>
-        <p:nvSpPr>
-          <p:cNvPr id="4" name="Marcador de número de diapositiva 3">
-            <a:extLst>
-              <a:ext uri="{FF2B5EF4-FFF2-40B4-BE49-F238E27FC236}">
-                <a16:creationId xmlns:a16="http://schemas.microsoft.com/office/drawing/2014/main" id="{8501AB2A-5187-F05D-1F75-6089192192AD}"/>
-              </a:ext>
-            </a:extLst>
-          </p:cNvPr>
-          <p:cNvSpPr>
-            <a:spLocks noGrp="1"/>
-          </p:cNvSpPr>
-          <p:nvPr>
-            <p:ph type="sldNum" sz="quarter" idx="5"/>
-          </p:nvPr>
-        </p:nvSpPr>
-        <p:spPr/>
-        <p:txBody>
-          <a:bodyPr/>
-          <a:lstStyle/>
-          <a:p>
-            <a:fld id="{4FC0ACAF-B518-4A5E-A721-8836A6002A26}" type="slidenum">
-              <a:rPr lang="es-ES" smtClean="0"/>
-              <a:t>13</a:t>
-            </a:fld>
-            <a:endParaRPr lang="es-ES"/>
-          </a:p>
-        </p:txBody>
-      </p:sp>
-    </p:spTree>
-    <p:extLst>
-      <p:ext uri="{BB962C8B-B14F-4D97-AF65-F5344CB8AC3E}">
-        <p14:creationId xmlns:p14="http://schemas.microsoft.com/office/powerpoint/2010/main" val="1511222966"/>
-      </p:ext>
-    </p:extLst>
-  </p:cSld>
-  <p:clrMapOvr>
-    <a:masterClrMapping/>
-  </p:clrMapOvr>
-</p:notes>
-</file>
-
-<file path=ppt/notesSlides/notesSlide14.xml><?xml version="1.0" encoding="utf-8"?>
-<p:notes xmlns:a="http://schemas.openxmlformats.org/drawingml/2006/main" xmlns:r="http://schemas.openxmlformats.org/officeDocument/2006/relationships" xmlns:p="http://schemas.openxmlformats.org/presentationml/2006/main">
-  <p:cSld>
-    <p:spTree>
-      <p:nvGrpSpPr>
-        <p:cNvPr id="1" name="">
-          <a:extLst>
-            <a:ext uri="{FF2B5EF4-FFF2-40B4-BE49-F238E27FC236}">
-              <a16:creationId xmlns:a16="http://schemas.microsoft.com/office/drawing/2014/main" id="{6B5B6590-6E51-7F38-5E9C-4FA6C6DBF453}"/>
-            </a:ext>
-          </a:extLst>
-        </p:cNvPr>
-        <p:cNvGrpSpPr/>
-        <p:nvPr/>
-      </p:nvGrpSpPr>
-      <p:grpSpPr>
-        <a:xfrm>
-          <a:off x="0" y="0"/>
-          <a:ext cx="0" cy="0"/>
-          <a:chOff x="0" y="0"/>
-          <a:chExt cx="0" cy="0"/>
-        </a:xfrm>
-      </p:grpSpPr>
-      <p:sp>
-        <p:nvSpPr>
-          <p:cNvPr id="2" name="Marcador de imagen de diapositiva 1">
-            <a:extLst>
-              <a:ext uri="{FF2B5EF4-FFF2-40B4-BE49-F238E27FC236}">
-                <a16:creationId xmlns:a16="http://schemas.microsoft.com/office/drawing/2014/main" id="{61351FFC-F581-3095-67D6-9305780CA5BD}"/>
-              </a:ext>
-            </a:extLst>
-          </p:cNvPr>
-          <p:cNvSpPr>
-            <a:spLocks noGrp="1" noRot="1" noChangeAspect="1"/>
-          </p:cNvSpPr>
-          <p:nvPr>
-            <p:ph type="sldImg"/>
-          </p:nvPr>
-        </p:nvSpPr>
-        <p:spPr/>
-      </p:sp>
-      <p:sp>
-        <p:nvSpPr>
-          <p:cNvPr id="3" name="Marcador de notas 2">
-            <a:extLst>
-              <a:ext uri="{FF2B5EF4-FFF2-40B4-BE49-F238E27FC236}">
-                <a16:creationId xmlns:a16="http://schemas.microsoft.com/office/drawing/2014/main" id="{2CD02399-6706-654E-7CDF-DE7E76DEEFEE}"/>
-              </a:ext>
-            </a:extLst>
-          </p:cNvPr>
-          <p:cNvSpPr>
-            <a:spLocks noGrp="1"/>
-          </p:cNvSpPr>
-          <p:nvPr>
-            <p:ph type="body" idx="1"/>
-          </p:nvPr>
-        </p:nvSpPr>
-        <p:spPr/>
-        <p:txBody>
-          <a:bodyPr/>
-          <a:lstStyle/>
-          <a:p>
-            <a:endParaRPr lang="es-ES" dirty="0"/>
-          </a:p>
-        </p:txBody>
-      </p:sp>
-      <p:sp>
-        <p:nvSpPr>
-          <p:cNvPr id="4" name="Marcador de número de diapositiva 3">
-            <a:extLst>
-              <a:ext uri="{FF2B5EF4-FFF2-40B4-BE49-F238E27FC236}">
-                <a16:creationId xmlns:a16="http://schemas.microsoft.com/office/drawing/2014/main" id="{32FE6458-2EDC-995A-CB4D-A2CD1EFD0764}"/>
-              </a:ext>
-            </a:extLst>
-          </p:cNvPr>
-          <p:cNvSpPr>
-            <a:spLocks noGrp="1"/>
-          </p:cNvSpPr>
-          <p:nvPr>
-            <p:ph type="sldNum" sz="quarter" idx="5"/>
-          </p:nvPr>
-        </p:nvSpPr>
-        <p:spPr/>
-        <p:txBody>
-          <a:bodyPr/>
-          <a:lstStyle/>
-          <a:p>
-            <a:fld id="{4FC0ACAF-B518-4A5E-A721-8836A6002A26}" type="slidenum">
-              <a:rPr lang="es-ES" smtClean="0"/>
-              <a:t>14</a:t>
-            </a:fld>
-            <a:endParaRPr lang="es-ES"/>
-          </a:p>
-        </p:txBody>
-      </p:sp>
-    </p:spTree>
-    <p:extLst>
-      <p:ext uri="{BB962C8B-B14F-4D97-AF65-F5344CB8AC3E}">
-        <p14:creationId xmlns:p14="http://schemas.microsoft.com/office/powerpoint/2010/main" val="786309347"/>
-      </p:ext>
-    </p:extLst>
-  </p:cSld>
-  <p:clrMapOvr>
-    <a:masterClrMapping/>
-  </p:clrMapOvr>
-</p:notes>
-</file>
-
-<file path=ppt/notesSlides/notesSlide15.xml><?xml version="1.0" encoding="utf-8"?>
-<p:notes xmlns:a="http://schemas.openxmlformats.org/drawingml/2006/main" xmlns:r="http://schemas.openxmlformats.org/officeDocument/2006/relationships" xmlns:p="http://schemas.openxmlformats.org/presentationml/2006/main">
-  <p:cSld>
-    <p:spTree>
-      <p:nvGrpSpPr>
-        <p:cNvPr id="1" name="">
-          <a:extLst>
-            <a:ext uri="{FF2B5EF4-FFF2-40B4-BE49-F238E27FC236}">
               <a16:creationId xmlns:a16="http://schemas.microsoft.com/office/drawing/2014/main" id="{58A47D3D-80D9-1A6A-18C8-8176DC5B784F}"/>
             </a:ext>
           </a:extLst>
@@ -1831,7 +1596,7 @@
           <a:p>
             <a:fld id="{4FC0ACAF-B518-4A5E-A721-8836A6002A26}" type="slidenum">
               <a:rPr lang="es-ES" smtClean="0"/>
-              <a:t>15</a:t>
+              <a:t>10</a:t>
             </a:fld>
             <a:endParaRPr lang="es-ES"/>
           </a:p>
@@ -1850,7 +1615,7 @@
 </p:notes>
 </file>
 
-<file path=ppt/notesSlides/notesSlide16.xml><?xml version="1.0" encoding="utf-8"?>
+<file path=ppt/notesSlides/notesSlide11.xml><?xml version="1.0" encoding="utf-8"?>
 <p:notes xmlns:a="http://schemas.openxmlformats.org/drawingml/2006/main" xmlns:r="http://schemas.openxmlformats.org/officeDocument/2006/relationships" xmlns:p="http://schemas.openxmlformats.org/presentationml/2006/main">
   <p:cSld>
     <p:spTree>
@@ -1939,7 +1704,7 @@
           <a:p>
             <a:fld id="{4FC0ACAF-B518-4A5E-A721-8836A6002A26}" type="slidenum">
               <a:rPr lang="es-ES" smtClean="0"/>
-              <a:t>16</a:t>
+              <a:t>11</a:t>
             </a:fld>
             <a:endParaRPr lang="es-ES"/>
           </a:p>
@@ -1958,7 +1723,223 @@
 </p:notes>
 </file>
 
-<file path=ppt/notesSlides/notesSlide17.xml><?xml version="1.0" encoding="utf-8"?>
+<file path=ppt/notesSlides/notesSlide12.xml><?xml version="1.0" encoding="utf-8"?>
+<p:notes xmlns:a="http://schemas.openxmlformats.org/drawingml/2006/main" xmlns:r="http://schemas.openxmlformats.org/officeDocument/2006/relationships" xmlns:p="http://schemas.openxmlformats.org/presentationml/2006/main">
+  <p:cSld>
+    <p:spTree>
+      <p:nvGrpSpPr>
+        <p:cNvPr id="1" name="">
+          <a:extLst>
+            <a:ext uri="{FF2B5EF4-FFF2-40B4-BE49-F238E27FC236}">
+              <a16:creationId xmlns:a16="http://schemas.microsoft.com/office/drawing/2014/main" id="{08C07ED7-630B-3A9D-0247-95EA5B8211A3}"/>
+            </a:ext>
+          </a:extLst>
+        </p:cNvPr>
+        <p:cNvGrpSpPr/>
+        <p:nvPr/>
+      </p:nvGrpSpPr>
+      <p:grpSpPr>
+        <a:xfrm>
+          <a:off x="0" y="0"/>
+          <a:ext cx="0" cy="0"/>
+          <a:chOff x="0" y="0"/>
+          <a:chExt cx="0" cy="0"/>
+        </a:xfrm>
+      </p:grpSpPr>
+      <p:sp>
+        <p:nvSpPr>
+          <p:cNvPr id="2" name="Marcador de imagen de diapositiva 1">
+            <a:extLst>
+              <a:ext uri="{FF2B5EF4-FFF2-40B4-BE49-F238E27FC236}">
+                <a16:creationId xmlns:a16="http://schemas.microsoft.com/office/drawing/2014/main" id="{9275EC6C-1B92-D5A4-3D19-840001FC728B}"/>
+              </a:ext>
+            </a:extLst>
+          </p:cNvPr>
+          <p:cNvSpPr>
+            <a:spLocks noGrp="1" noRot="1" noChangeAspect="1"/>
+          </p:cNvSpPr>
+          <p:nvPr>
+            <p:ph type="sldImg"/>
+          </p:nvPr>
+        </p:nvSpPr>
+        <p:spPr/>
+      </p:sp>
+      <p:sp>
+        <p:nvSpPr>
+          <p:cNvPr id="3" name="Marcador de notas 2">
+            <a:extLst>
+              <a:ext uri="{FF2B5EF4-FFF2-40B4-BE49-F238E27FC236}">
+                <a16:creationId xmlns:a16="http://schemas.microsoft.com/office/drawing/2014/main" id="{EDAA9D3A-E581-E7B0-294D-C809AFF2DE68}"/>
+              </a:ext>
+            </a:extLst>
+          </p:cNvPr>
+          <p:cNvSpPr>
+            <a:spLocks noGrp="1"/>
+          </p:cNvSpPr>
+          <p:nvPr>
+            <p:ph type="body" idx="1"/>
+          </p:nvPr>
+        </p:nvSpPr>
+        <p:spPr/>
+        <p:txBody>
+          <a:bodyPr/>
+          <a:lstStyle/>
+          <a:p>
+            <a:endParaRPr lang="es-ES" dirty="0"/>
+          </a:p>
+        </p:txBody>
+      </p:sp>
+      <p:sp>
+        <p:nvSpPr>
+          <p:cNvPr id="4" name="Marcador de número de diapositiva 3">
+            <a:extLst>
+              <a:ext uri="{FF2B5EF4-FFF2-40B4-BE49-F238E27FC236}">
+                <a16:creationId xmlns:a16="http://schemas.microsoft.com/office/drawing/2014/main" id="{92567A94-0AE4-6CBD-EF5E-B547717950BE}"/>
+              </a:ext>
+            </a:extLst>
+          </p:cNvPr>
+          <p:cNvSpPr>
+            <a:spLocks noGrp="1"/>
+          </p:cNvSpPr>
+          <p:nvPr>
+            <p:ph type="sldNum" sz="quarter" idx="5"/>
+          </p:nvPr>
+        </p:nvSpPr>
+        <p:spPr/>
+        <p:txBody>
+          <a:bodyPr/>
+          <a:lstStyle/>
+          <a:p>
+            <a:fld id="{4FC0ACAF-B518-4A5E-A721-8836A6002A26}" type="slidenum">
+              <a:rPr lang="es-ES" smtClean="0"/>
+              <a:t>12</a:t>
+            </a:fld>
+            <a:endParaRPr lang="es-ES"/>
+          </a:p>
+        </p:txBody>
+      </p:sp>
+    </p:spTree>
+    <p:extLst>
+      <p:ext uri="{BB962C8B-B14F-4D97-AF65-F5344CB8AC3E}">
+        <p14:creationId xmlns:p14="http://schemas.microsoft.com/office/powerpoint/2010/main" val="2809662018"/>
+      </p:ext>
+    </p:extLst>
+  </p:cSld>
+  <p:clrMapOvr>
+    <a:masterClrMapping/>
+  </p:clrMapOvr>
+</p:notes>
+</file>
+
+<file path=ppt/notesSlides/notesSlide13.xml><?xml version="1.0" encoding="utf-8"?>
+<p:notes xmlns:a="http://schemas.openxmlformats.org/drawingml/2006/main" xmlns:r="http://schemas.openxmlformats.org/officeDocument/2006/relationships" xmlns:p="http://schemas.openxmlformats.org/presentationml/2006/main">
+  <p:cSld>
+    <p:spTree>
+      <p:nvGrpSpPr>
+        <p:cNvPr id="1" name="">
+          <a:extLst>
+            <a:ext uri="{FF2B5EF4-FFF2-40B4-BE49-F238E27FC236}">
+              <a16:creationId xmlns:a16="http://schemas.microsoft.com/office/drawing/2014/main" id="{7C139DCB-BF04-FFEF-D343-E9F16CFE7874}"/>
+            </a:ext>
+          </a:extLst>
+        </p:cNvPr>
+        <p:cNvGrpSpPr/>
+        <p:nvPr/>
+      </p:nvGrpSpPr>
+      <p:grpSpPr>
+        <a:xfrm>
+          <a:off x="0" y="0"/>
+          <a:ext cx="0" cy="0"/>
+          <a:chOff x="0" y="0"/>
+          <a:chExt cx="0" cy="0"/>
+        </a:xfrm>
+      </p:grpSpPr>
+      <p:sp>
+        <p:nvSpPr>
+          <p:cNvPr id="2" name="Marcador de imagen de diapositiva 1">
+            <a:extLst>
+              <a:ext uri="{FF2B5EF4-FFF2-40B4-BE49-F238E27FC236}">
+                <a16:creationId xmlns:a16="http://schemas.microsoft.com/office/drawing/2014/main" id="{B8FBA576-2364-D539-6D6C-E18A4A01ADFC}"/>
+              </a:ext>
+            </a:extLst>
+          </p:cNvPr>
+          <p:cNvSpPr>
+            <a:spLocks noGrp="1" noRot="1" noChangeAspect="1"/>
+          </p:cNvSpPr>
+          <p:nvPr>
+            <p:ph type="sldImg"/>
+          </p:nvPr>
+        </p:nvSpPr>
+        <p:spPr/>
+      </p:sp>
+      <p:sp>
+        <p:nvSpPr>
+          <p:cNvPr id="3" name="Marcador de notas 2">
+            <a:extLst>
+              <a:ext uri="{FF2B5EF4-FFF2-40B4-BE49-F238E27FC236}">
+                <a16:creationId xmlns:a16="http://schemas.microsoft.com/office/drawing/2014/main" id="{4392AC2E-6706-489D-2B69-1AE0158656E7}"/>
+              </a:ext>
+            </a:extLst>
+          </p:cNvPr>
+          <p:cNvSpPr>
+            <a:spLocks noGrp="1"/>
+          </p:cNvSpPr>
+          <p:nvPr>
+            <p:ph type="body" idx="1"/>
+          </p:nvPr>
+        </p:nvSpPr>
+        <p:spPr/>
+        <p:txBody>
+          <a:bodyPr/>
+          <a:lstStyle/>
+          <a:p>
+            <a:endParaRPr lang="es-ES" dirty="0"/>
+          </a:p>
+        </p:txBody>
+      </p:sp>
+      <p:sp>
+        <p:nvSpPr>
+          <p:cNvPr id="4" name="Marcador de número de diapositiva 3">
+            <a:extLst>
+              <a:ext uri="{FF2B5EF4-FFF2-40B4-BE49-F238E27FC236}">
+                <a16:creationId xmlns:a16="http://schemas.microsoft.com/office/drawing/2014/main" id="{DCD72E08-983C-68B6-9769-49B92A3F1B50}"/>
+              </a:ext>
+            </a:extLst>
+          </p:cNvPr>
+          <p:cNvSpPr>
+            <a:spLocks noGrp="1"/>
+          </p:cNvSpPr>
+          <p:nvPr>
+            <p:ph type="sldNum" sz="quarter" idx="5"/>
+          </p:nvPr>
+        </p:nvSpPr>
+        <p:spPr/>
+        <p:txBody>
+          <a:bodyPr/>
+          <a:lstStyle/>
+          <a:p>
+            <a:fld id="{4FC0ACAF-B518-4A5E-A721-8836A6002A26}" type="slidenum">
+              <a:rPr lang="es-ES" smtClean="0"/>
+              <a:t>13</a:t>
+            </a:fld>
+            <a:endParaRPr lang="es-ES"/>
+          </a:p>
+        </p:txBody>
+      </p:sp>
+    </p:spTree>
+    <p:extLst>
+      <p:ext uri="{BB962C8B-B14F-4D97-AF65-F5344CB8AC3E}">
+        <p14:creationId xmlns:p14="http://schemas.microsoft.com/office/powerpoint/2010/main" val="3052803003"/>
+      </p:ext>
+    </p:extLst>
+  </p:cSld>
+  <p:clrMapOvr>
+    <a:masterClrMapping/>
+  </p:clrMapOvr>
+</p:notes>
+</file>
+
+<file path=ppt/notesSlides/notesSlide14.xml><?xml version="1.0" encoding="utf-8"?>
 <p:notes xmlns:a="http://schemas.openxmlformats.org/drawingml/2006/main" xmlns:r="http://schemas.openxmlformats.org/officeDocument/2006/relationships" xmlns:p="http://schemas.openxmlformats.org/presentationml/2006/main">
   <p:cSld>
     <p:spTree>
@@ -2047,7 +2028,7 @@
           <a:p>
             <a:fld id="{4FC0ACAF-B518-4A5E-A721-8836A6002A26}" type="slidenum">
               <a:rPr lang="es-ES" smtClean="0"/>
-              <a:t>17</a:t>
+              <a:t>14</a:t>
             </a:fld>
             <a:endParaRPr lang="es-ES"/>
           </a:p>
@@ -2287,90 +2268,6 @@
   <p:cSld>
     <p:spTree>
       <p:nvGrpSpPr>
-        <p:cNvPr id="1" name=""/>
-        <p:cNvGrpSpPr/>
-        <p:nvPr/>
-      </p:nvGrpSpPr>
-      <p:grpSpPr>
-        <a:xfrm>
-          <a:off x="0" y="0"/>
-          <a:ext cx="0" cy="0"/>
-          <a:chOff x="0" y="0"/>
-          <a:chExt cx="0" cy="0"/>
-        </a:xfrm>
-      </p:grpSpPr>
-      <p:sp>
-        <p:nvSpPr>
-          <p:cNvPr id="2" name="Marcador de imagen de diapositiva 1"/>
-          <p:cNvSpPr>
-            <a:spLocks noGrp="1" noRot="1" noChangeAspect="1"/>
-          </p:cNvSpPr>
-          <p:nvPr>
-            <p:ph type="sldImg"/>
-          </p:nvPr>
-        </p:nvSpPr>
-        <p:spPr/>
-      </p:sp>
-      <p:sp>
-        <p:nvSpPr>
-          <p:cNvPr id="3" name="Marcador de notas 2"/>
-          <p:cNvSpPr>
-            <a:spLocks noGrp="1"/>
-          </p:cNvSpPr>
-          <p:nvPr>
-            <p:ph type="body" idx="1"/>
-          </p:nvPr>
-        </p:nvSpPr>
-        <p:spPr/>
-        <p:txBody>
-          <a:bodyPr/>
-          <a:lstStyle/>
-          <a:p>
-            <a:endParaRPr lang="es-ES" dirty="0"/>
-          </a:p>
-        </p:txBody>
-      </p:sp>
-      <p:sp>
-        <p:nvSpPr>
-          <p:cNvPr id="4" name="Marcador de número de diapositiva 3"/>
-          <p:cNvSpPr>
-            <a:spLocks noGrp="1"/>
-          </p:cNvSpPr>
-          <p:nvPr>
-            <p:ph type="sldNum" sz="quarter" idx="5"/>
-          </p:nvPr>
-        </p:nvSpPr>
-        <p:spPr/>
-        <p:txBody>
-          <a:bodyPr/>
-          <a:lstStyle/>
-          <a:p>
-            <a:fld id="{4FC0ACAF-B518-4A5E-A721-8836A6002A26}" type="slidenum">
-              <a:rPr lang="es-ES" smtClean="0"/>
-              <a:t>4</a:t>
-            </a:fld>
-            <a:endParaRPr lang="es-ES"/>
-          </a:p>
-        </p:txBody>
-      </p:sp>
-    </p:spTree>
-    <p:extLst>
-      <p:ext uri="{BB962C8B-B14F-4D97-AF65-F5344CB8AC3E}">
-        <p14:creationId xmlns:p14="http://schemas.microsoft.com/office/powerpoint/2010/main" val="1737081419"/>
-      </p:ext>
-    </p:extLst>
-  </p:cSld>
-  <p:clrMapOvr>
-    <a:masterClrMapping/>
-  </p:clrMapOvr>
-</p:notes>
-</file>
-
-<file path=ppt/notesSlides/notesSlide5.xml><?xml version="1.0" encoding="utf-8"?>
-<p:notes xmlns:a="http://schemas.openxmlformats.org/drawingml/2006/main" xmlns:r="http://schemas.openxmlformats.org/officeDocument/2006/relationships" xmlns:p="http://schemas.openxmlformats.org/presentationml/2006/main">
-  <p:cSld>
-    <p:spTree>
-      <p:nvGrpSpPr>
         <p:cNvPr id="1" name="">
           <a:extLst>
             <a:ext uri="{FF2B5EF4-FFF2-40B4-BE49-F238E27FC236}">
@@ -2455,7 +2352,7 @@
           <a:p>
             <a:fld id="{4FC0ACAF-B518-4A5E-A721-8836A6002A26}" type="slidenum">
               <a:rPr lang="es-ES" smtClean="0"/>
-              <a:t>5</a:t>
+              <a:t>4</a:t>
             </a:fld>
             <a:endParaRPr lang="es-ES"/>
           </a:p>
@@ -2474,7 +2371,7 @@
 </p:notes>
 </file>
 
-<file path=ppt/notesSlides/notesSlide6.xml><?xml version="1.0" encoding="utf-8"?>
+<file path=ppt/notesSlides/notesSlide5.xml><?xml version="1.0" encoding="utf-8"?>
 <p:notes xmlns:a="http://schemas.openxmlformats.org/drawingml/2006/main" xmlns:r="http://schemas.openxmlformats.org/officeDocument/2006/relationships" xmlns:p="http://schemas.openxmlformats.org/presentationml/2006/main">
   <p:cSld>
     <p:spTree>
@@ -2563,7 +2460,7 @@
           <a:p>
             <a:fld id="{4FC0ACAF-B518-4A5E-A721-8836A6002A26}" type="slidenum">
               <a:rPr lang="es-ES" smtClean="0"/>
-              <a:t>6</a:t>
+              <a:t>5</a:t>
             </a:fld>
             <a:endParaRPr lang="es-ES"/>
           </a:p>
@@ -2582,115 +2479,7 @@
 </p:notes>
 </file>
 
-<file path=ppt/notesSlides/notesSlide7.xml><?xml version="1.0" encoding="utf-8"?>
-<p:notes xmlns:a="http://schemas.openxmlformats.org/drawingml/2006/main" xmlns:r="http://schemas.openxmlformats.org/officeDocument/2006/relationships" xmlns:p="http://schemas.openxmlformats.org/presentationml/2006/main">
-  <p:cSld>
-    <p:spTree>
-      <p:nvGrpSpPr>
-        <p:cNvPr id="1" name="">
-          <a:extLst>
-            <a:ext uri="{FF2B5EF4-FFF2-40B4-BE49-F238E27FC236}">
-              <a16:creationId xmlns:a16="http://schemas.microsoft.com/office/drawing/2014/main" id="{3BD2CAFB-5E9F-7F4B-0825-903DC072079B}"/>
-            </a:ext>
-          </a:extLst>
-        </p:cNvPr>
-        <p:cNvGrpSpPr/>
-        <p:nvPr/>
-      </p:nvGrpSpPr>
-      <p:grpSpPr>
-        <a:xfrm>
-          <a:off x="0" y="0"/>
-          <a:ext cx="0" cy="0"/>
-          <a:chOff x="0" y="0"/>
-          <a:chExt cx="0" cy="0"/>
-        </a:xfrm>
-      </p:grpSpPr>
-      <p:sp>
-        <p:nvSpPr>
-          <p:cNvPr id="2" name="Marcador de imagen de diapositiva 1">
-            <a:extLst>
-              <a:ext uri="{FF2B5EF4-FFF2-40B4-BE49-F238E27FC236}">
-                <a16:creationId xmlns:a16="http://schemas.microsoft.com/office/drawing/2014/main" id="{4DB22729-5CFC-524E-A4F7-C64D18125CC4}"/>
-              </a:ext>
-            </a:extLst>
-          </p:cNvPr>
-          <p:cNvSpPr>
-            <a:spLocks noGrp="1" noRot="1" noChangeAspect="1"/>
-          </p:cNvSpPr>
-          <p:nvPr>
-            <p:ph type="sldImg"/>
-          </p:nvPr>
-        </p:nvSpPr>
-        <p:spPr/>
-      </p:sp>
-      <p:sp>
-        <p:nvSpPr>
-          <p:cNvPr id="3" name="Marcador de notas 2">
-            <a:extLst>
-              <a:ext uri="{FF2B5EF4-FFF2-40B4-BE49-F238E27FC236}">
-                <a16:creationId xmlns:a16="http://schemas.microsoft.com/office/drawing/2014/main" id="{6204CA30-22E9-DEFF-CC6E-9FFB149035BD}"/>
-              </a:ext>
-            </a:extLst>
-          </p:cNvPr>
-          <p:cNvSpPr>
-            <a:spLocks noGrp="1"/>
-          </p:cNvSpPr>
-          <p:nvPr>
-            <p:ph type="body" idx="1"/>
-          </p:nvPr>
-        </p:nvSpPr>
-        <p:spPr/>
-        <p:txBody>
-          <a:bodyPr/>
-          <a:lstStyle/>
-          <a:p>
-            <a:endParaRPr lang="es-ES" dirty="0"/>
-          </a:p>
-        </p:txBody>
-      </p:sp>
-      <p:sp>
-        <p:nvSpPr>
-          <p:cNvPr id="4" name="Marcador de número de diapositiva 3">
-            <a:extLst>
-              <a:ext uri="{FF2B5EF4-FFF2-40B4-BE49-F238E27FC236}">
-                <a16:creationId xmlns:a16="http://schemas.microsoft.com/office/drawing/2014/main" id="{936A6E10-8B4E-5369-A58B-2A120826BEE2}"/>
-              </a:ext>
-            </a:extLst>
-          </p:cNvPr>
-          <p:cNvSpPr>
-            <a:spLocks noGrp="1"/>
-          </p:cNvSpPr>
-          <p:nvPr>
-            <p:ph type="sldNum" sz="quarter" idx="5"/>
-          </p:nvPr>
-        </p:nvSpPr>
-        <p:spPr/>
-        <p:txBody>
-          <a:bodyPr/>
-          <a:lstStyle/>
-          <a:p>
-            <a:fld id="{4FC0ACAF-B518-4A5E-A721-8836A6002A26}" type="slidenum">
-              <a:rPr lang="es-ES" smtClean="0"/>
-              <a:t>7</a:t>
-            </a:fld>
-            <a:endParaRPr lang="es-ES"/>
-          </a:p>
-        </p:txBody>
-      </p:sp>
-    </p:spTree>
-    <p:extLst>
-      <p:ext uri="{BB962C8B-B14F-4D97-AF65-F5344CB8AC3E}">
-        <p14:creationId xmlns:p14="http://schemas.microsoft.com/office/powerpoint/2010/main" val="229307891"/>
-      </p:ext>
-    </p:extLst>
-  </p:cSld>
-  <p:clrMapOvr>
-    <a:masterClrMapping/>
-  </p:clrMapOvr>
-</p:notes>
-</file>
-
-<file path=ppt/notesSlides/notesSlide8.xml><?xml version="1.0" encoding="utf-8"?>
+<file path=ppt/notesSlides/notesSlide6.xml><?xml version="1.0" encoding="utf-8"?>
 <p:notes xmlns:a="http://schemas.openxmlformats.org/drawingml/2006/main" xmlns:r="http://schemas.openxmlformats.org/officeDocument/2006/relationships" xmlns:p="http://schemas.openxmlformats.org/presentationml/2006/main">
   <p:cSld>
     <p:spTree>
@@ -2779,7 +2568,7 @@
           <a:p>
             <a:fld id="{4FC0ACAF-B518-4A5E-A721-8836A6002A26}" type="slidenum">
               <a:rPr lang="es-ES" smtClean="0"/>
-              <a:t>8</a:t>
+              <a:t>6</a:t>
             </a:fld>
             <a:endParaRPr lang="es-ES"/>
           </a:p>
@@ -2789,6 +2578,222 @@
     <p:extLst>
       <p:ext uri="{BB962C8B-B14F-4D97-AF65-F5344CB8AC3E}">
         <p14:creationId xmlns:p14="http://schemas.microsoft.com/office/powerpoint/2010/main" val="2993572720"/>
+      </p:ext>
+    </p:extLst>
+  </p:cSld>
+  <p:clrMapOvr>
+    <a:masterClrMapping/>
+  </p:clrMapOvr>
+</p:notes>
+</file>
+
+<file path=ppt/notesSlides/notesSlide7.xml><?xml version="1.0" encoding="utf-8"?>
+<p:notes xmlns:a="http://schemas.openxmlformats.org/drawingml/2006/main" xmlns:r="http://schemas.openxmlformats.org/officeDocument/2006/relationships" xmlns:p="http://schemas.openxmlformats.org/presentationml/2006/main">
+  <p:cSld>
+    <p:spTree>
+      <p:nvGrpSpPr>
+        <p:cNvPr id="1" name="">
+          <a:extLst>
+            <a:ext uri="{FF2B5EF4-FFF2-40B4-BE49-F238E27FC236}">
+              <a16:creationId xmlns:a16="http://schemas.microsoft.com/office/drawing/2014/main" id="{15EA61BA-14FB-9BD9-33C9-035030B880E6}"/>
+            </a:ext>
+          </a:extLst>
+        </p:cNvPr>
+        <p:cNvGrpSpPr/>
+        <p:nvPr/>
+      </p:nvGrpSpPr>
+      <p:grpSpPr>
+        <a:xfrm>
+          <a:off x="0" y="0"/>
+          <a:ext cx="0" cy="0"/>
+          <a:chOff x="0" y="0"/>
+          <a:chExt cx="0" cy="0"/>
+        </a:xfrm>
+      </p:grpSpPr>
+      <p:sp>
+        <p:nvSpPr>
+          <p:cNvPr id="2" name="Marcador de imagen de diapositiva 1">
+            <a:extLst>
+              <a:ext uri="{FF2B5EF4-FFF2-40B4-BE49-F238E27FC236}">
+                <a16:creationId xmlns:a16="http://schemas.microsoft.com/office/drawing/2014/main" id="{9A369402-0485-5192-1D83-45100521EDAD}"/>
+              </a:ext>
+            </a:extLst>
+          </p:cNvPr>
+          <p:cNvSpPr>
+            <a:spLocks noGrp="1" noRot="1" noChangeAspect="1"/>
+          </p:cNvSpPr>
+          <p:nvPr>
+            <p:ph type="sldImg"/>
+          </p:nvPr>
+        </p:nvSpPr>
+        <p:spPr/>
+      </p:sp>
+      <p:sp>
+        <p:nvSpPr>
+          <p:cNvPr id="3" name="Marcador de notas 2">
+            <a:extLst>
+              <a:ext uri="{FF2B5EF4-FFF2-40B4-BE49-F238E27FC236}">
+                <a16:creationId xmlns:a16="http://schemas.microsoft.com/office/drawing/2014/main" id="{E8BB86EB-9C60-85EE-8160-5BD1B9847B60}"/>
+              </a:ext>
+            </a:extLst>
+          </p:cNvPr>
+          <p:cNvSpPr>
+            <a:spLocks noGrp="1"/>
+          </p:cNvSpPr>
+          <p:nvPr>
+            <p:ph type="body" idx="1"/>
+          </p:nvPr>
+        </p:nvSpPr>
+        <p:spPr/>
+        <p:txBody>
+          <a:bodyPr/>
+          <a:lstStyle/>
+          <a:p>
+            <a:endParaRPr lang="es-ES" dirty="0"/>
+          </a:p>
+        </p:txBody>
+      </p:sp>
+      <p:sp>
+        <p:nvSpPr>
+          <p:cNvPr id="4" name="Marcador de número de diapositiva 3">
+            <a:extLst>
+              <a:ext uri="{FF2B5EF4-FFF2-40B4-BE49-F238E27FC236}">
+                <a16:creationId xmlns:a16="http://schemas.microsoft.com/office/drawing/2014/main" id="{94A30F35-7EE4-C178-C5A9-593989230E03}"/>
+              </a:ext>
+            </a:extLst>
+          </p:cNvPr>
+          <p:cNvSpPr>
+            <a:spLocks noGrp="1"/>
+          </p:cNvSpPr>
+          <p:nvPr>
+            <p:ph type="sldNum" sz="quarter" idx="5"/>
+          </p:nvPr>
+        </p:nvSpPr>
+        <p:spPr/>
+        <p:txBody>
+          <a:bodyPr/>
+          <a:lstStyle/>
+          <a:p>
+            <a:fld id="{4FC0ACAF-B518-4A5E-A721-8836A6002A26}" type="slidenum">
+              <a:rPr lang="es-ES" smtClean="0"/>
+              <a:t>7</a:t>
+            </a:fld>
+            <a:endParaRPr lang="es-ES"/>
+          </a:p>
+        </p:txBody>
+      </p:sp>
+    </p:spTree>
+    <p:extLst>
+      <p:ext uri="{BB962C8B-B14F-4D97-AF65-F5344CB8AC3E}">
+        <p14:creationId xmlns:p14="http://schemas.microsoft.com/office/powerpoint/2010/main" val="1358255130"/>
+      </p:ext>
+    </p:extLst>
+  </p:cSld>
+  <p:clrMapOvr>
+    <a:masterClrMapping/>
+  </p:clrMapOvr>
+</p:notes>
+</file>
+
+<file path=ppt/notesSlides/notesSlide8.xml><?xml version="1.0" encoding="utf-8"?>
+<p:notes xmlns:a="http://schemas.openxmlformats.org/drawingml/2006/main" xmlns:r="http://schemas.openxmlformats.org/officeDocument/2006/relationships" xmlns:p="http://schemas.openxmlformats.org/presentationml/2006/main">
+  <p:cSld>
+    <p:spTree>
+      <p:nvGrpSpPr>
+        <p:cNvPr id="1" name="">
+          <a:extLst>
+            <a:ext uri="{FF2B5EF4-FFF2-40B4-BE49-F238E27FC236}">
+              <a16:creationId xmlns:a16="http://schemas.microsoft.com/office/drawing/2014/main" id="{903876CF-9B23-DFF2-FA3E-147AD957BE8A}"/>
+            </a:ext>
+          </a:extLst>
+        </p:cNvPr>
+        <p:cNvGrpSpPr/>
+        <p:nvPr/>
+      </p:nvGrpSpPr>
+      <p:grpSpPr>
+        <a:xfrm>
+          <a:off x="0" y="0"/>
+          <a:ext cx="0" cy="0"/>
+          <a:chOff x="0" y="0"/>
+          <a:chExt cx="0" cy="0"/>
+        </a:xfrm>
+      </p:grpSpPr>
+      <p:sp>
+        <p:nvSpPr>
+          <p:cNvPr id="2" name="Marcador de imagen de diapositiva 1">
+            <a:extLst>
+              <a:ext uri="{FF2B5EF4-FFF2-40B4-BE49-F238E27FC236}">
+                <a16:creationId xmlns:a16="http://schemas.microsoft.com/office/drawing/2014/main" id="{52790F78-C437-F2AA-F147-B8D6A4E31228}"/>
+              </a:ext>
+            </a:extLst>
+          </p:cNvPr>
+          <p:cNvSpPr>
+            <a:spLocks noGrp="1" noRot="1" noChangeAspect="1"/>
+          </p:cNvSpPr>
+          <p:nvPr>
+            <p:ph type="sldImg"/>
+          </p:nvPr>
+        </p:nvSpPr>
+        <p:spPr/>
+      </p:sp>
+      <p:sp>
+        <p:nvSpPr>
+          <p:cNvPr id="3" name="Marcador de notas 2">
+            <a:extLst>
+              <a:ext uri="{FF2B5EF4-FFF2-40B4-BE49-F238E27FC236}">
+                <a16:creationId xmlns:a16="http://schemas.microsoft.com/office/drawing/2014/main" id="{4A53D8F4-39CB-CB2F-77CD-244AA8752A53}"/>
+              </a:ext>
+            </a:extLst>
+          </p:cNvPr>
+          <p:cNvSpPr>
+            <a:spLocks noGrp="1"/>
+          </p:cNvSpPr>
+          <p:nvPr>
+            <p:ph type="body" idx="1"/>
+          </p:nvPr>
+        </p:nvSpPr>
+        <p:spPr/>
+        <p:txBody>
+          <a:bodyPr/>
+          <a:lstStyle/>
+          <a:p>
+            <a:endParaRPr lang="es-ES" dirty="0"/>
+          </a:p>
+        </p:txBody>
+      </p:sp>
+      <p:sp>
+        <p:nvSpPr>
+          <p:cNvPr id="4" name="Marcador de número de diapositiva 3">
+            <a:extLst>
+              <a:ext uri="{FF2B5EF4-FFF2-40B4-BE49-F238E27FC236}">
+                <a16:creationId xmlns:a16="http://schemas.microsoft.com/office/drawing/2014/main" id="{B8E816A3-5D3D-7CD7-67E5-765C9487B0A2}"/>
+              </a:ext>
+            </a:extLst>
+          </p:cNvPr>
+          <p:cNvSpPr>
+            <a:spLocks noGrp="1"/>
+          </p:cNvSpPr>
+          <p:nvPr>
+            <p:ph type="sldNum" sz="quarter" idx="5"/>
+          </p:nvPr>
+        </p:nvSpPr>
+        <p:spPr/>
+        <p:txBody>
+          <a:bodyPr/>
+          <a:lstStyle/>
+          <a:p>
+            <a:fld id="{4FC0ACAF-B518-4A5E-A721-8836A6002A26}" type="slidenum">
+              <a:rPr lang="es-ES" smtClean="0"/>
+              <a:t>8</a:t>
+            </a:fld>
+            <a:endParaRPr lang="es-ES"/>
+          </a:p>
+        </p:txBody>
+      </p:sp>
+    </p:spTree>
+    <p:extLst>
+      <p:ext uri="{BB962C8B-B14F-4D97-AF65-F5344CB8AC3E}">
+        <p14:creationId xmlns:p14="http://schemas.microsoft.com/office/powerpoint/2010/main" val="1179133364"/>
       </p:ext>
     </p:extLst>
   </p:cSld>
@@ -2806,7 +2811,7 @@
         <p:cNvPr id="1" name="">
           <a:extLst>
             <a:ext uri="{FF2B5EF4-FFF2-40B4-BE49-F238E27FC236}">
-              <a16:creationId xmlns:a16="http://schemas.microsoft.com/office/drawing/2014/main" id="{7EC7C2BB-B69A-6940-C299-7A7EC13C1D24}"/>
+              <a16:creationId xmlns:a16="http://schemas.microsoft.com/office/drawing/2014/main" id="{D9CDB192-BAF7-0F58-5707-20F72F088736}"/>
             </a:ext>
           </a:extLst>
         </p:cNvPr>
@@ -2826,7 +2831,7 @@
           <p:cNvPr id="2" name="Marcador de imagen de diapositiva 1">
             <a:extLst>
               <a:ext uri="{FF2B5EF4-FFF2-40B4-BE49-F238E27FC236}">
-                <a16:creationId xmlns:a16="http://schemas.microsoft.com/office/drawing/2014/main" id="{974E7C54-B522-BDE7-F59D-D9E9C21967E8}"/>
+                <a16:creationId xmlns:a16="http://schemas.microsoft.com/office/drawing/2014/main" id="{3841625E-0FC6-309A-B6F6-7E30305362F5}"/>
               </a:ext>
             </a:extLst>
           </p:cNvPr>
@@ -2844,7 +2849,7 @@
           <p:cNvPr id="3" name="Marcador de notas 2">
             <a:extLst>
               <a:ext uri="{FF2B5EF4-FFF2-40B4-BE49-F238E27FC236}">
-                <a16:creationId xmlns:a16="http://schemas.microsoft.com/office/drawing/2014/main" id="{7C16B384-3490-E68D-BA8D-F6228B19F029}"/>
+                <a16:creationId xmlns:a16="http://schemas.microsoft.com/office/drawing/2014/main" id="{C41F9506-7472-CEC5-E88C-7D4FDF09059C}"/>
               </a:ext>
             </a:extLst>
           </p:cNvPr>
@@ -2869,7 +2874,7 @@
           <p:cNvPr id="4" name="Marcador de número de diapositiva 3">
             <a:extLst>
               <a:ext uri="{FF2B5EF4-FFF2-40B4-BE49-F238E27FC236}">
-                <a16:creationId xmlns:a16="http://schemas.microsoft.com/office/drawing/2014/main" id="{26F695A1-4EC4-8E4A-CF18-8F87BF431142}"/>
+                <a16:creationId xmlns:a16="http://schemas.microsoft.com/office/drawing/2014/main" id="{8501AB2A-5187-F05D-1F75-6089192192AD}"/>
               </a:ext>
             </a:extLst>
           </p:cNvPr>
@@ -2896,7 +2901,7 @@
     </p:spTree>
     <p:extLst>
       <p:ext uri="{BB962C8B-B14F-4D97-AF65-F5344CB8AC3E}">
-        <p14:creationId xmlns:p14="http://schemas.microsoft.com/office/powerpoint/2010/main" val="671290099"/>
+        <p14:creationId xmlns:p14="http://schemas.microsoft.com/office/powerpoint/2010/main" val="1511222966"/>
       </p:ext>
     </p:extLst>
   </p:cSld>
@@ -3051,10 +3056,6 @@
           <a:bodyPr/>
           <a:lstStyle/>
           <a:p>
-            <a:fld id="{074D38FD-4C0C-4091-BDCE-15B67C2CF98D}" type="datetimeFigureOut">
-              <a:rPr lang="es-ES" smtClean="0"/>
-              <a:t>19/11/2024</a:t>
-            </a:fld>
             <a:endParaRPr lang="es-ES"/>
           </a:p>
         </p:txBody>
@@ -3249,10 +3250,6 @@
           <a:bodyPr/>
           <a:lstStyle/>
           <a:p>
-            <a:fld id="{074D38FD-4C0C-4091-BDCE-15B67C2CF98D}" type="datetimeFigureOut">
-              <a:rPr lang="es-ES" smtClean="0"/>
-              <a:t>19/11/2024</a:t>
-            </a:fld>
             <a:endParaRPr lang="es-ES"/>
           </a:p>
         </p:txBody>
@@ -3457,10 +3454,6 @@
           <a:bodyPr/>
           <a:lstStyle/>
           <a:p>
-            <a:fld id="{074D38FD-4C0C-4091-BDCE-15B67C2CF98D}" type="datetimeFigureOut">
-              <a:rPr lang="es-ES" smtClean="0"/>
-              <a:t>19/11/2024</a:t>
-            </a:fld>
             <a:endParaRPr lang="es-ES"/>
           </a:p>
         </p:txBody>
@@ -5986,10 +5979,6 @@
           <a:bodyPr/>
           <a:lstStyle/>
           <a:p>
-            <a:fld id="{074D38FD-4C0C-4091-BDCE-15B67C2CF98D}" type="datetimeFigureOut">
-              <a:rPr lang="es-ES" smtClean="0"/>
-              <a:t>19/11/2024</a:t>
-            </a:fld>
             <a:endParaRPr lang="es-ES"/>
           </a:p>
         </p:txBody>
@@ -7987,10 +7976,6 @@
           <a:bodyPr/>
           <a:lstStyle/>
           <a:p>
-            <a:fld id="{074D38FD-4C0C-4091-BDCE-15B67C2CF98D}" type="datetimeFigureOut">
-              <a:rPr lang="es-ES" smtClean="0"/>
-              <a:t>19/11/2024</a:t>
-            </a:fld>
             <a:endParaRPr lang="es-ES"/>
           </a:p>
         </p:txBody>
@@ -8252,10 +8237,6 @@
           <a:bodyPr/>
           <a:lstStyle/>
           <a:p>
-            <a:fld id="{074D38FD-4C0C-4091-BDCE-15B67C2CF98D}" type="datetimeFigureOut">
-              <a:rPr lang="es-ES" smtClean="0"/>
-              <a:t>19/11/2024</a:t>
-            </a:fld>
             <a:endParaRPr lang="es-ES"/>
           </a:p>
         </p:txBody>
@@ -8664,10 +8645,6 @@
           <a:bodyPr/>
           <a:lstStyle/>
           <a:p>
-            <a:fld id="{074D38FD-4C0C-4091-BDCE-15B67C2CF98D}" type="datetimeFigureOut">
-              <a:rPr lang="es-ES" smtClean="0"/>
-              <a:t>19/11/2024</a:t>
-            </a:fld>
             <a:endParaRPr lang="es-ES"/>
           </a:p>
         </p:txBody>
@@ -8805,10 +8782,6 @@
           <a:bodyPr/>
           <a:lstStyle/>
           <a:p>
-            <a:fld id="{074D38FD-4C0C-4091-BDCE-15B67C2CF98D}" type="datetimeFigureOut">
-              <a:rPr lang="es-ES" smtClean="0"/>
-              <a:t>19/11/2024</a:t>
-            </a:fld>
             <a:endParaRPr lang="es-ES"/>
           </a:p>
         </p:txBody>
@@ -8918,10 +8891,6 @@
           <a:bodyPr/>
           <a:lstStyle/>
           <a:p>
-            <a:fld id="{074D38FD-4C0C-4091-BDCE-15B67C2CF98D}" type="datetimeFigureOut">
-              <a:rPr lang="es-ES" smtClean="0"/>
-              <a:t>19/11/2024</a:t>
-            </a:fld>
             <a:endParaRPr lang="es-ES"/>
           </a:p>
         </p:txBody>
@@ -9229,10 +9198,6 @@
           <a:bodyPr/>
           <a:lstStyle/>
           <a:p>
-            <a:fld id="{074D38FD-4C0C-4091-BDCE-15B67C2CF98D}" type="datetimeFigureOut">
-              <a:rPr lang="es-ES" smtClean="0"/>
-              <a:t>19/11/2024</a:t>
-            </a:fld>
             <a:endParaRPr lang="es-ES"/>
           </a:p>
         </p:txBody>
@@ -9517,10 +9482,6 @@
           <a:bodyPr/>
           <a:lstStyle/>
           <a:p>
-            <a:fld id="{074D38FD-4C0C-4091-BDCE-15B67C2CF98D}" type="datetimeFigureOut">
-              <a:rPr lang="es-ES" smtClean="0"/>
-              <a:t>19/11/2024</a:t>
-            </a:fld>
             <a:endParaRPr lang="es-ES"/>
           </a:p>
         </p:txBody>
@@ -9758,10 +9719,6 @@
             </a:lvl1pPr>
           </a:lstStyle>
           <a:p>
-            <a:fld id="{074D38FD-4C0C-4091-BDCE-15B67C2CF98D}" type="datetimeFigureOut">
-              <a:rPr lang="es-ES" smtClean="0"/>
-              <a:t>19/11/2024</a:t>
-            </a:fld>
             <a:endParaRPr lang="es-ES"/>
           </a:p>
         </p:txBody>
@@ -9878,6 +9835,7 @@
     <p:sldLayoutId id="2147483659" r:id="rId11"/>
     <p:sldLayoutId id="2147483661" r:id="rId12"/>
   </p:sldLayoutIdLst>
+  <p:hf hdr="0" ftr="0" dt="0"/>
   <p:txStyles>
     <p:titleStyle>
       <a:lvl1pPr algn="l" defTabSz="914400" rtl="0" eaLnBrk="1" latinLnBrk="0" hangingPunct="1">
@@ -10347,6 +10305,7 @@
     <p:sldLayoutId id="2147483667" r:id="rId5"/>
     <p:sldLayoutId id="2147483668" r:id="rId6"/>
   </p:sldLayoutIdLst>
+  <p:hf hdr="0" ftr="0" dt="0"/>
   <p:txStyles>
     <p:titleStyle>
       <a:lvl1pPr algn="l" defTabSz="914400" rtl="0" eaLnBrk="1" latinLnBrk="0" hangingPunct="1">
@@ -10684,6 +10643,7 @@
     <p:sldLayoutId id="2147483677" r:id="rId6"/>
     <p:sldLayoutId id="2147483679" r:id="rId7"/>
   </p:sldLayoutIdLst>
+  <p:hf hdr="0" ftr="0" dt="0"/>
   <p:txStyles>
     <p:titleStyle>
       <a:lvl1pPr algn="l" defTabSz="914400" rtl="0" eaLnBrk="1" latinLnBrk="0" hangingPunct="1">
@@ -11298,7 +11258,7 @@
         <p:cNvPr id="1" name="">
           <a:extLst>
             <a:ext uri="{FF2B5EF4-FFF2-40B4-BE49-F238E27FC236}">
-              <a16:creationId xmlns:a16="http://schemas.microsoft.com/office/drawing/2014/main" id="{55214E1B-659C-4E5F-DBB7-2F1A2F30DA0C}"/>
+              <a16:creationId xmlns:a16="http://schemas.microsoft.com/office/drawing/2014/main" id="{616F3559-58EF-BD15-BF7F-1E40C51BEB42}"/>
             </a:ext>
           </a:extLst>
         </p:cNvPr>
@@ -11318,7 +11278,7 @@
           <p:cNvPr id="4" name="Título 2">
             <a:extLst>
               <a:ext uri="{FF2B5EF4-FFF2-40B4-BE49-F238E27FC236}">
-                <a16:creationId xmlns:a16="http://schemas.microsoft.com/office/drawing/2014/main" id="{F6517984-76AE-8AB3-7460-43604606A4A7}"/>
+                <a16:creationId xmlns:a16="http://schemas.microsoft.com/office/drawing/2014/main" id="{2DD256C0-7BFF-63DC-9CB2-D622FC2B503D}"/>
               </a:ext>
             </a:extLst>
           </p:cNvPr>
@@ -11356,7 +11316,7 @@
                 <a:ea typeface="+mn-ea"/>
                 <a:cs typeface="Arial" panose="020B0604020202020204" pitchFamily="34" charset="0"/>
               </a:rPr>
-              <a:t>DIVISIÓN DEL CONJUNTO DE DATOS</a:t>
+              <a:t>RESULTADOS</a:t>
             </a:r>
             <a:endParaRPr lang="es-CU" sz="3200" b="1" dirty="0">
               <a:solidFill>
@@ -11374,7 +11334,7 @@
           <p:cNvPr id="17" name="Picture 16">
             <a:extLst>
               <a:ext uri="{FF2B5EF4-FFF2-40B4-BE49-F238E27FC236}">
-                <a16:creationId xmlns:a16="http://schemas.microsoft.com/office/drawing/2014/main" id="{E90F7312-E96B-466F-86AB-868C362D1188}"/>
+                <a16:creationId xmlns:a16="http://schemas.microsoft.com/office/drawing/2014/main" id="{9A6D4F2B-3251-502F-5748-06456F8476D3}"/>
               </a:ext>
             </a:extLst>
           </p:cNvPr>
@@ -11399,12 +11359,78 @@
           </a:prstGeom>
         </p:spPr>
       </p:pic>
-      <p:sp>
-        <p:nvSpPr>
-          <p:cNvPr id="3" name="TextBox 2">
-            <a:extLst>
-              <a:ext uri="{FF2B5EF4-FFF2-40B4-BE49-F238E27FC236}">
-                <a16:creationId xmlns:a16="http://schemas.microsoft.com/office/drawing/2014/main" id="{FF0E03EF-8364-9225-9FF6-793C4E9D766C}"/>
+      <p:pic>
+        <p:nvPicPr>
+          <p:cNvPr id="5" name="Picture 4">
+            <a:extLst>
+              <a:ext uri="{FF2B5EF4-FFF2-40B4-BE49-F238E27FC236}">
+                <a16:creationId xmlns:a16="http://schemas.microsoft.com/office/drawing/2014/main" id="{768E883F-6902-BC2B-5333-7E488FB124C6}"/>
+              </a:ext>
+            </a:extLst>
+          </p:cNvPr>
+          <p:cNvPicPr>
+            <a:picLocks noChangeAspect="1"/>
+          </p:cNvPicPr>
+          <p:nvPr/>
+        </p:nvPicPr>
+        <p:blipFill>
+          <a:blip r:embed="rId4">
+            <a:extLst>
+              <a:ext uri="{28A0092B-C50C-407E-A947-70E740481C1C}">
+                <a14:useLocalDpi xmlns:a14="http://schemas.microsoft.com/office/drawing/2010/main" val="0"/>
+              </a:ext>
+            </a:extLst>
+          </a:blip>
+          <a:stretch>
+            <a:fillRect/>
+          </a:stretch>
+        </p:blipFill>
+        <p:spPr>
+          <a:xfrm>
+            <a:off x="5371708" y="1956327"/>
+            <a:ext cx="6488411" cy="3571672"/>
+          </a:xfrm>
+          <a:prstGeom prst="rect">
+            <a:avLst/>
+          </a:prstGeom>
+        </p:spPr>
+      </p:pic>
+      <p:pic>
+        <p:nvPicPr>
+          <p:cNvPr id="8" name="Picture 7">
+            <a:extLst>
+              <a:ext uri="{FF2B5EF4-FFF2-40B4-BE49-F238E27FC236}">
+                <a16:creationId xmlns:a16="http://schemas.microsoft.com/office/drawing/2014/main" id="{F8687C70-9BA3-DF01-C148-9B52390DE9B6}"/>
+              </a:ext>
+            </a:extLst>
+          </p:cNvPr>
+          <p:cNvPicPr>
+            <a:picLocks noChangeAspect="1"/>
+          </p:cNvPicPr>
+          <p:nvPr/>
+        </p:nvPicPr>
+        <p:blipFill>
+          <a:blip r:embed="rId5"/>
+          <a:stretch>
+            <a:fillRect/>
+          </a:stretch>
+        </p:blipFill>
+        <p:spPr>
+          <a:xfrm>
+            <a:off x="164733" y="2660891"/>
+            <a:ext cx="5134854" cy="2162544"/>
+          </a:xfrm>
+          <a:prstGeom prst="rect">
+            <a:avLst/>
+          </a:prstGeom>
+        </p:spPr>
+      </p:pic>
+      <p:sp>
+        <p:nvSpPr>
+          <p:cNvPr id="9" name="TextBox 8">
+            <a:extLst>
+              <a:ext uri="{FF2B5EF4-FFF2-40B4-BE49-F238E27FC236}">
+                <a16:creationId xmlns:a16="http://schemas.microsoft.com/office/drawing/2014/main" id="{9E3CA99D-60D7-B882-FDCB-0791C9080AA6}"/>
               </a:ext>
             </a:extLst>
           </p:cNvPr>
@@ -11413,8 +11439,8 @@
         </p:nvSpPr>
         <p:spPr>
           <a:xfrm>
-            <a:off x="583234" y="1986568"/>
-            <a:ext cx="10983958" cy="1685846"/>
+            <a:off x="11688203" y="6391186"/>
+            <a:ext cx="503797" cy="383458"/>
           </a:xfrm>
           <a:prstGeom prst="rect">
             <a:avLst/>
@@ -11422,1756 +11448,19 @@
           <a:noFill/>
         </p:spPr>
         <p:txBody>
-          <a:bodyPr wrap="square">
+          <a:bodyPr wrap="square" rtlCol="0">
             <a:spAutoFit/>
           </a:bodyPr>
           <a:lstStyle/>
           <a:p>
-            <a:pPr marL="342900" indent="-342900" algn="just">
-              <a:lnSpc>
-                <a:spcPct val="150000"/>
-              </a:lnSpc>
-              <a:buFont typeface="Arial" panose="020B0604020202020204" pitchFamily="34" charset="0"/>
-              <a:buChar char="•"/>
-            </a:pPr>
-            <a:r>
-              <a:rPr lang="en-US" sz="2400" dirty="0">
-                <a:solidFill>
-                  <a:schemeClr val="tx2"/>
-                </a:solidFill>
-                <a:ea typeface="Calibri" panose="020F0502020204030204" pitchFamily="34" charset="0"/>
-                <a:cs typeface="Arial" panose="020B0604020202020204" pitchFamily="34" charset="0"/>
-              </a:rPr>
-              <a:t>El conjunto de </a:t>
-            </a:r>
-            <a:r>
-              <a:rPr lang="es-ES" sz="2400" dirty="0">
-                <a:solidFill>
-                  <a:schemeClr val="tx2"/>
-                </a:solidFill>
-                <a:ea typeface="Calibri" panose="020F0502020204030204" pitchFamily="34" charset="0"/>
-                <a:cs typeface="Arial" panose="020B0604020202020204" pitchFamily="34" charset="0"/>
-              </a:rPr>
-              <a:t>datos fue dividido en un conjunto de entrenamiento (80 %) y un conjunto de prueba (20 %) de manera aleatoria, asegurando que las propiedades estadísticas de la distribución se mantuvieran.</a:t>
-            </a:r>
-            <a:endParaRPr lang="en-US" sz="2400" dirty="0">
-              <a:solidFill>
-                <a:schemeClr val="tx2"/>
-              </a:solidFill>
-              <a:ea typeface="Calibri" panose="020F0502020204030204" pitchFamily="34" charset="0"/>
-              <a:cs typeface="Arial" panose="020B0604020202020204" pitchFamily="34" charset="0"/>
-            </a:endParaRPr>
-          </a:p>
-        </p:txBody>
-      </p:sp>
-    </p:spTree>
-    <p:extLst>
-      <p:ext uri="{BB962C8B-B14F-4D97-AF65-F5344CB8AC3E}">
-        <p14:creationId xmlns:p14="http://schemas.microsoft.com/office/powerpoint/2010/main" val="287958439"/>
-      </p:ext>
-    </p:extLst>
-  </p:cSld>
-  <p:clrMapOvr>
-    <a:masterClrMapping/>
-  </p:clrMapOvr>
-</p:sld>
-</file>
-
-<file path=ppt/slides/slide11.xml><?xml version="1.0" encoding="utf-8"?>
-<p:sld xmlns:a="http://schemas.openxmlformats.org/drawingml/2006/main" xmlns:r="http://schemas.openxmlformats.org/officeDocument/2006/relationships" xmlns:p="http://schemas.openxmlformats.org/presentationml/2006/main">
-  <p:cSld>
-    <p:spTree>
-      <p:nvGrpSpPr>
-        <p:cNvPr id="1" name="">
-          <a:extLst>
-            <a:ext uri="{FF2B5EF4-FFF2-40B4-BE49-F238E27FC236}">
-              <a16:creationId xmlns:a16="http://schemas.microsoft.com/office/drawing/2014/main" id="{C513C9DF-7E79-37E8-2D3E-6409E7F42AFD}"/>
-            </a:ext>
-          </a:extLst>
-        </p:cNvPr>
-        <p:cNvGrpSpPr/>
-        <p:nvPr/>
-      </p:nvGrpSpPr>
-      <p:grpSpPr>
-        <a:xfrm>
-          <a:off x="0" y="0"/>
-          <a:ext cx="0" cy="0"/>
-          <a:chOff x="0" y="0"/>
-          <a:chExt cx="0" cy="0"/>
-        </a:xfrm>
-      </p:grpSpPr>
-      <p:sp>
-        <p:nvSpPr>
-          <p:cNvPr id="4" name="Título 2">
-            <a:extLst>
-              <a:ext uri="{FF2B5EF4-FFF2-40B4-BE49-F238E27FC236}">
-                <a16:creationId xmlns:a16="http://schemas.microsoft.com/office/drawing/2014/main" id="{5C50F0F2-14B3-C984-2778-FBA3D00E4738}"/>
-              </a:ext>
-            </a:extLst>
-          </p:cNvPr>
-          <p:cNvSpPr>
-            <a:spLocks noGrp="1"/>
-          </p:cNvSpPr>
-          <p:nvPr>
-            <p:ph type="title"/>
-          </p:nvPr>
-        </p:nvSpPr>
-        <p:spPr>
-          <a:xfrm>
-            <a:off x="633793" y="428574"/>
-            <a:ext cx="8746181" cy="825046"/>
-          </a:xfrm>
-        </p:spPr>
-        <p:txBody>
-          <a:bodyPr/>
-          <a:lstStyle/>
-          <a:p>
-            <a:pPr>
-              <a:spcBef>
-                <a:spcPts val="1000"/>
-              </a:spcBef>
-              <a:buClr>
-                <a:schemeClr val="tx2"/>
-              </a:buClr>
-            </a:pPr>
-            <a:r>
-              <a:rPr lang="es-MX" sz="3200" b="1" dirty="0">
-                <a:solidFill>
-                  <a:srgbClr val="000066"/>
-                </a:solidFill>
-                <a:latin typeface="Arial" panose="020B0604020202020204" pitchFamily="34" charset="0"/>
-                <a:ea typeface="+mn-ea"/>
-                <a:cs typeface="Arial" panose="020B0604020202020204" pitchFamily="34" charset="0"/>
-              </a:rPr>
-              <a:t>ARQUITECTURA DEL MODELO</a:t>
-            </a:r>
-            <a:endParaRPr lang="es-CU" sz="3200" b="1" dirty="0">
-              <a:solidFill>
-                <a:srgbClr val="000066"/>
-              </a:solidFill>
-              <a:latin typeface="Arial" panose="020B0604020202020204" pitchFamily="34" charset="0"/>
-              <a:ea typeface="+mn-ea"/>
-              <a:cs typeface="Arial" panose="020B0604020202020204" pitchFamily="34" charset="0"/>
-            </a:endParaRPr>
-          </a:p>
-        </p:txBody>
-      </p:sp>
-      <p:pic>
-        <p:nvPicPr>
-          <p:cNvPr id="17" name="Picture 16">
-            <a:extLst>
-              <a:ext uri="{FF2B5EF4-FFF2-40B4-BE49-F238E27FC236}">
-                <a16:creationId xmlns:a16="http://schemas.microsoft.com/office/drawing/2014/main" id="{7D5E027A-6BB1-259B-F176-084CB1174991}"/>
-              </a:ext>
-            </a:extLst>
-          </p:cNvPr>
-          <p:cNvPicPr>
-            <a:picLocks noChangeAspect="1"/>
-          </p:cNvPicPr>
-          <p:nvPr/>
-        </p:nvPicPr>
-        <p:blipFill>
-          <a:blip r:embed="rId3"/>
-          <a:stretch>
-            <a:fillRect/>
-          </a:stretch>
-        </p:blipFill>
-        <p:spPr>
-          <a:xfrm>
-            <a:off x="10942385" y="0"/>
-            <a:ext cx="1249615" cy="1499463"/>
-          </a:xfrm>
-          <a:prstGeom prst="rect">
-            <a:avLst/>
-          </a:prstGeom>
-        </p:spPr>
-      </p:pic>
-      <p:sp>
-        <p:nvSpPr>
-          <p:cNvPr id="3" name="TextBox 2">
-            <a:extLst>
-              <a:ext uri="{FF2B5EF4-FFF2-40B4-BE49-F238E27FC236}">
-                <a16:creationId xmlns:a16="http://schemas.microsoft.com/office/drawing/2014/main" id="{BD9B8E34-ECA4-EA7F-D9C2-0B49717EB575}"/>
-              </a:ext>
-            </a:extLst>
-          </p:cNvPr>
-          <p:cNvSpPr txBox="1"/>
-          <p:nvPr/>
-        </p:nvSpPr>
-        <p:spPr>
-          <a:xfrm>
-            <a:off x="488262" y="1632206"/>
-            <a:ext cx="11215476" cy="4195700"/>
-          </a:xfrm>
-          <a:prstGeom prst="rect">
-            <a:avLst/>
-          </a:prstGeom>
-          <a:noFill/>
-        </p:spPr>
-        <p:txBody>
-          <a:bodyPr wrap="square">
-            <a:spAutoFit/>
-          </a:bodyPr>
-          <a:lstStyle/>
-          <a:p>
-            <a:pPr algn="just">
-              <a:lnSpc>
-                <a:spcPct val="150000"/>
-              </a:lnSpc>
-            </a:pPr>
-            <a:r>
-              <a:rPr lang="es-ES" dirty="0">
-                <a:solidFill>
-                  <a:schemeClr val="tx2"/>
-                </a:solidFill>
-                <a:ea typeface="Calibri" panose="020F0502020204030204" pitchFamily="34" charset="0"/>
-                <a:cs typeface="Arial" panose="020B0604020202020204" pitchFamily="34" charset="0"/>
-              </a:rPr>
-              <a:t>Se diseñó un modelo de red neuronal profunda utilizando </a:t>
-            </a:r>
-            <a:r>
-              <a:rPr lang="es-ES" dirty="0" err="1">
-                <a:solidFill>
-                  <a:schemeClr val="tx2"/>
-                </a:solidFill>
-                <a:ea typeface="Calibri" panose="020F0502020204030204" pitchFamily="34" charset="0"/>
-                <a:cs typeface="Arial" panose="020B0604020202020204" pitchFamily="34" charset="0"/>
-              </a:rPr>
-              <a:t>Keras</a:t>
-            </a:r>
-            <a:r>
-              <a:rPr lang="es-ES" dirty="0">
-                <a:solidFill>
-                  <a:schemeClr val="tx2"/>
-                </a:solidFill>
-                <a:ea typeface="Calibri" panose="020F0502020204030204" pitchFamily="34" charset="0"/>
-                <a:cs typeface="Arial" panose="020B0604020202020204" pitchFamily="34" charset="0"/>
-              </a:rPr>
-              <a:t> y se usaron capas densas con la justificación de atacar una problemática con muchos atributos, con la siguiente </a:t>
-            </a:r>
-            <a:r>
-              <a:rPr lang="en-US" dirty="0" err="1">
-                <a:solidFill>
-                  <a:schemeClr val="tx2"/>
-                </a:solidFill>
-                <a:ea typeface="Calibri" panose="020F0502020204030204" pitchFamily="34" charset="0"/>
-                <a:cs typeface="Arial" panose="020B0604020202020204" pitchFamily="34" charset="0"/>
-              </a:rPr>
-              <a:t>arquitectura</a:t>
-            </a:r>
-            <a:r>
-              <a:rPr lang="en-US" dirty="0">
-                <a:solidFill>
-                  <a:schemeClr val="tx2"/>
-                </a:solidFill>
-                <a:ea typeface="Calibri" panose="020F0502020204030204" pitchFamily="34" charset="0"/>
-                <a:cs typeface="Arial" panose="020B0604020202020204" pitchFamily="34" charset="0"/>
-              </a:rPr>
-              <a:t>:</a:t>
-            </a:r>
-          </a:p>
-          <a:p>
-            <a:pPr marL="800100" lvl="2" indent="-342900" algn="just">
-              <a:lnSpc>
-                <a:spcPct val="150000"/>
-              </a:lnSpc>
-              <a:buFont typeface="Arial" panose="020B0604020202020204" pitchFamily="34" charset="0"/>
-              <a:buChar char="•"/>
-            </a:pPr>
-            <a:r>
-              <a:rPr lang="es-ES" dirty="0">
-                <a:solidFill>
-                  <a:schemeClr val="tx2"/>
-                </a:solidFill>
-                <a:ea typeface="Calibri" panose="020F0502020204030204" pitchFamily="34" charset="0"/>
-                <a:cs typeface="Arial" panose="020B0604020202020204" pitchFamily="34" charset="0"/>
-              </a:rPr>
-              <a:t>Una capa densa de 256 neuronas con función de activación</a:t>
-            </a:r>
-            <a:r>
-              <a:rPr lang="en-US" dirty="0" err="1">
-                <a:solidFill>
-                  <a:schemeClr val="tx2"/>
-                </a:solidFill>
-                <a:ea typeface="Calibri" panose="020F0502020204030204" pitchFamily="34" charset="0"/>
-                <a:cs typeface="Arial" panose="020B0604020202020204" pitchFamily="34" charset="0"/>
-              </a:rPr>
-              <a:t>ReLU</a:t>
-            </a:r>
-            <a:r>
-              <a:rPr lang="en-US" dirty="0">
-                <a:solidFill>
-                  <a:schemeClr val="tx2"/>
-                </a:solidFill>
-                <a:ea typeface="Calibri" panose="020F0502020204030204" pitchFamily="34" charset="0"/>
-                <a:cs typeface="Arial" panose="020B0604020202020204" pitchFamily="34" charset="0"/>
-              </a:rPr>
-              <a:t>, </a:t>
-            </a:r>
-            <a:r>
-              <a:rPr lang="en-US" dirty="0" err="1">
-                <a:solidFill>
-                  <a:schemeClr val="tx2"/>
-                </a:solidFill>
-                <a:ea typeface="Calibri" panose="020F0502020204030204" pitchFamily="34" charset="0"/>
-                <a:cs typeface="Arial" panose="020B0604020202020204" pitchFamily="34" charset="0"/>
-              </a:rPr>
-              <a:t>seguida</a:t>
-            </a:r>
-            <a:r>
-              <a:rPr lang="en-US" dirty="0">
-                <a:solidFill>
-                  <a:schemeClr val="tx2"/>
-                </a:solidFill>
-                <a:ea typeface="Calibri" panose="020F0502020204030204" pitchFamily="34" charset="0"/>
-                <a:cs typeface="Arial" panose="020B0604020202020204" pitchFamily="34" charset="0"/>
-              </a:rPr>
-              <a:t> de </a:t>
-            </a:r>
-            <a:r>
-              <a:rPr lang="en-US" dirty="0" err="1">
-                <a:solidFill>
-                  <a:schemeClr val="tx2"/>
-                </a:solidFill>
-                <a:ea typeface="Calibri" panose="020F0502020204030204" pitchFamily="34" charset="0"/>
-                <a:cs typeface="Arial" panose="020B0604020202020204" pitchFamily="34" charset="0"/>
-              </a:rPr>
-              <a:t>una</a:t>
-            </a:r>
-            <a:r>
-              <a:rPr lang="en-US" dirty="0">
-                <a:solidFill>
-                  <a:schemeClr val="tx2"/>
-                </a:solidFill>
-                <a:ea typeface="Calibri" panose="020F0502020204030204" pitchFamily="34" charset="0"/>
-                <a:cs typeface="Arial" panose="020B0604020202020204" pitchFamily="34" charset="0"/>
-              </a:rPr>
-              <a:t> </a:t>
-            </a:r>
-            <a:r>
-              <a:rPr lang="en-US" dirty="0" err="1">
-                <a:solidFill>
-                  <a:schemeClr val="tx2"/>
-                </a:solidFill>
-                <a:ea typeface="Calibri" panose="020F0502020204030204" pitchFamily="34" charset="0"/>
-                <a:cs typeface="Arial" panose="020B0604020202020204" pitchFamily="34" charset="0"/>
-              </a:rPr>
-              <a:t>capa</a:t>
-            </a:r>
-            <a:r>
-              <a:rPr lang="en-US" dirty="0">
-                <a:solidFill>
-                  <a:schemeClr val="tx2"/>
-                </a:solidFill>
-                <a:ea typeface="Calibri" panose="020F0502020204030204" pitchFamily="34" charset="0"/>
-                <a:cs typeface="Arial" panose="020B0604020202020204" pitchFamily="34" charset="0"/>
-              </a:rPr>
-              <a:t> de Dropout (0.3) para </a:t>
-            </a:r>
-            <a:r>
-              <a:rPr lang="en-US" dirty="0" err="1">
-                <a:solidFill>
-                  <a:schemeClr val="tx2"/>
-                </a:solidFill>
-                <a:ea typeface="Calibri" panose="020F0502020204030204" pitchFamily="34" charset="0"/>
-                <a:cs typeface="Arial" panose="020B0604020202020204" pitchFamily="34" charset="0"/>
-              </a:rPr>
-              <a:t>prevenir</a:t>
-            </a:r>
-            <a:r>
-              <a:rPr lang="en-US" dirty="0">
-                <a:solidFill>
-                  <a:schemeClr val="tx2"/>
-                </a:solidFill>
-                <a:ea typeface="Calibri" panose="020F0502020204030204" pitchFamily="34" charset="0"/>
-                <a:cs typeface="Arial" panose="020B0604020202020204" pitchFamily="34" charset="0"/>
-              </a:rPr>
-              <a:t> </a:t>
-            </a:r>
-            <a:r>
-              <a:rPr lang="en-US" dirty="0" err="1">
-                <a:solidFill>
-                  <a:schemeClr val="tx2"/>
-                </a:solidFill>
-                <a:ea typeface="Calibri" panose="020F0502020204030204" pitchFamily="34" charset="0"/>
-                <a:cs typeface="Arial" panose="020B0604020202020204" pitchFamily="34" charset="0"/>
-              </a:rPr>
-              <a:t>el</a:t>
-            </a:r>
-            <a:r>
-              <a:rPr lang="en-US" dirty="0">
-                <a:solidFill>
-                  <a:schemeClr val="tx2"/>
-                </a:solidFill>
-                <a:ea typeface="Calibri" panose="020F0502020204030204" pitchFamily="34" charset="0"/>
-                <a:cs typeface="Arial" panose="020B0604020202020204" pitchFamily="34" charset="0"/>
-              </a:rPr>
-              <a:t> </a:t>
-            </a:r>
-            <a:r>
-              <a:rPr lang="en-US" dirty="0" err="1">
-                <a:solidFill>
-                  <a:schemeClr val="tx2"/>
-                </a:solidFill>
-                <a:ea typeface="Calibri" panose="020F0502020204030204" pitchFamily="34" charset="0"/>
-                <a:cs typeface="Arial" panose="020B0604020202020204" pitchFamily="34" charset="0"/>
-              </a:rPr>
-              <a:t>sobreajuste</a:t>
-            </a:r>
-            <a:r>
-              <a:rPr lang="en-US" dirty="0">
-                <a:solidFill>
-                  <a:schemeClr val="tx2"/>
-                </a:solidFill>
-                <a:ea typeface="Calibri" panose="020F0502020204030204" pitchFamily="34" charset="0"/>
-                <a:cs typeface="Arial" panose="020B0604020202020204" pitchFamily="34" charset="0"/>
-              </a:rPr>
-              <a:t>.</a:t>
-            </a:r>
-          </a:p>
-          <a:p>
-            <a:pPr marL="800100" lvl="2" indent="-342900" algn="just">
-              <a:lnSpc>
-                <a:spcPct val="150000"/>
-              </a:lnSpc>
-              <a:buFont typeface="Arial" panose="020B0604020202020204" pitchFamily="34" charset="0"/>
-              <a:buChar char="•"/>
-            </a:pPr>
-            <a:r>
-              <a:rPr lang="es-ES" dirty="0">
-                <a:solidFill>
-                  <a:schemeClr val="tx2"/>
-                </a:solidFill>
-                <a:ea typeface="Calibri" panose="020F0502020204030204" pitchFamily="34" charset="0"/>
-                <a:cs typeface="Arial" panose="020B0604020202020204" pitchFamily="34" charset="0"/>
-              </a:rPr>
-              <a:t>Una segunda capa densa de 128 neuronas con </a:t>
-            </a:r>
-            <a:r>
-              <a:rPr lang="es-ES" dirty="0" err="1">
-                <a:solidFill>
-                  <a:schemeClr val="tx2"/>
-                </a:solidFill>
-                <a:ea typeface="Calibri" panose="020F0502020204030204" pitchFamily="34" charset="0"/>
-                <a:cs typeface="Arial" panose="020B0604020202020204" pitchFamily="34" charset="0"/>
-              </a:rPr>
-              <a:t>ReLU</a:t>
-            </a:r>
-            <a:r>
-              <a:rPr lang="es-ES" dirty="0">
-                <a:solidFill>
-                  <a:schemeClr val="tx2"/>
-                </a:solidFill>
-                <a:ea typeface="Calibri" panose="020F0502020204030204" pitchFamily="34" charset="0"/>
-                <a:cs typeface="Arial" panose="020B0604020202020204" pitchFamily="34" charset="0"/>
-              </a:rPr>
-              <a:t>, </a:t>
-            </a:r>
-            <a:r>
-              <a:rPr lang="en-US" dirty="0" err="1">
-                <a:solidFill>
-                  <a:schemeClr val="tx2"/>
-                </a:solidFill>
-                <a:ea typeface="Calibri" panose="020F0502020204030204" pitchFamily="34" charset="0"/>
-                <a:cs typeface="Arial" panose="020B0604020202020204" pitchFamily="34" charset="0"/>
-              </a:rPr>
-              <a:t>seguida</a:t>
-            </a:r>
-            <a:r>
-              <a:rPr lang="en-US" dirty="0">
-                <a:solidFill>
-                  <a:schemeClr val="tx2"/>
-                </a:solidFill>
-                <a:ea typeface="Calibri" panose="020F0502020204030204" pitchFamily="34" charset="0"/>
-                <a:cs typeface="Arial" panose="020B0604020202020204" pitchFamily="34" charset="0"/>
-              </a:rPr>
-              <a:t> de </a:t>
-            </a:r>
-            <a:r>
-              <a:rPr lang="en-US" dirty="0" err="1">
-                <a:solidFill>
-                  <a:schemeClr val="tx2"/>
-                </a:solidFill>
-                <a:ea typeface="Calibri" panose="020F0502020204030204" pitchFamily="34" charset="0"/>
-                <a:cs typeface="Arial" panose="020B0604020202020204" pitchFamily="34" charset="0"/>
-              </a:rPr>
-              <a:t>una</a:t>
-            </a:r>
-            <a:r>
-              <a:rPr lang="en-US" dirty="0">
-                <a:solidFill>
-                  <a:schemeClr val="tx2"/>
-                </a:solidFill>
-                <a:ea typeface="Calibri" panose="020F0502020204030204" pitchFamily="34" charset="0"/>
-                <a:cs typeface="Arial" panose="020B0604020202020204" pitchFamily="34" charset="0"/>
-              </a:rPr>
-              <a:t> </a:t>
-            </a:r>
-            <a:r>
-              <a:rPr lang="en-US" dirty="0" err="1">
-                <a:solidFill>
-                  <a:schemeClr val="tx2"/>
-                </a:solidFill>
-                <a:ea typeface="Calibri" panose="020F0502020204030204" pitchFamily="34" charset="0"/>
-                <a:cs typeface="Arial" panose="020B0604020202020204" pitchFamily="34" charset="0"/>
-              </a:rPr>
-              <a:t>capa</a:t>
-            </a:r>
-            <a:r>
-              <a:rPr lang="en-US" dirty="0">
-                <a:solidFill>
-                  <a:schemeClr val="tx2"/>
-                </a:solidFill>
-                <a:ea typeface="Calibri" panose="020F0502020204030204" pitchFamily="34" charset="0"/>
-                <a:cs typeface="Arial" panose="020B0604020202020204" pitchFamily="34" charset="0"/>
-              </a:rPr>
-              <a:t> de Dropout (0.3).</a:t>
-            </a:r>
-          </a:p>
-          <a:p>
-            <a:pPr marL="800100" lvl="2" indent="-342900" algn="just">
-              <a:lnSpc>
-                <a:spcPct val="150000"/>
-              </a:lnSpc>
-              <a:buFont typeface="Arial" panose="020B0604020202020204" pitchFamily="34" charset="0"/>
-              <a:buChar char="•"/>
-            </a:pPr>
-            <a:r>
-              <a:rPr lang="es-ES" dirty="0">
-                <a:solidFill>
-                  <a:schemeClr val="tx2"/>
-                </a:solidFill>
-                <a:ea typeface="Calibri" panose="020F0502020204030204" pitchFamily="34" charset="0"/>
-                <a:cs typeface="Arial" panose="020B0604020202020204" pitchFamily="34" charset="0"/>
-              </a:rPr>
-              <a:t>Capas adicionales de 64, 32 y 16 neuronas con </a:t>
-            </a:r>
-            <a:r>
-              <a:rPr lang="es-ES" dirty="0" err="1">
-                <a:solidFill>
-                  <a:schemeClr val="tx2"/>
-                </a:solidFill>
-                <a:ea typeface="Calibri" panose="020F0502020204030204" pitchFamily="34" charset="0"/>
-                <a:cs typeface="Arial" panose="020B0604020202020204" pitchFamily="34" charset="0"/>
-              </a:rPr>
-              <a:t>ReLU</a:t>
-            </a:r>
-            <a:r>
-              <a:rPr lang="es-ES" dirty="0">
-                <a:solidFill>
-                  <a:schemeClr val="tx2"/>
-                </a:solidFill>
-                <a:ea typeface="Calibri" panose="020F0502020204030204" pitchFamily="34" charset="0"/>
-                <a:cs typeface="Arial" panose="020B0604020202020204" pitchFamily="34" charset="0"/>
-              </a:rPr>
-              <a:t> </a:t>
-            </a:r>
-            <a:r>
-              <a:rPr lang="en-US" dirty="0">
-                <a:solidFill>
-                  <a:schemeClr val="tx2"/>
-                </a:solidFill>
-                <a:ea typeface="Calibri" panose="020F0502020204030204" pitchFamily="34" charset="0"/>
-                <a:cs typeface="Arial" panose="020B0604020202020204" pitchFamily="34" charset="0"/>
-              </a:rPr>
-              <a:t>para </a:t>
-            </a:r>
-            <a:r>
-              <a:rPr lang="en-US" dirty="0" err="1">
-                <a:solidFill>
-                  <a:schemeClr val="tx2"/>
-                </a:solidFill>
-                <a:ea typeface="Calibri" panose="020F0502020204030204" pitchFamily="34" charset="0"/>
-                <a:cs typeface="Arial" panose="020B0604020202020204" pitchFamily="34" charset="0"/>
-              </a:rPr>
-              <a:t>capturar</a:t>
-            </a:r>
-            <a:r>
-              <a:rPr lang="en-US" dirty="0">
-                <a:solidFill>
-                  <a:schemeClr val="tx2"/>
-                </a:solidFill>
-                <a:ea typeface="Calibri" panose="020F0502020204030204" pitchFamily="34" charset="0"/>
-                <a:cs typeface="Arial" panose="020B0604020202020204" pitchFamily="34" charset="0"/>
-              </a:rPr>
-              <a:t> </a:t>
-            </a:r>
-            <a:r>
-              <a:rPr lang="en-US" dirty="0" err="1">
-                <a:solidFill>
-                  <a:schemeClr val="tx2"/>
-                </a:solidFill>
-                <a:ea typeface="Calibri" panose="020F0502020204030204" pitchFamily="34" charset="0"/>
-                <a:cs typeface="Arial" panose="020B0604020202020204" pitchFamily="34" charset="0"/>
-              </a:rPr>
-              <a:t>características</a:t>
-            </a:r>
-            <a:r>
-              <a:rPr lang="en-US" dirty="0">
-                <a:solidFill>
-                  <a:schemeClr val="tx2"/>
-                </a:solidFill>
-                <a:ea typeface="Calibri" panose="020F0502020204030204" pitchFamily="34" charset="0"/>
-                <a:cs typeface="Arial" panose="020B0604020202020204" pitchFamily="34" charset="0"/>
-              </a:rPr>
-              <a:t> </a:t>
-            </a:r>
-            <a:r>
-              <a:rPr lang="en-US" dirty="0" err="1">
-                <a:solidFill>
-                  <a:schemeClr val="tx2"/>
-                </a:solidFill>
-                <a:ea typeface="Calibri" panose="020F0502020204030204" pitchFamily="34" charset="0"/>
-                <a:cs typeface="Arial" panose="020B0604020202020204" pitchFamily="34" charset="0"/>
-              </a:rPr>
-              <a:t>complejas</a:t>
-            </a:r>
-            <a:r>
-              <a:rPr lang="en-US" dirty="0">
-                <a:solidFill>
-                  <a:schemeClr val="tx2"/>
-                </a:solidFill>
-                <a:ea typeface="Calibri" panose="020F0502020204030204" pitchFamily="34" charset="0"/>
-                <a:cs typeface="Arial" panose="020B0604020202020204" pitchFamily="34" charset="0"/>
-              </a:rPr>
-              <a:t>.</a:t>
-            </a:r>
-          </a:p>
-          <a:p>
-            <a:pPr marL="800100" lvl="2" indent="-342900" algn="just">
-              <a:lnSpc>
-                <a:spcPct val="150000"/>
-              </a:lnSpc>
-              <a:buFont typeface="Arial" panose="020B0604020202020204" pitchFamily="34" charset="0"/>
-              <a:buChar char="•"/>
-            </a:pPr>
-            <a:r>
-              <a:rPr lang="es-ES" dirty="0">
-                <a:solidFill>
-                  <a:schemeClr val="tx2"/>
-                </a:solidFill>
-                <a:ea typeface="Calibri" panose="020F0502020204030204" pitchFamily="34" charset="0"/>
-                <a:cs typeface="Arial" panose="020B0604020202020204" pitchFamily="34" charset="0"/>
-              </a:rPr>
-              <a:t>Una capa de salida de 1 neurona sin función de activación, adecuada para un problema de regresión.</a:t>
-            </a:r>
-          </a:p>
-          <a:p>
-            <a:pPr algn="just">
-              <a:lnSpc>
-                <a:spcPct val="150000"/>
-              </a:lnSpc>
-            </a:pPr>
-            <a:r>
-              <a:rPr lang="es-ES" dirty="0">
-                <a:solidFill>
-                  <a:schemeClr val="tx2"/>
-                </a:solidFill>
-                <a:ea typeface="Calibri" panose="020F0502020204030204" pitchFamily="34" charset="0"/>
-                <a:cs typeface="Arial" panose="020B0604020202020204" pitchFamily="34" charset="0"/>
-              </a:rPr>
-              <a:t>El modelo fue compilado con el optimizador Adam y una tasa de aprendizaje inicial de 0.001, utilizando el error cuadrático medio (MSE) como función de perdida y el error absoluto medio (MAE) como métrica de evaluación.</a:t>
-            </a:r>
-            <a:endParaRPr lang="en-US" dirty="0">
-              <a:solidFill>
-                <a:schemeClr val="tx2"/>
-              </a:solidFill>
-              <a:ea typeface="Calibri" panose="020F0502020204030204" pitchFamily="34" charset="0"/>
-              <a:cs typeface="Arial" panose="020B0604020202020204" pitchFamily="34" charset="0"/>
-            </a:endParaRPr>
-          </a:p>
-        </p:txBody>
-      </p:sp>
-    </p:spTree>
-    <p:extLst>
-      <p:ext uri="{BB962C8B-B14F-4D97-AF65-F5344CB8AC3E}">
-        <p14:creationId xmlns:p14="http://schemas.microsoft.com/office/powerpoint/2010/main" val="2958810132"/>
-      </p:ext>
-    </p:extLst>
-  </p:cSld>
-  <p:clrMapOvr>
-    <a:masterClrMapping/>
-  </p:clrMapOvr>
-</p:sld>
-</file>
-
-<file path=ppt/slides/slide12.xml><?xml version="1.0" encoding="utf-8"?>
-<p:sld xmlns:a="http://schemas.openxmlformats.org/drawingml/2006/main" xmlns:r="http://schemas.openxmlformats.org/officeDocument/2006/relationships" xmlns:p="http://schemas.openxmlformats.org/presentationml/2006/main">
-  <p:cSld>
-    <p:spTree>
-      <p:nvGrpSpPr>
-        <p:cNvPr id="1" name="">
-          <a:extLst>
-            <a:ext uri="{FF2B5EF4-FFF2-40B4-BE49-F238E27FC236}">
-              <a16:creationId xmlns:a16="http://schemas.microsoft.com/office/drawing/2014/main" id="{265C4DE1-14D2-AA7E-DCB7-72703577FBC2}"/>
-            </a:ext>
-          </a:extLst>
-        </p:cNvPr>
-        <p:cNvGrpSpPr/>
-        <p:nvPr/>
-      </p:nvGrpSpPr>
-      <p:grpSpPr>
-        <a:xfrm>
-          <a:off x="0" y="0"/>
-          <a:ext cx="0" cy="0"/>
-          <a:chOff x="0" y="0"/>
-          <a:chExt cx="0" cy="0"/>
-        </a:xfrm>
-      </p:grpSpPr>
-      <p:sp>
-        <p:nvSpPr>
-          <p:cNvPr id="4" name="Título 2">
-            <a:extLst>
-              <a:ext uri="{FF2B5EF4-FFF2-40B4-BE49-F238E27FC236}">
-                <a16:creationId xmlns:a16="http://schemas.microsoft.com/office/drawing/2014/main" id="{83F8405D-5C80-4E9D-33FE-3A2CE9601A14}"/>
-              </a:ext>
-            </a:extLst>
-          </p:cNvPr>
-          <p:cNvSpPr>
-            <a:spLocks noGrp="1"/>
-          </p:cNvSpPr>
-          <p:nvPr>
-            <p:ph type="title"/>
-          </p:nvPr>
-        </p:nvSpPr>
-        <p:spPr>
-          <a:xfrm>
-            <a:off x="633793" y="428574"/>
-            <a:ext cx="8746181" cy="825046"/>
-          </a:xfrm>
-        </p:spPr>
-        <p:txBody>
-          <a:bodyPr/>
-          <a:lstStyle/>
-          <a:p>
-            <a:pPr>
-              <a:spcBef>
-                <a:spcPts val="1000"/>
-              </a:spcBef>
-              <a:buClr>
-                <a:schemeClr val="tx2"/>
-              </a:buClr>
-            </a:pPr>
-            <a:r>
-              <a:rPr lang="es-MX" sz="3200" b="1" dirty="0">
-                <a:solidFill>
-                  <a:srgbClr val="000066"/>
-                </a:solidFill>
-                <a:latin typeface="Arial" panose="020B0604020202020204" pitchFamily="34" charset="0"/>
-                <a:ea typeface="+mn-ea"/>
-                <a:cs typeface="Arial" panose="020B0604020202020204" pitchFamily="34" charset="0"/>
-              </a:rPr>
-              <a:t>ENTRENAMIENTO</a:t>
-            </a:r>
-            <a:endParaRPr lang="es-CU" sz="3200" b="1" dirty="0">
-              <a:solidFill>
-                <a:srgbClr val="000066"/>
-              </a:solidFill>
-              <a:latin typeface="Arial" panose="020B0604020202020204" pitchFamily="34" charset="0"/>
-              <a:ea typeface="+mn-ea"/>
-              <a:cs typeface="Arial" panose="020B0604020202020204" pitchFamily="34" charset="0"/>
-            </a:endParaRPr>
-          </a:p>
-        </p:txBody>
-      </p:sp>
-      <p:pic>
-        <p:nvPicPr>
-          <p:cNvPr id="17" name="Picture 16">
-            <a:extLst>
-              <a:ext uri="{FF2B5EF4-FFF2-40B4-BE49-F238E27FC236}">
-                <a16:creationId xmlns:a16="http://schemas.microsoft.com/office/drawing/2014/main" id="{CE0E8D05-9A76-0C56-0A08-68CB24D00181}"/>
-              </a:ext>
-            </a:extLst>
-          </p:cNvPr>
-          <p:cNvPicPr>
-            <a:picLocks noChangeAspect="1"/>
-          </p:cNvPicPr>
-          <p:nvPr/>
-        </p:nvPicPr>
-        <p:blipFill>
-          <a:blip r:embed="rId3"/>
-          <a:stretch>
-            <a:fillRect/>
-          </a:stretch>
-        </p:blipFill>
-        <p:spPr>
-          <a:xfrm>
-            <a:off x="10942385" y="0"/>
-            <a:ext cx="1249615" cy="1499463"/>
-          </a:xfrm>
-          <a:prstGeom prst="rect">
-            <a:avLst/>
-          </a:prstGeom>
-        </p:spPr>
-      </p:pic>
-      <p:sp>
-        <p:nvSpPr>
-          <p:cNvPr id="5" name="TextBox 4">
-            <a:extLst>
-              <a:ext uri="{FF2B5EF4-FFF2-40B4-BE49-F238E27FC236}">
-                <a16:creationId xmlns:a16="http://schemas.microsoft.com/office/drawing/2014/main" id="{F68D8A3B-B702-41EA-C954-B6D0AA26853E}"/>
-              </a:ext>
-            </a:extLst>
-          </p:cNvPr>
-          <p:cNvSpPr txBox="1"/>
-          <p:nvPr/>
-        </p:nvSpPr>
-        <p:spPr>
-          <a:xfrm>
-            <a:off x="633793" y="2000908"/>
-            <a:ext cx="10693039" cy="3356688"/>
-          </a:xfrm>
-          <a:prstGeom prst="rect">
-            <a:avLst/>
-          </a:prstGeom>
-          <a:noFill/>
-        </p:spPr>
-        <p:txBody>
-          <a:bodyPr wrap="square">
-            <a:spAutoFit/>
-          </a:bodyPr>
-          <a:lstStyle/>
-          <a:p>
-            <a:pPr marL="342900" indent="-342900" algn="just">
-              <a:lnSpc>
-                <a:spcPct val="150000"/>
-              </a:lnSpc>
-              <a:buFont typeface="Arial" panose="020B0604020202020204" pitchFamily="34" charset="0"/>
-              <a:buChar char="•"/>
-            </a:pPr>
-            <a:r>
-              <a:rPr lang="es-ES" sz="2400" dirty="0">
-                <a:solidFill>
-                  <a:schemeClr val="tx2"/>
-                </a:solidFill>
-                <a:ea typeface="Calibri" panose="020F0502020204030204" pitchFamily="34" charset="0"/>
-                <a:cs typeface="Arial" panose="020B0604020202020204" pitchFamily="34" charset="0"/>
-              </a:rPr>
-              <a:t>Se entrenó el modelo durante 25 épocas con un tamaño de </a:t>
-            </a:r>
-            <a:r>
-              <a:rPr lang="en-US" sz="2400" dirty="0" err="1">
-                <a:solidFill>
-                  <a:schemeClr val="tx2"/>
-                </a:solidFill>
-                <a:ea typeface="Calibri" panose="020F0502020204030204" pitchFamily="34" charset="0"/>
-                <a:cs typeface="Arial" panose="020B0604020202020204" pitchFamily="34" charset="0"/>
-              </a:rPr>
-              <a:t>lote</a:t>
-            </a:r>
-            <a:r>
-              <a:rPr lang="en-US" sz="2400" dirty="0">
-                <a:solidFill>
-                  <a:schemeClr val="tx2"/>
-                </a:solidFill>
-                <a:ea typeface="Calibri" panose="020F0502020204030204" pitchFamily="34" charset="0"/>
-                <a:cs typeface="Arial" panose="020B0604020202020204" pitchFamily="34" charset="0"/>
-              </a:rPr>
-              <a:t> de 32 </a:t>
-            </a:r>
-            <a:r>
-              <a:rPr lang="en-US" sz="2400" dirty="0" err="1">
-                <a:solidFill>
-                  <a:schemeClr val="tx2"/>
-                </a:solidFill>
-                <a:ea typeface="Calibri" panose="020F0502020204030204" pitchFamily="34" charset="0"/>
-                <a:cs typeface="Arial" panose="020B0604020202020204" pitchFamily="34" charset="0"/>
-              </a:rPr>
-              <a:t>muestras</a:t>
-            </a:r>
-            <a:r>
-              <a:rPr lang="en-US" sz="2400" dirty="0">
-                <a:solidFill>
-                  <a:schemeClr val="tx2"/>
-                </a:solidFill>
-                <a:ea typeface="Calibri" panose="020F0502020204030204" pitchFamily="34" charset="0"/>
-                <a:cs typeface="Arial" panose="020B0604020202020204" pitchFamily="34" charset="0"/>
-              </a:rPr>
-              <a:t>. </a:t>
-            </a:r>
-          </a:p>
-          <a:p>
-            <a:pPr marL="342900" indent="-342900" algn="just">
-              <a:lnSpc>
-                <a:spcPct val="150000"/>
-              </a:lnSpc>
-              <a:buFont typeface="Arial" panose="020B0604020202020204" pitchFamily="34" charset="0"/>
-              <a:buChar char="•"/>
-            </a:pPr>
-            <a:r>
-              <a:rPr lang="en-US" sz="2400" dirty="0">
-                <a:solidFill>
-                  <a:schemeClr val="tx2"/>
-                </a:solidFill>
-                <a:ea typeface="Calibri" panose="020F0502020204030204" pitchFamily="34" charset="0"/>
-                <a:cs typeface="Arial" panose="020B0604020202020204" pitchFamily="34" charset="0"/>
-              </a:rPr>
-              <a:t>Se </a:t>
-            </a:r>
-            <a:r>
-              <a:rPr lang="en-US" sz="2400" dirty="0" err="1">
-                <a:solidFill>
-                  <a:schemeClr val="tx2"/>
-                </a:solidFill>
-                <a:ea typeface="Calibri" panose="020F0502020204030204" pitchFamily="34" charset="0"/>
-                <a:cs typeface="Arial" panose="020B0604020202020204" pitchFamily="34" charset="0"/>
-              </a:rPr>
-              <a:t>implementó</a:t>
-            </a:r>
-            <a:r>
-              <a:rPr lang="en-US" sz="2400" dirty="0">
-                <a:solidFill>
-                  <a:schemeClr val="tx2"/>
-                </a:solidFill>
-                <a:ea typeface="Calibri" panose="020F0502020204030204" pitchFamily="34" charset="0"/>
-                <a:cs typeface="Arial" panose="020B0604020202020204" pitchFamily="34" charset="0"/>
-              </a:rPr>
-              <a:t> un </a:t>
-            </a:r>
-            <a:r>
-              <a:rPr lang="en-US" sz="2400" dirty="0" err="1">
-                <a:solidFill>
-                  <a:schemeClr val="tx2"/>
-                </a:solidFill>
-                <a:ea typeface="Calibri" panose="020F0502020204030204" pitchFamily="34" charset="0"/>
-                <a:cs typeface="Arial" panose="020B0604020202020204" pitchFamily="34" charset="0"/>
-              </a:rPr>
-              <a:t>programador</a:t>
-            </a:r>
-            <a:r>
-              <a:rPr lang="en-US" sz="2400" dirty="0">
-                <a:solidFill>
-                  <a:schemeClr val="tx2"/>
-                </a:solidFill>
-                <a:ea typeface="Calibri" panose="020F0502020204030204" pitchFamily="34" charset="0"/>
-                <a:cs typeface="Arial" panose="020B0604020202020204" pitchFamily="34" charset="0"/>
-              </a:rPr>
-              <a:t> de </a:t>
-            </a:r>
-            <a:r>
-              <a:rPr lang="en-US" sz="2400" dirty="0" err="1">
-                <a:solidFill>
-                  <a:schemeClr val="tx2"/>
-                </a:solidFill>
-                <a:ea typeface="Calibri" panose="020F0502020204030204" pitchFamily="34" charset="0"/>
-                <a:cs typeface="Arial" panose="020B0604020202020204" pitchFamily="34" charset="0"/>
-              </a:rPr>
-              <a:t>tasa</a:t>
-            </a:r>
-            <a:r>
-              <a:rPr lang="en-US" sz="2400" dirty="0">
-                <a:solidFill>
-                  <a:schemeClr val="tx2"/>
-                </a:solidFill>
-                <a:ea typeface="Calibri" panose="020F0502020204030204" pitchFamily="34" charset="0"/>
-                <a:cs typeface="Arial" panose="020B0604020202020204" pitchFamily="34" charset="0"/>
-              </a:rPr>
-              <a:t> </a:t>
-            </a:r>
-            <a:r>
-              <a:rPr lang="es-ES" sz="2400" dirty="0">
-                <a:solidFill>
-                  <a:schemeClr val="tx2"/>
-                </a:solidFill>
-                <a:ea typeface="Calibri" panose="020F0502020204030204" pitchFamily="34" charset="0"/>
-                <a:cs typeface="Arial" panose="020B0604020202020204" pitchFamily="34" charset="0"/>
-              </a:rPr>
-              <a:t>de aprendizaje que redujo la tasa a la mitad cada 10 épocas </a:t>
-            </a:r>
-            <a:r>
-              <a:rPr lang="en-US" sz="2400" dirty="0">
-                <a:solidFill>
-                  <a:schemeClr val="tx2"/>
-                </a:solidFill>
-                <a:ea typeface="Calibri" panose="020F0502020204030204" pitchFamily="34" charset="0"/>
-                <a:cs typeface="Arial" panose="020B0604020202020204" pitchFamily="34" charset="0"/>
-              </a:rPr>
-              <a:t>para </a:t>
-            </a:r>
-            <a:r>
-              <a:rPr lang="en-US" sz="2400" dirty="0" err="1">
-                <a:solidFill>
-                  <a:schemeClr val="tx2"/>
-                </a:solidFill>
-                <a:ea typeface="Calibri" panose="020F0502020204030204" pitchFamily="34" charset="0"/>
-                <a:cs typeface="Arial" panose="020B0604020202020204" pitchFamily="34" charset="0"/>
-              </a:rPr>
-              <a:t>optimizar</a:t>
-            </a:r>
-            <a:r>
-              <a:rPr lang="en-US" sz="2400" dirty="0">
-                <a:solidFill>
-                  <a:schemeClr val="tx2"/>
-                </a:solidFill>
-                <a:ea typeface="Calibri" panose="020F0502020204030204" pitchFamily="34" charset="0"/>
-                <a:cs typeface="Arial" panose="020B0604020202020204" pitchFamily="34" charset="0"/>
-              </a:rPr>
-              <a:t> la </a:t>
-            </a:r>
-            <a:r>
-              <a:rPr lang="en-US" sz="2400" dirty="0" err="1">
-                <a:solidFill>
-                  <a:schemeClr val="tx2"/>
-                </a:solidFill>
-                <a:ea typeface="Calibri" panose="020F0502020204030204" pitchFamily="34" charset="0"/>
-                <a:cs typeface="Arial" panose="020B0604020202020204" pitchFamily="34" charset="0"/>
-              </a:rPr>
-              <a:t>convergencia</a:t>
-            </a:r>
-            <a:r>
-              <a:rPr lang="en-US" sz="2400" dirty="0">
-                <a:solidFill>
-                  <a:schemeClr val="tx2"/>
-                </a:solidFill>
-                <a:ea typeface="Calibri" panose="020F0502020204030204" pitchFamily="34" charset="0"/>
-                <a:cs typeface="Arial" panose="020B0604020202020204" pitchFamily="34" charset="0"/>
-              </a:rPr>
-              <a:t>. </a:t>
-            </a:r>
-          </a:p>
-          <a:p>
-            <a:pPr marL="342900" indent="-342900" algn="just">
-              <a:lnSpc>
-                <a:spcPct val="150000"/>
-              </a:lnSpc>
-              <a:buFont typeface="Arial" panose="020B0604020202020204" pitchFamily="34" charset="0"/>
-              <a:buChar char="•"/>
-            </a:pPr>
-            <a:r>
-              <a:rPr lang="en-US" sz="2400" dirty="0">
-                <a:solidFill>
-                  <a:schemeClr val="tx2"/>
-                </a:solidFill>
-                <a:ea typeface="Calibri" panose="020F0502020204030204" pitchFamily="34" charset="0"/>
-                <a:cs typeface="Arial" panose="020B0604020202020204" pitchFamily="34" charset="0"/>
-              </a:rPr>
-              <a:t>Se </a:t>
-            </a:r>
-            <a:r>
-              <a:rPr lang="en-US" sz="2400" dirty="0" err="1">
-                <a:solidFill>
-                  <a:schemeClr val="tx2"/>
-                </a:solidFill>
-                <a:ea typeface="Calibri" panose="020F0502020204030204" pitchFamily="34" charset="0"/>
-                <a:cs typeface="Arial" panose="020B0604020202020204" pitchFamily="34" charset="0"/>
-              </a:rPr>
-              <a:t>usaron</a:t>
-            </a:r>
-            <a:r>
-              <a:rPr lang="en-US" sz="2400" dirty="0">
-                <a:solidFill>
-                  <a:schemeClr val="tx2"/>
-                </a:solidFill>
-                <a:ea typeface="Calibri" panose="020F0502020204030204" pitchFamily="34" charset="0"/>
-                <a:cs typeface="Arial" panose="020B0604020202020204" pitchFamily="34" charset="0"/>
-              </a:rPr>
-              <a:t> conjuntos </a:t>
-            </a:r>
-            <a:r>
-              <a:rPr lang="es-ES" sz="2400" dirty="0">
-                <a:solidFill>
-                  <a:schemeClr val="tx2"/>
-                </a:solidFill>
-                <a:ea typeface="Calibri" panose="020F0502020204030204" pitchFamily="34" charset="0"/>
-                <a:cs typeface="Arial" panose="020B0604020202020204" pitchFamily="34" charset="0"/>
-              </a:rPr>
-              <a:t>de datos de validación para monitorear el rendimiento y ajustar </a:t>
-            </a:r>
-            <a:r>
-              <a:rPr lang="en-US" sz="2400" dirty="0" err="1">
-                <a:solidFill>
-                  <a:schemeClr val="tx2"/>
-                </a:solidFill>
-                <a:ea typeface="Calibri" panose="020F0502020204030204" pitchFamily="34" charset="0"/>
-                <a:cs typeface="Arial" panose="020B0604020202020204" pitchFamily="34" charset="0"/>
-              </a:rPr>
-              <a:t>los</a:t>
-            </a:r>
-            <a:r>
-              <a:rPr lang="en-US" sz="2400" dirty="0">
-                <a:solidFill>
-                  <a:schemeClr val="tx2"/>
-                </a:solidFill>
-                <a:ea typeface="Calibri" panose="020F0502020204030204" pitchFamily="34" charset="0"/>
-                <a:cs typeface="Arial" panose="020B0604020202020204" pitchFamily="34" charset="0"/>
-              </a:rPr>
-              <a:t> </a:t>
-            </a:r>
-            <a:r>
-              <a:rPr lang="en-US" sz="2400" dirty="0" err="1">
-                <a:solidFill>
-                  <a:schemeClr val="tx2"/>
-                </a:solidFill>
-                <a:ea typeface="Calibri" panose="020F0502020204030204" pitchFamily="34" charset="0"/>
-                <a:cs typeface="Arial" panose="020B0604020202020204" pitchFamily="34" charset="0"/>
-              </a:rPr>
-              <a:t>hiperparámetros</a:t>
-            </a:r>
-            <a:r>
-              <a:rPr lang="en-US" sz="2400" dirty="0">
-                <a:solidFill>
-                  <a:schemeClr val="tx2"/>
-                </a:solidFill>
-                <a:ea typeface="Calibri" panose="020F0502020204030204" pitchFamily="34" charset="0"/>
-                <a:cs typeface="Arial" panose="020B0604020202020204" pitchFamily="34" charset="0"/>
-              </a:rPr>
-              <a:t>.</a:t>
-            </a:r>
-          </a:p>
-        </p:txBody>
-      </p:sp>
-    </p:spTree>
-    <p:extLst>
-      <p:ext uri="{BB962C8B-B14F-4D97-AF65-F5344CB8AC3E}">
-        <p14:creationId xmlns:p14="http://schemas.microsoft.com/office/powerpoint/2010/main" val="563979870"/>
-      </p:ext>
-    </p:extLst>
-  </p:cSld>
-  <p:clrMapOvr>
-    <a:masterClrMapping/>
-  </p:clrMapOvr>
-</p:sld>
-</file>
-
-<file path=ppt/slides/slide13.xml><?xml version="1.0" encoding="utf-8"?>
-<p:sld xmlns:a="http://schemas.openxmlformats.org/drawingml/2006/main" xmlns:r="http://schemas.openxmlformats.org/officeDocument/2006/relationships" xmlns:p="http://schemas.openxmlformats.org/presentationml/2006/main">
-  <p:cSld>
-    <p:spTree>
-      <p:nvGrpSpPr>
-        <p:cNvPr id="1" name="">
-          <a:extLst>
-            <a:ext uri="{FF2B5EF4-FFF2-40B4-BE49-F238E27FC236}">
-              <a16:creationId xmlns:a16="http://schemas.microsoft.com/office/drawing/2014/main" id="{AD4FBA75-1A52-158D-7A5F-BE2C4E08931F}"/>
-            </a:ext>
-          </a:extLst>
-        </p:cNvPr>
-        <p:cNvGrpSpPr/>
-        <p:nvPr/>
-      </p:nvGrpSpPr>
-      <p:grpSpPr>
-        <a:xfrm>
-          <a:off x="0" y="0"/>
-          <a:ext cx="0" cy="0"/>
-          <a:chOff x="0" y="0"/>
-          <a:chExt cx="0" cy="0"/>
-        </a:xfrm>
-      </p:grpSpPr>
-      <p:sp>
-        <p:nvSpPr>
-          <p:cNvPr id="4" name="Título 2">
-            <a:extLst>
-              <a:ext uri="{FF2B5EF4-FFF2-40B4-BE49-F238E27FC236}">
-                <a16:creationId xmlns:a16="http://schemas.microsoft.com/office/drawing/2014/main" id="{ACDE0680-819C-36BC-7FD7-739FB2E1510D}"/>
-              </a:ext>
-            </a:extLst>
-          </p:cNvPr>
-          <p:cNvSpPr>
-            <a:spLocks noGrp="1"/>
-          </p:cNvSpPr>
-          <p:nvPr>
-            <p:ph type="title"/>
-          </p:nvPr>
-        </p:nvSpPr>
-        <p:spPr>
-          <a:xfrm>
-            <a:off x="633793" y="428574"/>
-            <a:ext cx="8746181" cy="825046"/>
-          </a:xfrm>
-        </p:spPr>
-        <p:txBody>
-          <a:bodyPr/>
-          <a:lstStyle/>
-          <a:p>
-            <a:pPr>
-              <a:spcBef>
-                <a:spcPts val="1000"/>
-              </a:spcBef>
-              <a:buClr>
-                <a:schemeClr val="tx2"/>
-              </a:buClr>
-            </a:pPr>
-            <a:r>
-              <a:rPr lang="es-MX" sz="3200" b="1" dirty="0">
-                <a:solidFill>
-                  <a:srgbClr val="000066"/>
-                </a:solidFill>
-                <a:latin typeface="Arial" panose="020B0604020202020204" pitchFamily="34" charset="0"/>
-                <a:ea typeface="+mn-ea"/>
-                <a:cs typeface="Arial" panose="020B0604020202020204" pitchFamily="34" charset="0"/>
-              </a:rPr>
-              <a:t>EVALUACIÓN</a:t>
-            </a:r>
-            <a:endParaRPr lang="es-CU" sz="3200" b="1" dirty="0">
-              <a:solidFill>
-                <a:srgbClr val="000066"/>
-              </a:solidFill>
-              <a:latin typeface="Arial" panose="020B0604020202020204" pitchFamily="34" charset="0"/>
-              <a:ea typeface="+mn-ea"/>
-              <a:cs typeface="Arial" panose="020B0604020202020204" pitchFamily="34" charset="0"/>
-            </a:endParaRPr>
-          </a:p>
-        </p:txBody>
-      </p:sp>
-      <p:pic>
-        <p:nvPicPr>
-          <p:cNvPr id="17" name="Picture 16">
-            <a:extLst>
-              <a:ext uri="{FF2B5EF4-FFF2-40B4-BE49-F238E27FC236}">
-                <a16:creationId xmlns:a16="http://schemas.microsoft.com/office/drawing/2014/main" id="{B99F0243-1942-FB30-55AC-405607918E4E}"/>
-              </a:ext>
-            </a:extLst>
-          </p:cNvPr>
-          <p:cNvPicPr>
-            <a:picLocks noChangeAspect="1"/>
-          </p:cNvPicPr>
-          <p:nvPr/>
-        </p:nvPicPr>
-        <p:blipFill>
-          <a:blip r:embed="rId3"/>
-          <a:stretch>
-            <a:fillRect/>
-          </a:stretch>
-        </p:blipFill>
-        <p:spPr>
-          <a:xfrm>
-            <a:off x="10942385" y="0"/>
-            <a:ext cx="1249615" cy="1499463"/>
-          </a:xfrm>
-          <a:prstGeom prst="rect">
-            <a:avLst/>
-          </a:prstGeom>
-        </p:spPr>
-      </p:pic>
-      <p:sp>
-        <p:nvSpPr>
-          <p:cNvPr id="5" name="TextBox 4">
-            <a:extLst>
-              <a:ext uri="{FF2B5EF4-FFF2-40B4-BE49-F238E27FC236}">
-                <a16:creationId xmlns:a16="http://schemas.microsoft.com/office/drawing/2014/main" id="{8B63AF7D-2B0F-BCB6-221B-73BC4FA4B995}"/>
-              </a:ext>
-            </a:extLst>
-          </p:cNvPr>
-          <p:cNvSpPr txBox="1"/>
-          <p:nvPr/>
-        </p:nvSpPr>
-        <p:spPr>
-          <a:xfrm>
-            <a:off x="505975" y="1873326"/>
-            <a:ext cx="10928942" cy="3901837"/>
-          </a:xfrm>
-          <a:prstGeom prst="rect">
-            <a:avLst/>
-          </a:prstGeom>
-          <a:noFill/>
-        </p:spPr>
-        <p:txBody>
-          <a:bodyPr wrap="square">
-            <a:spAutoFit/>
-          </a:bodyPr>
-          <a:lstStyle/>
-          <a:p>
-            <a:pPr marL="342900" indent="-342900" algn="just">
-              <a:lnSpc>
-                <a:spcPct val="150000"/>
-              </a:lnSpc>
-              <a:buFont typeface="Arial" panose="020B0604020202020204" pitchFamily="34" charset="0"/>
-              <a:buChar char="•"/>
-            </a:pPr>
-            <a:r>
-              <a:rPr lang="es-ES" sz="2400" dirty="0">
-                <a:solidFill>
-                  <a:schemeClr val="tx2"/>
-                </a:solidFill>
-                <a:ea typeface="Calibri" panose="020F0502020204030204" pitchFamily="34" charset="0"/>
-                <a:cs typeface="Arial" panose="020B0604020202020204" pitchFamily="34" charset="0"/>
-              </a:rPr>
-              <a:t>El rendimiento del modelo se evaluó utilizando el MAE, el RMSE y el coeficiente de determinación (R2) en el conjunto de prueba. </a:t>
-            </a:r>
-          </a:p>
-          <a:p>
-            <a:pPr marL="342900" indent="-342900" algn="just">
-              <a:lnSpc>
-                <a:spcPct val="150000"/>
-              </a:lnSpc>
-              <a:buFont typeface="Arial" panose="020B0604020202020204" pitchFamily="34" charset="0"/>
-              <a:buChar char="•"/>
-            </a:pPr>
-            <a:r>
-              <a:rPr lang="es-ES" sz="2400" dirty="0">
-                <a:solidFill>
-                  <a:schemeClr val="tx2"/>
-                </a:solidFill>
-                <a:ea typeface="Calibri" panose="020F0502020204030204" pitchFamily="34" charset="0"/>
-                <a:cs typeface="Arial" panose="020B0604020202020204" pitchFamily="34" charset="0"/>
-              </a:rPr>
-              <a:t>Se compararon los resultados con modelos </a:t>
-            </a:r>
-            <a:r>
-              <a:rPr lang="en-US" sz="2400" dirty="0">
-                <a:solidFill>
-                  <a:schemeClr val="tx2"/>
-                </a:solidFill>
-                <a:ea typeface="Calibri" panose="020F0502020204030204" pitchFamily="34" charset="0"/>
-                <a:cs typeface="Arial" panose="020B0604020202020204" pitchFamily="34" charset="0"/>
-              </a:rPr>
-              <a:t>de </a:t>
-            </a:r>
-            <a:r>
-              <a:rPr lang="en-US" sz="2400" dirty="0" err="1">
-                <a:solidFill>
-                  <a:schemeClr val="tx2"/>
-                </a:solidFill>
-                <a:ea typeface="Calibri" panose="020F0502020204030204" pitchFamily="34" charset="0"/>
-                <a:cs typeface="Arial" panose="020B0604020202020204" pitchFamily="34" charset="0"/>
-              </a:rPr>
-              <a:t>referencia</a:t>
-            </a:r>
-            <a:r>
-              <a:rPr lang="en-US" sz="2400" dirty="0">
-                <a:solidFill>
-                  <a:schemeClr val="tx2"/>
-                </a:solidFill>
-                <a:ea typeface="Calibri" panose="020F0502020204030204" pitchFamily="34" charset="0"/>
-                <a:cs typeface="Arial" panose="020B0604020202020204" pitchFamily="34" charset="0"/>
-              </a:rPr>
-              <a:t>, </a:t>
-            </a:r>
-            <a:r>
-              <a:rPr lang="en-US" sz="2400" dirty="0" err="1">
-                <a:solidFill>
-                  <a:schemeClr val="tx2"/>
-                </a:solidFill>
-                <a:ea typeface="Calibri" panose="020F0502020204030204" pitchFamily="34" charset="0"/>
-                <a:cs typeface="Arial" panose="020B0604020202020204" pitchFamily="34" charset="0"/>
-              </a:rPr>
-              <a:t>como</a:t>
-            </a:r>
-            <a:r>
-              <a:rPr lang="en-US" sz="2400" dirty="0">
-                <a:solidFill>
-                  <a:schemeClr val="tx2"/>
-                </a:solidFill>
-                <a:ea typeface="Calibri" panose="020F0502020204030204" pitchFamily="34" charset="0"/>
-                <a:cs typeface="Arial" panose="020B0604020202020204" pitchFamily="34" charset="0"/>
-              </a:rPr>
-              <a:t> Random Forests y </a:t>
-            </a:r>
-            <a:r>
-              <a:rPr lang="en-US" sz="2400" dirty="0" err="1">
-                <a:solidFill>
-                  <a:schemeClr val="tx2"/>
-                </a:solidFill>
-                <a:ea typeface="Calibri" panose="020F0502020204030204" pitchFamily="34" charset="0"/>
-                <a:cs typeface="Arial" panose="020B0604020202020204" pitchFamily="34" charset="0"/>
-              </a:rPr>
-              <a:t>métodos</a:t>
-            </a:r>
-            <a:r>
-              <a:rPr lang="en-US" sz="2400" dirty="0">
-                <a:solidFill>
-                  <a:schemeClr val="tx2"/>
-                </a:solidFill>
-                <a:ea typeface="Calibri" panose="020F0502020204030204" pitchFamily="34" charset="0"/>
-                <a:cs typeface="Arial" panose="020B0604020202020204" pitchFamily="34" charset="0"/>
-              </a:rPr>
-              <a:t> de regression </a:t>
-            </a:r>
-            <a:r>
-              <a:rPr lang="es-ES" sz="2400" dirty="0">
-                <a:solidFill>
-                  <a:schemeClr val="tx2"/>
-                </a:solidFill>
-                <a:ea typeface="Calibri" panose="020F0502020204030204" pitchFamily="34" charset="0"/>
-                <a:cs typeface="Arial" panose="020B0604020202020204" pitchFamily="34" charset="0"/>
-              </a:rPr>
-              <a:t>tradicionales, reportados en estudios previos. </a:t>
-            </a:r>
-          </a:p>
-          <a:p>
-            <a:pPr marL="342900" indent="-342900" algn="just">
-              <a:lnSpc>
-                <a:spcPct val="150000"/>
-              </a:lnSpc>
-              <a:buFont typeface="Arial" panose="020B0604020202020204" pitchFamily="34" charset="0"/>
-              <a:buChar char="•"/>
-            </a:pPr>
-            <a:r>
-              <a:rPr lang="es-ES" sz="2400" dirty="0">
-                <a:solidFill>
-                  <a:schemeClr val="tx2"/>
-                </a:solidFill>
-                <a:ea typeface="Calibri" panose="020F0502020204030204" pitchFamily="34" charset="0"/>
-                <a:cs typeface="Arial" panose="020B0604020202020204" pitchFamily="34" charset="0"/>
-              </a:rPr>
-              <a:t>Se generaron gráficos de dispersión para analizar visualmente las predicciones </a:t>
-            </a:r>
-            <a:r>
-              <a:rPr lang="en-US" sz="2400" dirty="0" err="1">
-                <a:solidFill>
-                  <a:schemeClr val="tx2"/>
-                </a:solidFill>
-                <a:ea typeface="Calibri" panose="020F0502020204030204" pitchFamily="34" charset="0"/>
-                <a:cs typeface="Arial" panose="020B0604020202020204" pitchFamily="34" charset="0"/>
-              </a:rPr>
-              <a:t>frente</a:t>
-            </a:r>
-            <a:r>
-              <a:rPr lang="en-US" sz="2400" dirty="0">
-                <a:solidFill>
-                  <a:schemeClr val="tx2"/>
-                </a:solidFill>
-                <a:ea typeface="Calibri" panose="020F0502020204030204" pitchFamily="34" charset="0"/>
-                <a:cs typeface="Arial" panose="020B0604020202020204" pitchFamily="34" charset="0"/>
-              </a:rPr>
-              <a:t> a </a:t>
-            </a:r>
-            <a:r>
-              <a:rPr lang="en-US" sz="2400" dirty="0" err="1">
-                <a:solidFill>
-                  <a:schemeClr val="tx2"/>
-                </a:solidFill>
-                <a:ea typeface="Calibri" panose="020F0502020204030204" pitchFamily="34" charset="0"/>
-                <a:cs typeface="Arial" panose="020B0604020202020204" pitchFamily="34" charset="0"/>
-              </a:rPr>
-              <a:t>los</a:t>
-            </a:r>
-            <a:r>
-              <a:rPr lang="en-US" sz="2400" dirty="0">
-                <a:solidFill>
-                  <a:schemeClr val="tx2"/>
-                </a:solidFill>
-                <a:ea typeface="Calibri" panose="020F0502020204030204" pitchFamily="34" charset="0"/>
-                <a:cs typeface="Arial" panose="020B0604020202020204" pitchFamily="34" charset="0"/>
-              </a:rPr>
-              <a:t> </a:t>
-            </a:r>
-            <a:r>
-              <a:rPr lang="en-US" sz="2400" dirty="0" err="1">
-                <a:solidFill>
-                  <a:schemeClr val="tx2"/>
-                </a:solidFill>
-                <a:ea typeface="Calibri" panose="020F0502020204030204" pitchFamily="34" charset="0"/>
-                <a:cs typeface="Arial" panose="020B0604020202020204" pitchFamily="34" charset="0"/>
-              </a:rPr>
-              <a:t>valores</a:t>
-            </a:r>
-            <a:r>
-              <a:rPr lang="en-US" sz="2400" dirty="0">
-                <a:solidFill>
-                  <a:schemeClr val="tx2"/>
-                </a:solidFill>
-                <a:ea typeface="Calibri" panose="020F0502020204030204" pitchFamily="34" charset="0"/>
-                <a:cs typeface="Arial" panose="020B0604020202020204" pitchFamily="34" charset="0"/>
-              </a:rPr>
-              <a:t> </a:t>
-            </a:r>
-            <a:r>
-              <a:rPr lang="en-US" sz="2400" dirty="0" err="1">
-                <a:solidFill>
-                  <a:schemeClr val="tx2"/>
-                </a:solidFill>
-                <a:ea typeface="Calibri" panose="020F0502020204030204" pitchFamily="34" charset="0"/>
-                <a:cs typeface="Arial" panose="020B0604020202020204" pitchFamily="34" charset="0"/>
-              </a:rPr>
-              <a:t>reales</a:t>
-            </a:r>
-            <a:r>
-              <a:rPr lang="en-US" sz="2400" dirty="0">
-                <a:solidFill>
-                  <a:schemeClr val="tx2"/>
-                </a:solidFill>
-                <a:ea typeface="Calibri" panose="020F0502020204030204" pitchFamily="34" charset="0"/>
-                <a:cs typeface="Arial" panose="020B0604020202020204" pitchFamily="34" charset="0"/>
-              </a:rPr>
-              <a:t> de </a:t>
-            </a:r>
-            <a:r>
-              <a:rPr lang="en-US" sz="2400" dirty="0" err="1">
-                <a:solidFill>
-                  <a:schemeClr val="tx2"/>
-                </a:solidFill>
-                <a:ea typeface="Calibri" panose="020F0502020204030204" pitchFamily="34" charset="0"/>
-                <a:cs typeface="Arial" panose="020B0604020202020204" pitchFamily="34" charset="0"/>
-              </a:rPr>
-              <a:t>temperatura</a:t>
-            </a:r>
-            <a:r>
-              <a:rPr lang="en-US" sz="2400" dirty="0">
-                <a:solidFill>
-                  <a:schemeClr val="tx2"/>
-                </a:solidFill>
-                <a:ea typeface="Calibri" panose="020F0502020204030204" pitchFamily="34" charset="0"/>
-                <a:cs typeface="Arial" panose="020B0604020202020204" pitchFamily="34" charset="0"/>
-              </a:rPr>
-              <a:t> </a:t>
-            </a:r>
-            <a:r>
-              <a:rPr lang="en-US" sz="2400" dirty="0" err="1">
-                <a:solidFill>
-                  <a:schemeClr val="tx2"/>
-                </a:solidFill>
-                <a:ea typeface="Calibri" panose="020F0502020204030204" pitchFamily="34" charset="0"/>
-                <a:cs typeface="Arial" panose="020B0604020202020204" pitchFamily="34" charset="0"/>
-              </a:rPr>
-              <a:t>crítica</a:t>
-            </a:r>
-            <a:r>
-              <a:rPr lang="en-US" sz="2400" dirty="0">
-                <a:solidFill>
-                  <a:schemeClr val="tx2"/>
-                </a:solidFill>
-                <a:ea typeface="Calibri" panose="020F0502020204030204" pitchFamily="34" charset="0"/>
-                <a:cs typeface="Arial" panose="020B0604020202020204" pitchFamily="34" charset="0"/>
-              </a:rPr>
-              <a:t>.</a:t>
-            </a:r>
-          </a:p>
-        </p:txBody>
-      </p:sp>
-    </p:spTree>
-    <p:extLst>
-      <p:ext uri="{BB962C8B-B14F-4D97-AF65-F5344CB8AC3E}">
-        <p14:creationId xmlns:p14="http://schemas.microsoft.com/office/powerpoint/2010/main" val="2004433302"/>
-      </p:ext>
-    </p:extLst>
-  </p:cSld>
-  <p:clrMapOvr>
-    <a:masterClrMapping/>
-  </p:clrMapOvr>
-</p:sld>
-</file>
-
-<file path=ppt/slides/slide14.xml><?xml version="1.0" encoding="utf-8"?>
-<p:sld xmlns:a="http://schemas.openxmlformats.org/drawingml/2006/main" xmlns:r="http://schemas.openxmlformats.org/officeDocument/2006/relationships" xmlns:p="http://schemas.openxmlformats.org/presentationml/2006/main">
-  <p:cSld>
-    <p:spTree>
-      <p:nvGrpSpPr>
-        <p:cNvPr id="1" name="">
-          <a:extLst>
-            <a:ext uri="{FF2B5EF4-FFF2-40B4-BE49-F238E27FC236}">
-              <a16:creationId xmlns:a16="http://schemas.microsoft.com/office/drawing/2014/main" id="{61EB9068-93D8-A58B-0059-37A42BC6B104}"/>
-            </a:ext>
-          </a:extLst>
-        </p:cNvPr>
-        <p:cNvGrpSpPr/>
-        <p:nvPr/>
-      </p:nvGrpSpPr>
-      <p:grpSpPr>
-        <a:xfrm>
-          <a:off x="0" y="0"/>
-          <a:ext cx="0" cy="0"/>
-          <a:chOff x="0" y="0"/>
-          <a:chExt cx="0" cy="0"/>
-        </a:xfrm>
-      </p:grpSpPr>
-      <p:sp>
-        <p:nvSpPr>
-          <p:cNvPr id="4" name="Título 2">
-            <a:extLst>
-              <a:ext uri="{FF2B5EF4-FFF2-40B4-BE49-F238E27FC236}">
-                <a16:creationId xmlns:a16="http://schemas.microsoft.com/office/drawing/2014/main" id="{9CD649DD-30B6-40DF-BE7C-36F94512BBB9}"/>
-              </a:ext>
-            </a:extLst>
-          </p:cNvPr>
-          <p:cNvSpPr>
-            <a:spLocks noGrp="1"/>
-          </p:cNvSpPr>
-          <p:nvPr>
-            <p:ph type="title"/>
-          </p:nvPr>
-        </p:nvSpPr>
-        <p:spPr>
-          <a:xfrm>
-            <a:off x="633793" y="428574"/>
-            <a:ext cx="8746181" cy="825046"/>
-          </a:xfrm>
-        </p:spPr>
-        <p:txBody>
-          <a:bodyPr/>
-          <a:lstStyle/>
-          <a:p>
-            <a:pPr>
-              <a:spcBef>
-                <a:spcPts val="1000"/>
-              </a:spcBef>
-              <a:buClr>
-                <a:schemeClr val="tx2"/>
-              </a:buClr>
-            </a:pPr>
-            <a:r>
-              <a:rPr lang="es-MX" sz="3200" b="1" dirty="0">
-                <a:solidFill>
-                  <a:srgbClr val="000066"/>
-                </a:solidFill>
-                <a:latin typeface="Arial" panose="020B0604020202020204" pitchFamily="34" charset="0"/>
-                <a:ea typeface="+mn-ea"/>
-                <a:cs typeface="Arial" panose="020B0604020202020204" pitchFamily="34" charset="0"/>
-              </a:rPr>
-              <a:t>RESULTADOS</a:t>
-            </a:r>
-            <a:endParaRPr lang="es-CU" sz="3200" b="1" dirty="0">
-              <a:solidFill>
-                <a:srgbClr val="000066"/>
-              </a:solidFill>
-              <a:latin typeface="Arial" panose="020B0604020202020204" pitchFamily="34" charset="0"/>
-              <a:ea typeface="+mn-ea"/>
-              <a:cs typeface="Arial" panose="020B0604020202020204" pitchFamily="34" charset="0"/>
-            </a:endParaRPr>
-          </a:p>
-        </p:txBody>
-      </p:sp>
-      <p:pic>
-        <p:nvPicPr>
-          <p:cNvPr id="17" name="Picture 16">
-            <a:extLst>
-              <a:ext uri="{FF2B5EF4-FFF2-40B4-BE49-F238E27FC236}">
-                <a16:creationId xmlns:a16="http://schemas.microsoft.com/office/drawing/2014/main" id="{2455852C-A7BF-FD52-0047-13E0ED13ADAD}"/>
-              </a:ext>
-            </a:extLst>
-          </p:cNvPr>
-          <p:cNvPicPr>
-            <a:picLocks noChangeAspect="1"/>
-          </p:cNvPicPr>
-          <p:nvPr/>
-        </p:nvPicPr>
-        <p:blipFill>
-          <a:blip r:embed="rId3"/>
-          <a:stretch>
-            <a:fillRect/>
-          </a:stretch>
-        </p:blipFill>
-        <p:spPr>
-          <a:xfrm>
-            <a:off x="10942385" y="0"/>
-            <a:ext cx="1249615" cy="1499463"/>
-          </a:xfrm>
-          <a:prstGeom prst="rect">
-            <a:avLst/>
-          </a:prstGeom>
-        </p:spPr>
-      </p:pic>
-    </p:spTree>
-    <p:extLst>
-      <p:ext uri="{BB962C8B-B14F-4D97-AF65-F5344CB8AC3E}">
-        <p14:creationId xmlns:p14="http://schemas.microsoft.com/office/powerpoint/2010/main" val="3554913797"/>
-      </p:ext>
-    </p:extLst>
-  </p:cSld>
-  <p:clrMapOvr>
-    <a:masterClrMapping/>
-  </p:clrMapOvr>
-</p:sld>
-</file>
-
-<file path=ppt/slides/slide15.xml><?xml version="1.0" encoding="utf-8"?>
-<p:sld xmlns:a="http://schemas.openxmlformats.org/drawingml/2006/main" xmlns:r="http://schemas.openxmlformats.org/officeDocument/2006/relationships" xmlns:p="http://schemas.openxmlformats.org/presentationml/2006/main">
-  <p:cSld>
-    <p:spTree>
-      <p:nvGrpSpPr>
-        <p:cNvPr id="1" name="">
-          <a:extLst>
-            <a:ext uri="{FF2B5EF4-FFF2-40B4-BE49-F238E27FC236}">
-              <a16:creationId xmlns:a16="http://schemas.microsoft.com/office/drawing/2014/main" id="{616F3559-58EF-BD15-BF7F-1E40C51BEB42}"/>
-            </a:ext>
-          </a:extLst>
-        </p:cNvPr>
-        <p:cNvGrpSpPr/>
-        <p:nvPr/>
-      </p:nvGrpSpPr>
-      <p:grpSpPr>
-        <a:xfrm>
-          <a:off x="0" y="0"/>
-          <a:ext cx="0" cy="0"/>
-          <a:chOff x="0" y="0"/>
-          <a:chExt cx="0" cy="0"/>
-        </a:xfrm>
-      </p:grpSpPr>
-      <p:sp>
-        <p:nvSpPr>
-          <p:cNvPr id="4" name="Título 2">
-            <a:extLst>
-              <a:ext uri="{FF2B5EF4-FFF2-40B4-BE49-F238E27FC236}">
-                <a16:creationId xmlns:a16="http://schemas.microsoft.com/office/drawing/2014/main" id="{2DD256C0-7BFF-63DC-9CB2-D622FC2B503D}"/>
-              </a:ext>
-            </a:extLst>
-          </p:cNvPr>
-          <p:cNvSpPr>
-            <a:spLocks noGrp="1"/>
-          </p:cNvSpPr>
-          <p:nvPr>
-            <p:ph type="title"/>
-          </p:nvPr>
-        </p:nvSpPr>
-        <p:spPr>
-          <a:xfrm>
-            <a:off x="633793" y="428574"/>
-            <a:ext cx="8746181" cy="825046"/>
-          </a:xfrm>
-        </p:spPr>
-        <p:txBody>
-          <a:bodyPr/>
-          <a:lstStyle/>
-          <a:p>
-            <a:pPr>
-              <a:spcBef>
-                <a:spcPts val="1000"/>
-              </a:spcBef>
-              <a:buClr>
-                <a:schemeClr val="tx2"/>
-              </a:buClr>
-            </a:pPr>
-            <a:r>
-              <a:rPr lang="es-MX" sz="3200" b="1" dirty="0">
-                <a:solidFill>
-                  <a:srgbClr val="000066"/>
-                </a:solidFill>
-                <a:latin typeface="Arial" panose="020B0604020202020204" pitchFamily="34" charset="0"/>
-                <a:ea typeface="+mn-ea"/>
-                <a:cs typeface="Arial" panose="020B0604020202020204" pitchFamily="34" charset="0"/>
-              </a:rPr>
-              <a:t>DISCUSIÓN</a:t>
-            </a:r>
-            <a:endParaRPr lang="es-CU" sz="3200" b="1" dirty="0">
-              <a:solidFill>
-                <a:srgbClr val="000066"/>
-              </a:solidFill>
-              <a:latin typeface="Arial" panose="020B0604020202020204" pitchFamily="34" charset="0"/>
-              <a:ea typeface="+mn-ea"/>
-              <a:cs typeface="Arial" panose="020B0604020202020204" pitchFamily="34" charset="0"/>
-            </a:endParaRPr>
-          </a:p>
-        </p:txBody>
-      </p:sp>
-      <p:pic>
-        <p:nvPicPr>
-          <p:cNvPr id="17" name="Picture 16">
-            <a:extLst>
-              <a:ext uri="{FF2B5EF4-FFF2-40B4-BE49-F238E27FC236}">
-                <a16:creationId xmlns:a16="http://schemas.microsoft.com/office/drawing/2014/main" id="{9A6D4F2B-3251-502F-5748-06456F8476D3}"/>
-              </a:ext>
-            </a:extLst>
-          </p:cNvPr>
-          <p:cNvPicPr>
-            <a:picLocks noChangeAspect="1"/>
-          </p:cNvPicPr>
-          <p:nvPr/>
-        </p:nvPicPr>
-        <p:blipFill>
-          <a:blip r:embed="rId3"/>
-          <a:stretch>
-            <a:fillRect/>
-          </a:stretch>
-        </p:blipFill>
-        <p:spPr>
-          <a:xfrm>
-            <a:off x="10942385" y="0"/>
-            <a:ext cx="1249615" cy="1499463"/>
-          </a:xfrm>
-          <a:prstGeom prst="rect">
-            <a:avLst/>
-          </a:prstGeom>
-        </p:spPr>
-      </p:pic>
+            <a:r>
+              <a:rPr lang="es-MX" dirty="0"/>
+              <a:t>9</a:t>
+            </a:r>
+            <a:endParaRPr lang="en-US" dirty="0"/>
+          </a:p>
+        </p:txBody>
+      </p:sp>
     </p:spTree>
     <p:extLst>
       <p:ext uri="{BB962C8B-B14F-4D97-AF65-F5344CB8AC3E}">
@@ -13185,7 +11474,7 @@
 </p:sld>
 </file>
 
-<file path=ppt/slides/slide16.xml><?xml version="1.0" encoding="utf-8"?>
+<file path=ppt/slides/slide11.xml><?xml version="1.0" encoding="utf-8"?>
 <p:sld xmlns:a="http://schemas.openxmlformats.org/drawingml/2006/main" xmlns:r="http://schemas.openxmlformats.org/officeDocument/2006/relationships" xmlns:p="http://schemas.openxmlformats.org/presentationml/2006/main">
   <p:cSld>
     <p:spTree>
@@ -13251,7 +11540,7 @@
                 <a:ea typeface="+mn-ea"/>
                 <a:cs typeface="Arial" panose="020B0604020202020204" pitchFamily="34" charset="0"/>
               </a:rPr>
-              <a:t>REFERENCIAS</a:t>
+              <a:t>CONCLUSIONES</a:t>
             </a:r>
             <a:endParaRPr lang="es-CU" sz="3200" b="1" dirty="0">
               <a:solidFill>
@@ -13309,7 +11598,7 @@
         <p:spPr>
           <a:xfrm>
             <a:off x="677579" y="2026500"/>
-            <a:ext cx="10889613" cy="2804999"/>
+            <a:ext cx="10889613" cy="3728328"/>
           </a:xfrm>
           <a:prstGeom prst="rect">
             <a:avLst/>
@@ -13322,12 +11611,24 @@
           </a:bodyPr>
           <a:lstStyle/>
           <a:p>
-            <a:pPr algn="just">
+            <a:pPr marL="342900" indent="-342900" algn="just">
               <a:lnSpc>
                 <a:spcPct val="150000"/>
               </a:lnSpc>
+              <a:buFont typeface="Arial" panose="020B0604020202020204" pitchFamily="34" charset="0"/>
+              <a:buChar char="•"/>
             </a:pPr>
             <a:r>
+              <a:rPr lang="es-ES" sz="2000" dirty="0">
+                <a:solidFill>
+                  <a:schemeClr val="tx2"/>
+                </a:solidFill>
+                <a:ea typeface="Calibri" panose="020F0502020204030204" pitchFamily="34" charset="0"/>
+                <a:cs typeface="Arial" panose="020B0604020202020204" pitchFamily="34" charset="0"/>
+              </a:rPr>
+              <a:t>Se obtuvo un modelo de Redes Neuronales Densas capaz de predecir con una R2 de 95 %, el cual, podría ayudar a validar aquellos superconductores teóricos sin necesidad </a:t>
+            </a:r>
+            <a:r>
               <a:rPr lang="en-US" sz="2000" dirty="0">
                 <a:solidFill>
                   <a:schemeClr val="tx2"/>
@@ -13335,7 +11636,7 @@
                 <a:ea typeface="Calibri" panose="020F0502020204030204" pitchFamily="34" charset="0"/>
                 <a:cs typeface="Arial" panose="020B0604020202020204" pitchFamily="34" charset="0"/>
               </a:rPr>
-              <a:t>[1] L. Bassman </a:t>
+              <a:t>de </a:t>
             </a:r>
             <a:r>
               <a:rPr lang="en-US" sz="2000" dirty="0" err="1">
@@ -13345,7 +11646,7 @@
                 <a:ea typeface="Calibri" panose="020F0502020204030204" pitchFamily="34" charset="0"/>
                 <a:cs typeface="Arial" panose="020B0604020202020204" pitchFamily="34" charset="0"/>
               </a:rPr>
-              <a:t>Oftelie</a:t>
+              <a:t>crearlos</a:t>
             </a:r>
             <a:r>
               <a:rPr lang="en-US" sz="2000" dirty="0">
@@ -13355,14 +11656,36 @@
                 <a:ea typeface="Calibri" panose="020F0502020204030204" pitchFamily="34" charset="0"/>
                 <a:cs typeface="Arial" panose="020B0604020202020204" pitchFamily="34" charset="0"/>
               </a:rPr>
-              <a:t>, A. De Pasquale, and M. Campisi, “Dynamic cooling on contemporary quantum computers,” PRX Quantum, vol. 5, July 2024.</a:t>
-            </a:r>
-          </a:p>
-          <a:p>
-            <a:pPr algn="just">
+              <a:t> </a:t>
+            </a:r>
+            <a:r>
+              <a:rPr lang="en-US" sz="2000" dirty="0" err="1">
+                <a:solidFill>
+                  <a:schemeClr val="tx2"/>
+                </a:solidFill>
+                <a:ea typeface="Calibri" panose="020F0502020204030204" pitchFamily="34" charset="0"/>
+                <a:cs typeface="Arial" panose="020B0604020202020204" pitchFamily="34" charset="0"/>
+              </a:rPr>
+              <a:t>físicamente</a:t>
+            </a:r>
+            <a:r>
+              <a:rPr lang="en-US" sz="2000" dirty="0">
+                <a:solidFill>
+                  <a:schemeClr val="tx2"/>
+                </a:solidFill>
+                <a:ea typeface="Calibri" panose="020F0502020204030204" pitchFamily="34" charset="0"/>
+                <a:cs typeface="Arial" panose="020B0604020202020204" pitchFamily="34" charset="0"/>
+              </a:rPr>
+              <a:t>.</a:t>
+            </a:r>
+          </a:p>
+          <a:p>
+            <a:pPr marL="342900" indent="-342900" algn="just">
               <a:lnSpc>
                 <a:spcPct val="150000"/>
               </a:lnSpc>
+              <a:buFont typeface="Arial" panose="020B0604020202020204" pitchFamily="34" charset="0"/>
+              <a:buChar char="•"/>
             </a:pPr>
             <a:r>
               <a:rPr lang="en-US" sz="2000" dirty="0">
@@ -13372,7 +11695,7 @@
                 <a:ea typeface="Calibri" panose="020F0502020204030204" pitchFamily="34" charset="0"/>
                 <a:cs typeface="Arial" panose="020B0604020202020204" pitchFamily="34" charset="0"/>
               </a:rPr>
-              <a:t>[2] I. </a:t>
+              <a:t>Para </a:t>
             </a:r>
             <a:r>
               <a:rPr lang="en-US" sz="2000" dirty="0" err="1">
@@ -13382,7 +11705,7 @@
                 <a:ea typeface="Calibri" panose="020F0502020204030204" pitchFamily="34" charset="0"/>
                 <a:cs typeface="Arial" panose="020B0604020202020204" pitchFamily="34" charset="0"/>
               </a:rPr>
-              <a:t>Sarajcev</a:t>
+              <a:t>una</a:t>
             </a:r>
             <a:r>
               <a:rPr lang="en-US" sz="2000" dirty="0">
@@ -13392,17 +11715,17 @@
                 <a:ea typeface="Calibri" panose="020F0502020204030204" pitchFamily="34" charset="0"/>
                 <a:cs typeface="Arial" panose="020B0604020202020204" pitchFamily="34" charset="0"/>
               </a:rPr>
-              <a:t>, M. </a:t>
-            </a:r>
-            <a:r>
-              <a:rPr lang="en-US" sz="2000" dirty="0" err="1">
-                <a:solidFill>
-                  <a:schemeClr val="tx2"/>
-                </a:solidFill>
-                <a:ea typeface="Calibri" panose="020F0502020204030204" pitchFamily="34" charset="0"/>
-                <a:cs typeface="Arial" panose="020B0604020202020204" pitchFamily="34" charset="0"/>
-              </a:rPr>
-              <a:t>Majstrovic</a:t>
+              <a:t> mayor </a:t>
+            </a:r>
+            <a:r>
+              <a:rPr lang="es-ES" sz="2000" dirty="0">
+                <a:solidFill>
+                  <a:schemeClr val="tx2"/>
+                </a:solidFill>
+                <a:ea typeface="Calibri" panose="020F0502020204030204" pitchFamily="34" charset="0"/>
+                <a:cs typeface="Arial" panose="020B0604020202020204" pitchFamily="34" charset="0"/>
+              </a:rPr>
+              <a:t>exactitud al predecir críticas, es necesario combinar la tabla de composición con la extensión de características del material y no solo entrenar a partir de la tabla del </a:t>
             </a:r>
             <a:r>
               <a:rPr lang="en-US" sz="2000" dirty="0">
@@ -13412,16 +11735,48 @@
                 <a:ea typeface="Calibri" panose="020F0502020204030204" pitchFamily="34" charset="0"/>
                 <a:cs typeface="Arial" panose="020B0604020202020204" pitchFamily="34" charset="0"/>
               </a:rPr>
-              <a:t>, and I. Medic, “Calculation of losses in electric power cables as the base for cable temperature analysis,” WIT Transactions on Engineering Sciences, vol. 27, 2000.</a:t>
-            </a:r>
-          </a:p>
-          <a:p>
-            <a:pPr algn="just">
+              <a:t>material.</a:t>
+            </a:r>
+          </a:p>
+          <a:p>
+            <a:pPr marL="342900" indent="-342900" algn="just">
               <a:lnSpc>
                 <a:spcPct val="150000"/>
               </a:lnSpc>
+              <a:buFont typeface="Arial" panose="020B0604020202020204" pitchFamily="34" charset="0"/>
+              <a:buChar char="•"/>
             </a:pPr>
             <a:r>
+              <a:rPr lang="en-US" sz="2000" dirty="0">
+                <a:solidFill>
+                  <a:schemeClr val="tx2"/>
+                </a:solidFill>
+                <a:ea typeface="Calibri" panose="020F0502020204030204" pitchFamily="34" charset="0"/>
+                <a:cs typeface="Arial" panose="020B0604020202020204" pitchFamily="34" charset="0"/>
+              </a:rPr>
+              <a:t>Se </a:t>
+            </a:r>
+            <a:r>
+              <a:rPr lang="en-US" sz="2000" dirty="0" err="1">
+                <a:solidFill>
+                  <a:schemeClr val="tx2"/>
+                </a:solidFill>
+                <a:ea typeface="Calibri" panose="020F0502020204030204" pitchFamily="34" charset="0"/>
+                <a:cs typeface="Arial" panose="020B0604020202020204" pitchFamily="34" charset="0"/>
+              </a:rPr>
+              <a:t>demostró</a:t>
+            </a:r>
+            <a:r>
+              <a:rPr lang="en-US" sz="2000" dirty="0">
+                <a:solidFill>
+                  <a:schemeClr val="tx2"/>
+                </a:solidFill>
+                <a:ea typeface="Calibri" panose="020F0502020204030204" pitchFamily="34" charset="0"/>
+                <a:cs typeface="Arial" panose="020B0604020202020204" pitchFamily="34" charset="0"/>
+              </a:rPr>
+              <a:t> la </a:t>
+            </a:r>
+            <a:r>
               <a:rPr lang="es-ES" sz="2000" dirty="0">
                 <a:solidFill>
                   <a:schemeClr val="tx2"/>
@@ -13429,27 +11784,17 @@
                 <a:ea typeface="Calibri" panose="020F0502020204030204" pitchFamily="34" charset="0"/>
                 <a:cs typeface="Arial" panose="020B0604020202020204" pitchFamily="34" charset="0"/>
               </a:rPr>
-              <a:t>[3] G. </a:t>
-            </a:r>
-            <a:r>
-              <a:rPr lang="es-ES" sz="2000" dirty="0" err="1">
-                <a:solidFill>
-                  <a:schemeClr val="tx2"/>
-                </a:solidFill>
-                <a:ea typeface="Calibri" panose="020F0502020204030204" pitchFamily="34" charset="0"/>
-                <a:cs typeface="Arial" panose="020B0604020202020204" pitchFamily="34" charset="0"/>
-              </a:rPr>
-              <a:t>Gonz´alez</a:t>
-            </a:r>
-            <a:r>
-              <a:rPr lang="es-ES" sz="2000" dirty="0">
-                <a:solidFill>
-                  <a:schemeClr val="tx2"/>
-                </a:solidFill>
-                <a:ea typeface="Calibri" panose="020F0502020204030204" pitchFamily="34" charset="0"/>
-                <a:cs typeface="Arial" panose="020B0604020202020204" pitchFamily="34" charset="0"/>
-              </a:rPr>
-              <a:t>, “Almacenamiento de energía magnética por superconducción</a:t>
+              <a:t>eficacia de las redes neuronales densas para predecir temperaturas críticas en materiales </a:t>
+            </a:r>
+            <a:r>
+              <a:rPr lang="en-US" sz="2000" dirty="0" err="1">
+                <a:solidFill>
+                  <a:schemeClr val="tx2"/>
+                </a:solidFill>
+                <a:ea typeface="Calibri" panose="020F0502020204030204" pitchFamily="34" charset="0"/>
+                <a:cs typeface="Arial" panose="020B0604020202020204" pitchFamily="34" charset="0"/>
+              </a:rPr>
+              <a:t>superconductores</a:t>
             </a:r>
             <a:r>
               <a:rPr lang="en-US" sz="2000" dirty="0">
@@ -13459,45 +11804,44 @@
                 <a:ea typeface="Calibri" panose="020F0502020204030204" pitchFamily="34" charset="0"/>
                 <a:cs typeface="Arial" panose="020B0604020202020204" pitchFamily="34" charset="0"/>
               </a:rPr>
-              <a:t>,” 2013.</a:t>
-            </a:r>
-          </a:p>
-          <a:p>
-            <a:pPr algn="just">
-              <a:lnSpc>
-                <a:spcPct val="150000"/>
-              </a:lnSpc>
-            </a:pPr>
-            <a:r>
-              <a:rPr lang="en-US" sz="2000" dirty="0">
-                <a:solidFill>
-                  <a:schemeClr val="tx2"/>
-                </a:solidFill>
-                <a:ea typeface="Calibri" panose="020F0502020204030204" pitchFamily="34" charset="0"/>
-                <a:cs typeface="Arial" panose="020B0604020202020204" pitchFamily="34" charset="0"/>
-              </a:rPr>
-              <a:t>[4] M. Coll and A. Palau, “</a:t>
-            </a:r>
-            <a:r>
-              <a:rPr lang="en-US" sz="2000" dirty="0" err="1">
-                <a:solidFill>
-                  <a:schemeClr val="tx2"/>
-                </a:solidFill>
-                <a:ea typeface="Calibri" panose="020F0502020204030204" pitchFamily="34" charset="0"/>
-                <a:cs typeface="Arial" panose="020B0604020202020204" pitchFamily="34" charset="0"/>
-              </a:rPr>
-              <a:t>Superconductividad</a:t>
-            </a:r>
-            <a:r>
-              <a:rPr lang="en-US" sz="2000" dirty="0">
-                <a:solidFill>
-                  <a:schemeClr val="tx2"/>
-                </a:solidFill>
-                <a:ea typeface="Calibri" panose="020F0502020204030204" pitchFamily="34" charset="0"/>
-                <a:cs typeface="Arial" panose="020B0604020202020204" pitchFamily="34" charset="0"/>
-              </a:rPr>
-              <a:t>,” 2017.</a:t>
-            </a:r>
+              <a:t>.</a:t>
+            </a:r>
+          </a:p>
+        </p:txBody>
+      </p:sp>
+      <p:sp>
+        <p:nvSpPr>
+          <p:cNvPr id="2" name="TextBox 1">
+            <a:extLst>
+              <a:ext uri="{FF2B5EF4-FFF2-40B4-BE49-F238E27FC236}">
+                <a16:creationId xmlns:a16="http://schemas.microsoft.com/office/drawing/2014/main" id="{11A95FAB-6FF2-4849-9001-722A72FF3310}"/>
+              </a:ext>
+            </a:extLst>
+          </p:cNvPr>
+          <p:cNvSpPr txBox="1"/>
+          <p:nvPr/>
+        </p:nvSpPr>
+        <p:spPr>
+          <a:xfrm>
+            <a:off x="11688203" y="6391186"/>
+            <a:ext cx="503797" cy="383458"/>
+          </a:xfrm>
+          <a:prstGeom prst="rect">
+            <a:avLst/>
+          </a:prstGeom>
+          <a:noFill/>
+        </p:spPr>
+        <p:txBody>
+          <a:bodyPr wrap="square" rtlCol="0">
+            <a:spAutoFit/>
+          </a:bodyPr>
+          <a:lstStyle/>
+          <a:p>
+            <a:r>
+              <a:rPr lang="es-MX" dirty="0"/>
+              <a:t>10</a:t>
+            </a:r>
+            <a:endParaRPr lang="en-US" dirty="0"/>
           </a:p>
         </p:txBody>
       </p:sp>
@@ -13514,7 +11858,880 @@
 </p:sld>
 </file>
 
-<file path=ppt/slides/slide17.xml><?xml version="1.0" encoding="utf-8"?>
+<file path=ppt/slides/slide12.xml><?xml version="1.0" encoding="utf-8"?>
+<p:sld xmlns:a="http://schemas.openxmlformats.org/drawingml/2006/main" xmlns:r="http://schemas.openxmlformats.org/officeDocument/2006/relationships" xmlns:p="http://schemas.openxmlformats.org/presentationml/2006/main">
+  <p:cSld>
+    <p:spTree>
+      <p:nvGrpSpPr>
+        <p:cNvPr id="1" name="">
+          <a:extLst>
+            <a:ext uri="{FF2B5EF4-FFF2-40B4-BE49-F238E27FC236}">
+              <a16:creationId xmlns:a16="http://schemas.microsoft.com/office/drawing/2014/main" id="{518D6153-ED2F-9661-5F26-80C826E15370}"/>
+            </a:ext>
+          </a:extLst>
+        </p:cNvPr>
+        <p:cNvGrpSpPr/>
+        <p:nvPr/>
+      </p:nvGrpSpPr>
+      <p:grpSpPr>
+        <a:xfrm>
+          <a:off x="0" y="0"/>
+          <a:ext cx="0" cy="0"/>
+          <a:chOff x="0" y="0"/>
+          <a:chExt cx="0" cy="0"/>
+        </a:xfrm>
+      </p:grpSpPr>
+      <p:sp>
+        <p:nvSpPr>
+          <p:cNvPr id="4" name="Título 2">
+            <a:extLst>
+              <a:ext uri="{FF2B5EF4-FFF2-40B4-BE49-F238E27FC236}">
+                <a16:creationId xmlns:a16="http://schemas.microsoft.com/office/drawing/2014/main" id="{DE0C0C75-8D9F-0599-EE59-EC15BCCAF3E5}"/>
+              </a:ext>
+            </a:extLst>
+          </p:cNvPr>
+          <p:cNvSpPr>
+            <a:spLocks noGrp="1"/>
+          </p:cNvSpPr>
+          <p:nvPr>
+            <p:ph type="title"/>
+          </p:nvPr>
+        </p:nvSpPr>
+        <p:spPr>
+          <a:xfrm>
+            <a:off x="633793" y="428574"/>
+            <a:ext cx="8746181" cy="825046"/>
+          </a:xfrm>
+        </p:spPr>
+        <p:txBody>
+          <a:bodyPr/>
+          <a:lstStyle/>
+          <a:p>
+            <a:pPr>
+              <a:spcBef>
+                <a:spcPts val="1000"/>
+              </a:spcBef>
+              <a:buClr>
+                <a:schemeClr val="tx2"/>
+              </a:buClr>
+            </a:pPr>
+            <a:r>
+              <a:rPr lang="es-MX" sz="3200" b="1" dirty="0">
+                <a:solidFill>
+                  <a:srgbClr val="000066"/>
+                </a:solidFill>
+                <a:latin typeface="Arial" panose="020B0604020202020204" pitchFamily="34" charset="0"/>
+                <a:ea typeface="+mn-ea"/>
+                <a:cs typeface="Arial" panose="020B0604020202020204" pitchFamily="34" charset="0"/>
+              </a:rPr>
+              <a:t>TRABAJO FUTURO Y LIMITACIONES</a:t>
+            </a:r>
+            <a:endParaRPr lang="es-CU" sz="3200" b="1" dirty="0">
+              <a:solidFill>
+                <a:srgbClr val="000066"/>
+              </a:solidFill>
+              <a:latin typeface="Arial" panose="020B0604020202020204" pitchFamily="34" charset="0"/>
+              <a:ea typeface="+mn-ea"/>
+              <a:cs typeface="Arial" panose="020B0604020202020204" pitchFamily="34" charset="0"/>
+            </a:endParaRPr>
+          </a:p>
+        </p:txBody>
+      </p:sp>
+      <p:pic>
+        <p:nvPicPr>
+          <p:cNvPr id="17" name="Picture 16">
+            <a:extLst>
+              <a:ext uri="{FF2B5EF4-FFF2-40B4-BE49-F238E27FC236}">
+                <a16:creationId xmlns:a16="http://schemas.microsoft.com/office/drawing/2014/main" id="{6CDDA9A0-12C4-17E3-A4FF-1E877777453A}"/>
+              </a:ext>
+            </a:extLst>
+          </p:cNvPr>
+          <p:cNvPicPr>
+            <a:picLocks noChangeAspect="1"/>
+          </p:cNvPicPr>
+          <p:nvPr/>
+        </p:nvPicPr>
+        <p:blipFill>
+          <a:blip r:embed="rId3"/>
+          <a:stretch>
+            <a:fillRect/>
+          </a:stretch>
+        </p:blipFill>
+        <p:spPr>
+          <a:xfrm>
+            <a:off x="10942385" y="0"/>
+            <a:ext cx="1249615" cy="1499463"/>
+          </a:xfrm>
+          <a:prstGeom prst="rect">
+            <a:avLst/>
+          </a:prstGeom>
+        </p:spPr>
+      </p:pic>
+      <p:sp>
+        <p:nvSpPr>
+          <p:cNvPr id="3" name="TextBox 2">
+            <a:extLst>
+              <a:ext uri="{FF2B5EF4-FFF2-40B4-BE49-F238E27FC236}">
+                <a16:creationId xmlns:a16="http://schemas.microsoft.com/office/drawing/2014/main" id="{F241F7B5-B5A4-BC06-7D56-78841D25B4B1}"/>
+              </a:ext>
+            </a:extLst>
+          </p:cNvPr>
+          <p:cNvSpPr txBox="1"/>
+          <p:nvPr/>
+        </p:nvSpPr>
+        <p:spPr>
+          <a:xfrm>
+            <a:off x="633793" y="1859352"/>
+            <a:ext cx="10889613" cy="3901517"/>
+          </a:xfrm>
+          <a:prstGeom prst="rect">
+            <a:avLst/>
+          </a:prstGeom>
+          <a:noFill/>
+        </p:spPr>
+        <p:txBody>
+          <a:bodyPr wrap="square">
+            <a:spAutoFit/>
+          </a:bodyPr>
+          <a:lstStyle/>
+          <a:p>
+            <a:pPr marL="342900" indent="-342900" algn="just">
+              <a:lnSpc>
+                <a:spcPct val="150000"/>
+              </a:lnSpc>
+              <a:buFont typeface="Arial" panose="020B0604020202020204" pitchFamily="34" charset="0"/>
+              <a:buChar char="•"/>
+            </a:pPr>
+            <a:r>
+              <a:rPr lang="es-ES" sz="2400" dirty="0">
+                <a:solidFill>
+                  <a:schemeClr val="tx2"/>
+                </a:solidFill>
+                <a:ea typeface="Calibri" panose="020F0502020204030204" pitchFamily="34" charset="0"/>
+                <a:cs typeface="Arial" panose="020B0604020202020204" pitchFamily="34" charset="0"/>
+              </a:rPr>
+              <a:t>Como trabajo a futuro se propone automatizar el proceso de la generación del dataset extendido de tal manera que baste con ingresar la fórmula química para obtener la mayor cantidad de </a:t>
+            </a:r>
+            <a:r>
+              <a:rPr lang="en-US" sz="2400" dirty="0" err="1">
+                <a:solidFill>
+                  <a:schemeClr val="tx2"/>
+                </a:solidFill>
+                <a:ea typeface="Calibri" panose="020F0502020204030204" pitchFamily="34" charset="0"/>
+                <a:cs typeface="Arial" panose="020B0604020202020204" pitchFamily="34" charset="0"/>
+              </a:rPr>
+              <a:t>datos</a:t>
+            </a:r>
+            <a:r>
+              <a:rPr lang="en-US" sz="2400" dirty="0">
+                <a:solidFill>
+                  <a:schemeClr val="tx2"/>
+                </a:solidFill>
+                <a:ea typeface="Calibri" panose="020F0502020204030204" pitchFamily="34" charset="0"/>
+                <a:cs typeface="Arial" panose="020B0604020202020204" pitchFamily="34" charset="0"/>
+              </a:rPr>
+              <a:t> </a:t>
+            </a:r>
+            <a:r>
+              <a:rPr lang="en-US" sz="2400" dirty="0" err="1">
+                <a:solidFill>
+                  <a:schemeClr val="tx2"/>
+                </a:solidFill>
+                <a:ea typeface="Calibri" panose="020F0502020204030204" pitchFamily="34" charset="0"/>
+                <a:cs typeface="Arial" panose="020B0604020202020204" pitchFamily="34" charset="0"/>
+              </a:rPr>
+              <a:t>útiles</a:t>
+            </a:r>
+            <a:r>
+              <a:rPr lang="en-US" sz="2400" dirty="0">
+                <a:solidFill>
+                  <a:schemeClr val="tx2"/>
+                </a:solidFill>
+                <a:ea typeface="Calibri" panose="020F0502020204030204" pitchFamily="34" charset="0"/>
+                <a:cs typeface="Arial" panose="020B0604020202020204" pitchFamily="34" charset="0"/>
+              </a:rPr>
+              <a:t>.</a:t>
+            </a:r>
+          </a:p>
+          <a:p>
+            <a:pPr marL="342900" indent="-342900" algn="just">
+              <a:lnSpc>
+                <a:spcPct val="150000"/>
+              </a:lnSpc>
+              <a:buFont typeface="Arial" panose="020B0604020202020204" pitchFamily="34" charset="0"/>
+              <a:buChar char="•"/>
+            </a:pPr>
+            <a:r>
+              <a:rPr lang="en-US" sz="2400" dirty="0">
+                <a:solidFill>
+                  <a:schemeClr val="tx2"/>
+                </a:solidFill>
+                <a:ea typeface="Calibri" panose="020F0502020204030204" pitchFamily="34" charset="0"/>
+                <a:cs typeface="Arial" panose="020B0604020202020204" pitchFamily="34" charset="0"/>
+              </a:rPr>
+              <a:t>Se </a:t>
+            </a:r>
+            <a:r>
+              <a:rPr lang="en-US" sz="2400" dirty="0" err="1">
+                <a:solidFill>
+                  <a:schemeClr val="tx2"/>
+                </a:solidFill>
+                <a:ea typeface="Calibri" panose="020F0502020204030204" pitchFamily="34" charset="0"/>
+                <a:cs typeface="Arial" panose="020B0604020202020204" pitchFamily="34" charset="0"/>
+              </a:rPr>
+              <a:t>identificaron</a:t>
+            </a:r>
+            <a:r>
+              <a:rPr lang="en-US" sz="2400" dirty="0">
+                <a:solidFill>
+                  <a:schemeClr val="tx2"/>
+                </a:solidFill>
+                <a:ea typeface="Calibri" panose="020F0502020204030204" pitchFamily="34" charset="0"/>
+                <a:cs typeface="Arial" panose="020B0604020202020204" pitchFamily="34" charset="0"/>
+              </a:rPr>
+              <a:t> </a:t>
+            </a:r>
+            <a:r>
+              <a:rPr lang="es-ES" sz="2400" dirty="0">
+                <a:solidFill>
+                  <a:schemeClr val="tx2"/>
+                </a:solidFill>
+                <a:ea typeface="Calibri" panose="020F0502020204030204" pitchFamily="34" charset="0"/>
+                <a:cs typeface="Arial" panose="020B0604020202020204" pitchFamily="34" charset="0"/>
+              </a:rPr>
+              <a:t>limitaciones como la sensibilidad a atributos específicos que </a:t>
+            </a:r>
+            <a:r>
+              <a:rPr lang="en-US" sz="2400" dirty="0" err="1">
+                <a:solidFill>
+                  <a:schemeClr val="tx2"/>
+                </a:solidFill>
+                <a:ea typeface="Calibri" panose="020F0502020204030204" pitchFamily="34" charset="0"/>
+                <a:cs typeface="Arial" panose="020B0604020202020204" pitchFamily="34" charset="0"/>
+              </a:rPr>
+              <a:t>requieren</a:t>
+            </a:r>
+            <a:r>
+              <a:rPr lang="en-US" sz="2400" dirty="0">
+                <a:solidFill>
+                  <a:schemeClr val="tx2"/>
+                </a:solidFill>
+                <a:ea typeface="Calibri" panose="020F0502020204030204" pitchFamily="34" charset="0"/>
+                <a:cs typeface="Arial" panose="020B0604020202020204" pitchFamily="34" charset="0"/>
+              </a:rPr>
+              <a:t> </a:t>
+            </a:r>
+            <a:r>
+              <a:rPr lang="en-US" sz="2400" dirty="0" err="1">
+                <a:solidFill>
+                  <a:schemeClr val="tx2"/>
+                </a:solidFill>
+                <a:ea typeface="Calibri" panose="020F0502020204030204" pitchFamily="34" charset="0"/>
+                <a:cs typeface="Arial" panose="020B0604020202020204" pitchFamily="34" charset="0"/>
+              </a:rPr>
+              <a:t>validación</a:t>
+            </a:r>
+            <a:r>
+              <a:rPr lang="en-US" sz="2400" dirty="0">
+                <a:solidFill>
+                  <a:schemeClr val="tx2"/>
+                </a:solidFill>
+                <a:ea typeface="Calibri" panose="020F0502020204030204" pitchFamily="34" charset="0"/>
+                <a:cs typeface="Arial" panose="020B0604020202020204" pitchFamily="34" charset="0"/>
+              </a:rPr>
+              <a:t> experimental. </a:t>
+            </a:r>
+          </a:p>
+          <a:p>
+            <a:pPr marL="342900" indent="-342900" algn="just">
+              <a:lnSpc>
+                <a:spcPct val="150000"/>
+              </a:lnSpc>
+              <a:buFont typeface="Arial" panose="020B0604020202020204" pitchFamily="34" charset="0"/>
+              <a:buChar char="•"/>
+            </a:pPr>
+            <a:r>
+              <a:rPr lang="en-US" sz="2400" dirty="0">
+                <a:solidFill>
+                  <a:schemeClr val="tx2"/>
+                </a:solidFill>
+                <a:ea typeface="Calibri" panose="020F0502020204030204" pitchFamily="34" charset="0"/>
+                <a:cs typeface="Arial" panose="020B0604020202020204" pitchFamily="34" charset="0"/>
+              </a:rPr>
+              <a:t>Se </a:t>
+            </a:r>
+            <a:r>
+              <a:rPr lang="en-US" sz="2400" dirty="0" err="1">
+                <a:solidFill>
+                  <a:schemeClr val="tx2"/>
+                </a:solidFill>
+                <a:ea typeface="Calibri" panose="020F0502020204030204" pitchFamily="34" charset="0"/>
+                <a:cs typeface="Arial" panose="020B0604020202020204" pitchFamily="34" charset="0"/>
+              </a:rPr>
+              <a:t>sugiere</a:t>
+            </a:r>
+            <a:r>
+              <a:rPr lang="en-US" sz="2400" dirty="0">
+                <a:solidFill>
+                  <a:schemeClr val="tx2"/>
+                </a:solidFill>
+                <a:ea typeface="Calibri" panose="020F0502020204030204" pitchFamily="34" charset="0"/>
+                <a:cs typeface="Arial" panose="020B0604020202020204" pitchFamily="34" charset="0"/>
+              </a:rPr>
+              <a:t> explorer </a:t>
+            </a:r>
+            <a:r>
+              <a:rPr lang="pt-BR" sz="2400" dirty="0">
+                <a:solidFill>
+                  <a:schemeClr val="tx2"/>
+                </a:solidFill>
+                <a:ea typeface="Calibri" panose="020F0502020204030204" pitchFamily="34" charset="0"/>
+                <a:cs typeface="Arial" panose="020B0604020202020204" pitchFamily="34" charset="0"/>
+              </a:rPr>
+              <a:t>arquitecturas más avanzadas como Transformers para tareas </a:t>
+            </a:r>
+            <a:r>
+              <a:rPr lang="en-US" sz="2400" dirty="0" err="1">
+                <a:solidFill>
+                  <a:schemeClr val="tx2"/>
+                </a:solidFill>
+                <a:ea typeface="Calibri" panose="020F0502020204030204" pitchFamily="34" charset="0"/>
+                <a:cs typeface="Arial" panose="020B0604020202020204" pitchFamily="34" charset="0"/>
+              </a:rPr>
+              <a:t>similares</a:t>
+            </a:r>
+            <a:r>
+              <a:rPr lang="en-US" sz="2400" dirty="0">
+                <a:solidFill>
+                  <a:schemeClr val="tx2"/>
+                </a:solidFill>
+                <a:ea typeface="Calibri" panose="020F0502020204030204" pitchFamily="34" charset="0"/>
+                <a:cs typeface="Arial" panose="020B0604020202020204" pitchFamily="34" charset="0"/>
+              </a:rPr>
+              <a:t>.</a:t>
+            </a:r>
+          </a:p>
+        </p:txBody>
+      </p:sp>
+      <p:sp>
+        <p:nvSpPr>
+          <p:cNvPr id="2" name="TextBox 1">
+            <a:extLst>
+              <a:ext uri="{FF2B5EF4-FFF2-40B4-BE49-F238E27FC236}">
+                <a16:creationId xmlns:a16="http://schemas.microsoft.com/office/drawing/2014/main" id="{38C5F899-0B38-57E4-1D44-F197066B3792}"/>
+              </a:ext>
+            </a:extLst>
+          </p:cNvPr>
+          <p:cNvSpPr txBox="1"/>
+          <p:nvPr/>
+        </p:nvSpPr>
+        <p:spPr>
+          <a:xfrm>
+            <a:off x="11688203" y="6391186"/>
+            <a:ext cx="503797" cy="383458"/>
+          </a:xfrm>
+          <a:prstGeom prst="rect">
+            <a:avLst/>
+          </a:prstGeom>
+          <a:noFill/>
+        </p:spPr>
+        <p:txBody>
+          <a:bodyPr wrap="square" rtlCol="0">
+            <a:spAutoFit/>
+          </a:bodyPr>
+          <a:lstStyle/>
+          <a:p>
+            <a:r>
+              <a:rPr lang="es-MX" dirty="0"/>
+              <a:t>11</a:t>
+            </a:r>
+            <a:endParaRPr lang="en-US" dirty="0"/>
+          </a:p>
+        </p:txBody>
+      </p:sp>
+    </p:spTree>
+    <p:extLst>
+      <p:ext uri="{BB962C8B-B14F-4D97-AF65-F5344CB8AC3E}">
+        <p14:creationId xmlns:p14="http://schemas.microsoft.com/office/powerpoint/2010/main" val="1816346806"/>
+      </p:ext>
+    </p:extLst>
+  </p:cSld>
+  <p:clrMapOvr>
+    <a:masterClrMapping/>
+  </p:clrMapOvr>
+</p:sld>
+</file>
+
+<file path=ppt/slides/slide13.xml><?xml version="1.0" encoding="utf-8"?>
+<p:sld xmlns:a="http://schemas.openxmlformats.org/drawingml/2006/main" xmlns:r="http://schemas.openxmlformats.org/officeDocument/2006/relationships" xmlns:p="http://schemas.openxmlformats.org/presentationml/2006/main">
+  <p:cSld>
+    <p:spTree>
+      <p:nvGrpSpPr>
+        <p:cNvPr id="1" name="">
+          <a:extLst>
+            <a:ext uri="{FF2B5EF4-FFF2-40B4-BE49-F238E27FC236}">
+              <a16:creationId xmlns:a16="http://schemas.microsoft.com/office/drawing/2014/main" id="{B374164C-6E5A-244D-900A-7F4A9B7FE83B}"/>
+            </a:ext>
+          </a:extLst>
+        </p:cNvPr>
+        <p:cNvGrpSpPr/>
+        <p:nvPr/>
+      </p:nvGrpSpPr>
+      <p:grpSpPr>
+        <a:xfrm>
+          <a:off x="0" y="0"/>
+          <a:ext cx="0" cy="0"/>
+          <a:chOff x="0" y="0"/>
+          <a:chExt cx="0" cy="0"/>
+        </a:xfrm>
+      </p:grpSpPr>
+      <p:sp>
+        <p:nvSpPr>
+          <p:cNvPr id="4" name="Título 2">
+            <a:extLst>
+              <a:ext uri="{FF2B5EF4-FFF2-40B4-BE49-F238E27FC236}">
+                <a16:creationId xmlns:a16="http://schemas.microsoft.com/office/drawing/2014/main" id="{1F8B3A70-9FB8-A81E-92B9-1007BFAACA66}"/>
+              </a:ext>
+            </a:extLst>
+          </p:cNvPr>
+          <p:cNvSpPr>
+            <a:spLocks noGrp="1"/>
+          </p:cNvSpPr>
+          <p:nvPr>
+            <p:ph type="title"/>
+          </p:nvPr>
+        </p:nvSpPr>
+        <p:spPr>
+          <a:xfrm>
+            <a:off x="633793" y="428574"/>
+            <a:ext cx="8746181" cy="825046"/>
+          </a:xfrm>
+        </p:spPr>
+        <p:txBody>
+          <a:bodyPr/>
+          <a:lstStyle/>
+          <a:p>
+            <a:pPr>
+              <a:spcBef>
+                <a:spcPts val="1000"/>
+              </a:spcBef>
+              <a:buClr>
+                <a:schemeClr val="tx2"/>
+              </a:buClr>
+            </a:pPr>
+            <a:r>
+              <a:rPr lang="es-MX" sz="3200" b="1" dirty="0">
+                <a:solidFill>
+                  <a:srgbClr val="000066"/>
+                </a:solidFill>
+                <a:latin typeface="Arial" panose="020B0604020202020204" pitchFamily="34" charset="0"/>
+                <a:ea typeface="+mn-ea"/>
+                <a:cs typeface="Arial" panose="020B0604020202020204" pitchFamily="34" charset="0"/>
+              </a:rPr>
+              <a:t>REFERENCIAS</a:t>
+            </a:r>
+            <a:endParaRPr lang="es-CU" sz="3200" b="1" dirty="0">
+              <a:solidFill>
+                <a:srgbClr val="000066"/>
+              </a:solidFill>
+              <a:latin typeface="Arial" panose="020B0604020202020204" pitchFamily="34" charset="0"/>
+              <a:ea typeface="+mn-ea"/>
+              <a:cs typeface="Arial" panose="020B0604020202020204" pitchFamily="34" charset="0"/>
+            </a:endParaRPr>
+          </a:p>
+        </p:txBody>
+      </p:sp>
+      <p:pic>
+        <p:nvPicPr>
+          <p:cNvPr id="17" name="Picture 16">
+            <a:extLst>
+              <a:ext uri="{FF2B5EF4-FFF2-40B4-BE49-F238E27FC236}">
+                <a16:creationId xmlns:a16="http://schemas.microsoft.com/office/drawing/2014/main" id="{0E5B8328-5020-409F-9C7E-E6AD813F6B8D}"/>
+              </a:ext>
+            </a:extLst>
+          </p:cNvPr>
+          <p:cNvPicPr>
+            <a:picLocks noChangeAspect="1"/>
+          </p:cNvPicPr>
+          <p:nvPr/>
+        </p:nvPicPr>
+        <p:blipFill>
+          <a:blip r:embed="rId3"/>
+          <a:stretch>
+            <a:fillRect/>
+          </a:stretch>
+        </p:blipFill>
+        <p:spPr>
+          <a:xfrm>
+            <a:off x="10942385" y="0"/>
+            <a:ext cx="1249615" cy="1499463"/>
+          </a:xfrm>
+          <a:prstGeom prst="rect">
+            <a:avLst/>
+          </a:prstGeom>
+        </p:spPr>
+      </p:pic>
+      <p:sp>
+        <p:nvSpPr>
+          <p:cNvPr id="3" name="TextBox 2">
+            <a:extLst>
+              <a:ext uri="{FF2B5EF4-FFF2-40B4-BE49-F238E27FC236}">
+                <a16:creationId xmlns:a16="http://schemas.microsoft.com/office/drawing/2014/main" id="{1FEDB5E4-2703-8835-71B9-E6C003E291D0}"/>
+              </a:ext>
+            </a:extLst>
+          </p:cNvPr>
+          <p:cNvSpPr txBox="1"/>
+          <p:nvPr/>
+        </p:nvSpPr>
+        <p:spPr>
+          <a:xfrm>
+            <a:off x="425052" y="1813954"/>
+            <a:ext cx="11501478" cy="4195700"/>
+          </a:xfrm>
+          <a:prstGeom prst="rect">
+            <a:avLst/>
+          </a:prstGeom>
+          <a:noFill/>
+        </p:spPr>
+        <p:txBody>
+          <a:bodyPr wrap="square">
+            <a:spAutoFit/>
+          </a:bodyPr>
+          <a:lstStyle/>
+          <a:p>
+            <a:pPr algn="l">
+              <a:lnSpc>
+                <a:spcPct val="150000"/>
+              </a:lnSpc>
+            </a:pPr>
+            <a:r>
+              <a:rPr lang="en-US" dirty="0">
+                <a:solidFill>
+                  <a:schemeClr val="tx2"/>
+                </a:solidFill>
+                <a:ea typeface="Calibri" panose="020F0502020204030204" pitchFamily="34" charset="0"/>
+                <a:cs typeface="Arial" panose="020B0604020202020204" pitchFamily="34" charset="0"/>
+              </a:rPr>
+              <a:t>[1] L. Bassman </a:t>
+            </a:r>
+            <a:r>
+              <a:rPr lang="en-US" dirty="0" err="1">
+                <a:solidFill>
+                  <a:schemeClr val="tx2"/>
+                </a:solidFill>
+                <a:ea typeface="Calibri" panose="020F0502020204030204" pitchFamily="34" charset="0"/>
+                <a:cs typeface="Arial" panose="020B0604020202020204" pitchFamily="34" charset="0"/>
+              </a:rPr>
+              <a:t>Oftelie</a:t>
+            </a:r>
+            <a:r>
+              <a:rPr lang="en-US" dirty="0">
+                <a:solidFill>
+                  <a:schemeClr val="tx2"/>
+                </a:solidFill>
+                <a:ea typeface="Calibri" panose="020F0502020204030204" pitchFamily="34" charset="0"/>
+                <a:cs typeface="Arial" panose="020B0604020202020204" pitchFamily="34" charset="0"/>
+              </a:rPr>
+              <a:t>, A. De Pasquale, and M. Campisi, “Dynamic cooling on contemporary quantum computers,” PRX Quantum, vol. 5, July 2024.</a:t>
+            </a:r>
+          </a:p>
+          <a:p>
+            <a:pPr algn="l">
+              <a:lnSpc>
+                <a:spcPct val="150000"/>
+              </a:lnSpc>
+            </a:pPr>
+            <a:r>
+              <a:rPr lang="en-US" dirty="0">
+                <a:solidFill>
+                  <a:schemeClr val="tx2"/>
+                </a:solidFill>
+                <a:ea typeface="Calibri" panose="020F0502020204030204" pitchFamily="34" charset="0"/>
+                <a:cs typeface="Arial" panose="020B0604020202020204" pitchFamily="34" charset="0"/>
+              </a:rPr>
+              <a:t>[2] I. </a:t>
+            </a:r>
+            <a:r>
+              <a:rPr lang="en-US" dirty="0" err="1">
+                <a:solidFill>
+                  <a:schemeClr val="tx2"/>
+                </a:solidFill>
+                <a:ea typeface="Calibri" panose="020F0502020204030204" pitchFamily="34" charset="0"/>
+                <a:cs typeface="Arial" panose="020B0604020202020204" pitchFamily="34" charset="0"/>
+              </a:rPr>
+              <a:t>Sarajcev</a:t>
+            </a:r>
+            <a:r>
+              <a:rPr lang="en-US" dirty="0">
+                <a:solidFill>
+                  <a:schemeClr val="tx2"/>
+                </a:solidFill>
+                <a:ea typeface="Calibri" panose="020F0502020204030204" pitchFamily="34" charset="0"/>
+                <a:cs typeface="Arial" panose="020B0604020202020204" pitchFamily="34" charset="0"/>
+              </a:rPr>
+              <a:t>, M. </a:t>
+            </a:r>
+            <a:r>
+              <a:rPr lang="en-US" dirty="0" err="1">
+                <a:solidFill>
+                  <a:schemeClr val="tx2"/>
+                </a:solidFill>
+                <a:ea typeface="Calibri" panose="020F0502020204030204" pitchFamily="34" charset="0"/>
+                <a:cs typeface="Arial" panose="020B0604020202020204" pitchFamily="34" charset="0"/>
+              </a:rPr>
+              <a:t>Majstrovic</a:t>
+            </a:r>
+            <a:r>
+              <a:rPr lang="en-US" dirty="0">
+                <a:solidFill>
+                  <a:schemeClr val="tx2"/>
+                </a:solidFill>
+                <a:ea typeface="Calibri" panose="020F0502020204030204" pitchFamily="34" charset="0"/>
+                <a:cs typeface="Arial" panose="020B0604020202020204" pitchFamily="34" charset="0"/>
+              </a:rPr>
+              <a:t>, and I. Medic, “Calculation of losses in electric power cables as the base for cable temperature analysis,” WIT Transactions on Engineering Sciences, vol. 27, 2000.</a:t>
+            </a:r>
+          </a:p>
+          <a:p>
+            <a:pPr algn="l">
+              <a:lnSpc>
+                <a:spcPct val="150000"/>
+              </a:lnSpc>
+            </a:pPr>
+            <a:r>
+              <a:rPr lang="es-ES" dirty="0">
+                <a:solidFill>
+                  <a:schemeClr val="tx2"/>
+                </a:solidFill>
+                <a:ea typeface="Calibri" panose="020F0502020204030204" pitchFamily="34" charset="0"/>
+                <a:cs typeface="Arial" panose="020B0604020202020204" pitchFamily="34" charset="0"/>
+              </a:rPr>
+              <a:t>[3] G. </a:t>
+            </a:r>
+            <a:r>
+              <a:rPr lang="es-ES" dirty="0" err="1">
+                <a:solidFill>
+                  <a:schemeClr val="tx2"/>
+                </a:solidFill>
+                <a:ea typeface="Calibri" panose="020F0502020204030204" pitchFamily="34" charset="0"/>
+                <a:cs typeface="Arial" panose="020B0604020202020204" pitchFamily="34" charset="0"/>
+              </a:rPr>
+              <a:t>Gonz´alez</a:t>
+            </a:r>
+            <a:r>
+              <a:rPr lang="es-ES" dirty="0">
+                <a:solidFill>
+                  <a:schemeClr val="tx2"/>
+                </a:solidFill>
+                <a:ea typeface="Calibri" panose="020F0502020204030204" pitchFamily="34" charset="0"/>
+                <a:cs typeface="Arial" panose="020B0604020202020204" pitchFamily="34" charset="0"/>
+              </a:rPr>
+              <a:t>, “Almacenamiento de energía magnética por superconducción</a:t>
+            </a:r>
+            <a:r>
+              <a:rPr lang="en-US" dirty="0">
+                <a:solidFill>
+                  <a:schemeClr val="tx2"/>
+                </a:solidFill>
+                <a:ea typeface="Calibri" panose="020F0502020204030204" pitchFamily="34" charset="0"/>
+                <a:cs typeface="Arial" panose="020B0604020202020204" pitchFamily="34" charset="0"/>
+              </a:rPr>
+              <a:t>,” 2013.</a:t>
+            </a:r>
+          </a:p>
+          <a:p>
+            <a:pPr algn="l">
+              <a:lnSpc>
+                <a:spcPct val="150000"/>
+              </a:lnSpc>
+            </a:pPr>
+            <a:r>
+              <a:rPr lang="en-US" dirty="0">
+                <a:solidFill>
+                  <a:schemeClr val="tx2"/>
+                </a:solidFill>
+                <a:ea typeface="Calibri" panose="020F0502020204030204" pitchFamily="34" charset="0"/>
+                <a:cs typeface="Arial" panose="020B0604020202020204" pitchFamily="34" charset="0"/>
+              </a:rPr>
+              <a:t>[4] M. Coll and A. Palau, “</a:t>
+            </a:r>
+            <a:r>
+              <a:rPr lang="en-US" dirty="0" err="1">
+                <a:solidFill>
+                  <a:schemeClr val="tx2"/>
+                </a:solidFill>
+                <a:ea typeface="Calibri" panose="020F0502020204030204" pitchFamily="34" charset="0"/>
+                <a:cs typeface="Arial" panose="020B0604020202020204" pitchFamily="34" charset="0"/>
+              </a:rPr>
+              <a:t>Superconductividad</a:t>
+            </a:r>
+            <a:r>
+              <a:rPr lang="en-US" dirty="0">
+                <a:solidFill>
+                  <a:schemeClr val="tx2"/>
+                </a:solidFill>
+                <a:ea typeface="Calibri" panose="020F0502020204030204" pitchFamily="34" charset="0"/>
+                <a:cs typeface="Arial" panose="020B0604020202020204" pitchFamily="34" charset="0"/>
+              </a:rPr>
+              <a:t>,” 2017.</a:t>
+            </a:r>
+          </a:p>
+          <a:p>
+            <a:pPr algn="l">
+              <a:lnSpc>
+                <a:spcPct val="150000"/>
+              </a:lnSpc>
+            </a:pPr>
+            <a:r>
+              <a:rPr lang="it-IT" dirty="0">
+                <a:solidFill>
+                  <a:schemeClr val="tx2"/>
+                </a:solidFill>
+                <a:ea typeface="Calibri" panose="020F0502020204030204" pitchFamily="34" charset="0"/>
+                <a:cs typeface="Arial" panose="020B0604020202020204" pitchFamily="34" charset="0"/>
+              </a:rPr>
+              <a:t>[5] Tunguz, “Superconductivity data dataset.” https://www.kaggle.com/datasets/tunguz/superconductivty-data-data-set/code, 2020. Último acceso: </a:t>
+            </a:r>
+            <a:r>
+              <a:rPr lang="en-US" dirty="0">
+                <a:solidFill>
+                  <a:schemeClr val="tx2"/>
+                </a:solidFill>
+                <a:ea typeface="Calibri" panose="020F0502020204030204" pitchFamily="34" charset="0"/>
+                <a:cs typeface="Arial" panose="020B0604020202020204" pitchFamily="34" charset="0"/>
+              </a:rPr>
+              <a:t>19 de </a:t>
+            </a:r>
+            <a:r>
+              <a:rPr lang="en-US" dirty="0" err="1">
+                <a:solidFill>
+                  <a:schemeClr val="tx2"/>
+                </a:solidFill>
+                <a:ea typeface="Calibri" panose="020F0502020204030204" pitchFamily="34" charset="0"/>
+                <a:cs typeface="Arial" panose="020B0604020202020204" pitchFamily="34" charset="0"/>
+              </a:rPr>
+              <a:t>noviembre</a:t>
+            </a:r>
+            <a:r>
+              <a:rPr lang="en-US" dirty="0">
+                <a:solidFill>
+                  <a:schemeClr val="tx2"/>
+                </a:solidFill>
+                <a:ea typeface="Calibri" panose="020F0502020204030204" pitchFamily="34" charset="0"/>
+                <a:cs typeface="Arial" panose="020B0604020202020204" pitchFamily="34" charset="0"/>
+              </a:rPr>
+              <a:t> de 2024.</a:t>
+            </a:r>
+          </a:p>
+          <a:p>
+            <a:pPr algn="l">
+              <a:lnSpc>
+                <a:spcPct val="150000"/>
+              </a:lnSpc>
+            </a:pPr>
+            <a:r>
+              <a:rPr lang="en-US" dirty="0">
+                <a:solidFill>
+                  <a:schemeClr val="tx2"/>
+                </a:solidFill>
+                <a:ea typeface="Calibri" panose="020F0502020204030204" pitchFamily="34" charset="0"/>
+                <a:cs typeface="Arial" panose="020B0604020202020204" pitchFamily="34" charset="0"/>
+              </a:rPr>
+              <a:t>[6] B. </a:t>
+            </a:r>
+            <a:r>
+              <a:rPr lang="en-US" dirty="0" err="1">
+                <a:solidFill>
+                  <a:schemeClr val="tx2"/>
+                </a:solidFill>
+                <a:ea typeface="Calibri" panose="020F0502020204030204" pitchFamily="34" charset="0"/>
+                <a:cs typeface="Arial" panose="020B0604020202020204" pitchFamily="34" charset="0"/>
+              </a:rPr>
+              <a:t>Roter</a:t>
+            </a:r>
+            <a:r>
+              <a:rPr lang="en-US" dirty="0">
+                <a:solidFill>
+                  <a:schemeClr val="tx2"/>
+                </a:solidFill>
+                <a:ea typeface="Calibri" panose="020F0502020204030204" pitchFamily="34" charset="0"/>
+                <a:cs typeface="Arial" panose="020B0604020202020204" pitchFamily="34" charset="0"/>
+              </a:rPr>
+              <a:t> and S. V. </a:t>
+            </a:r>
+            <a:r>
+              <a:rPr lang="en-US" dirty="0" err="1">
+                <a:solidFill>
+                  <a:schemeClr val="tx2"/>
+                </a:solidFill>
+                <a:ea typeface="Calibri" panose="020F0502020204030204" pitchFamily="34" charset="0"/>
+                <a:cs typeface="Arial" panose="020B0604020202020204" pitchFamily="34" charset="0"/>
+              </a:rPr>
+              <a:t>Dordevic</a:t>
+            </a:r>
+            <a:r>
+              <a:rPr lang="en-US" dirty="0">
+                <a:solidFill>
+                  <a:schemeClr val="tx2"/>
+                </a:solidFill>
+                <a:ea typeface="Calibri" panose="020F0502020204030204" pitchFamily="34" charset="0"/>
+                <a:cs typeface="Arial" panose="020B0604020202020204" pitchFamily="34" charset="0"/>
+              </a:rPr>
+              <a:t>, “Predicting new superconductors and their critical temperatures using machine learning,” Physica C: Superconductivity and its applications, vol. 575, p. 1353689, 2020.</a:t>
+            </a:r>
+          </a:p>
+        </p:txBody>
+      </p:sp>
+      <p:sp>
+        <p:nvSpPr>
+          <p:cNvPr id="2" name="TextBox 1">
+            <a:extLst>
+              <a:ext uri="{FF2B5EF4-FFF2-40B4-BE49-F238E27FC236}">
+                <a16:creationId xmlns:a16="http://schemas.microsoft.com/office/drawing/2014/main" id="{6AE71AEE-FA76-E565-4B16-FE4087DDF68A}"/>
+              </a:ext>
+            </a:extLst>
+          </p:cNvPr>
+          <p:cNvSpPr txBox="1"/>
+          <p:nvPr/>
+        </p:nvSpPr>
+        <p:spPr>
+          <a:xfrm>
+            <a:off x="11688203" y="6391186"/>
+            <a:ext cx="503797" cy="383458"/>
+          </a:xfrm>
+          <a:prstGeom prst="rect">
+            <a:avLst/>
+          </a:prstGeom>
+          <a:noFill/>
+        </p:spPr>
+        <p:txBody>
+          <a:bodyPr wrap="square" rtlCol="0">
+            <a:spAutoFit/>
+          </a:bodyPr>
+          <a:lstStyle/>
+          <a:p>
+            <a:r>
+              <a:rPr lang="es-MX" dirty="0"/>
+              <a:t>12</a:t>
+            </a:r>
+            <a:endParaRPr lang="en-US" dirty="0"/>
+          </a:p>
+        </p:txBody>
+      </p:sp>
+    </p:spTree>
+    <p:extLst>
+      <p:ext uri="{BB962C8B-B14F-4D97-AF65-F5344CB8AC3E}">
+        <p14:creationId xmlns:p14="http://schemas.microsoft.com/office/powerpoint/2010/main" val="3621163892"/>
+      </p:ext>
+    </p:extLst>
+  </p:cSld>
+  <p:clrMapOvr>
+    <a:masterClrMapping/>
+  </p:clrMapOvr>
+</p:sld>
+</file>
+
+<file path=ppt/slides/slide14.xml><?xml version="1.0" encoding="utf-8"?>
 <p:sld xmlns:a="http://schemas.openxmlformats.org/drawingml/2006/main" xmlns:r="http://schemas.openxmlformats.org/officeDocument/2006/relationships" xmlns:p="http://schemas.openxmlformats.org/presentationml/2006/main">
   <p:cSld>
     <p:spTree>
@@ -14228,6 +13445,42 @@
           </a:p>
         </p:txBody>
       </p:sp>
+      <p:sp>
+        <p:nvSpPr>
+          <p:cNvPr id="2" name="TextBox 1">
+            <a:extLst>
+              <a:ext uri="{FF2B5EF4-FFF2-40B4-BE49-F238E27FC236}">
+                <a16:creationId xmlns:a16="http://schemas.microsoft.com/office/drawing/2014/main" id="{34F00ECC-8928-8456-2E20-CCA6DA2712A8}"/>
+              </a:ext>
+            </a:extLst>
+          </p:cNvPr>
+          <p:cNvSpPr txBox="1"/>
+          <p:nvPr/>
+        </p:nvSpPr>
+        <p:spPr>
+          <a:xfrm>
+            <a:off x="11688203" y="6391186"/>
+            <a:ext cx="503797" cy="383458"/>
+          </a:xfrm>
+          <a:prstGeom prst="rect">
+            <a:avLst/>
+          </a:prstGeom>
+          <a:noFill/>
+        </p:spPr>
+        <p:txBody>
+          <a:bodyPr wrap="square" rtlCol="0">
+            <a:spAutoFit/>
+          </a:bodyPr>
+          <a:lstStyle/>
+          <a:p>
+            <a:r>
+              <a:rPr lang="es-MX" dirty="0"/>
+              <a:t>1</a:t>
+            </a:r>
+            <a:endParaRPr lang="en-US" dirty="0"/>
+          </a:p>
+        </p:txBody>
+      </p:sp>
     </p:spTree>
     <p:extLst>
       <p:ext uri="{BB962C8B-B14F-4D97-AF65-F5344CB8AC3E}">
@@ -14364,8 +13617,8 @@
         </p:nvSpPr>
         <p:spPr>
           <a:xfrm>
-            <a:off x="521110" y="1902586"/>
-            <a:ext cx="11149780" cy="3347840"/>
+            <a:off x="521110" y="1794431"/>
+            <a:ext cx="11149780" cy="2331857"/>
           </a:xfrm>
           <a:prstGeom prst="rect">
             <a:avLst/>
@@ -14378,12 +13631,10 @@
           </a:bodyPr>
           <a:lstStyle/>
           <a:p>
-            <a:pPr marL="342900" indent="-342900" algn="just">
+            <a:pPr algn="just">
               <a:lnSpc>
                 <a:spcPct val="150000"/>
               </a:lnSpc>
-              <a:buFont typeface="Arial" panose="020B0604020202020204" pitchFamily="34" charset="0"/>
-              <a:buChar char="•"/>
             </a:pPr>
             <a:r>
               <a:rPr lang="es-ES" sz="2400" dirty="0">
@@ -14393,17 +13644,18 @@
                 <a:ea typeface="Calibri" panose="020F0502020204030204" pitchFamily="34" charset="0"/>
                 <a:cs typeface="Arial" panose="020B0604020202020204" pitchFamily="34" charset="0"/>
               </a:rPr>
-              <a:t>Actualmente, una gran cantidad de energía se pierde durante el transporte debido a la resistencia en las líneas de transmisión, lo que genera calor y reduce la eficiencia energética.</a:t>
-            </a:r>
-          </a:p>
-          <a:p>
-            <a:pPr marL="342900" indent="-342900" algn="just">
-              <a:lnSpc>
-                <a:spcPct val="150000"/>
-              </a:lnSpc>
-              <a:buFont typeface="Arial" panose="020B0604020202020204" pitchFamily="34" charset="0"/>
-              <a:buChar char="•"/>
-            </a:pPr>
+              <a:t>Para acelerar el descubrimiento de nuevos materiales con estas propiedades, el uso de herramientas avanzadas como el </a:t>
+            </a:r>
+            <a:r>
+              <a:rPr lang="es-ES" sz="2800" b="1" dirty="0">
+                <a:solidFill>
+                  <a:schemeClr val="tx2"/>
+                </a:solidFill>
+                <a:ea typeface="Calibri" panose="020F0502020204030204" pitchFamily="34" charset="0"/>
+                <a:cs typeface="Arial" panose="020B0604020202020204" pitchFamily="34" charset="0"/>
+              </a:rPr>
+              <a:t>aprendizaje automático </a:t>
+            </a:r>
             <a:r>
               <a:rPr lang="es-ES" sz="2400" dirty="0">
                 <a:solidFill>
@@ -14412,8 +13664,80 @@
                 <a:ea typeface="Calibri" panose="020F0502020204030204" pitchFamily="34" charset="0"/>
                 <a:cs typeface="Arial" panose="020B0604020202020204" pitchFamily="34" charset="0"/>
               </a:rPr>
-              <a:t>Los superconductores eliminan esta resistencia, permitiendo la transmisión de energía sin pérdidas y mejorando la eficiencia de las redes eléctricas, lo cual podría ser revolucionario para la industria energética global.</a:t>
-            </a:r>
+              <a:t>se vuelve crucial, permitiendo predecir y validar compuestos prometedores antes de su fabricación y prueba experimental.</a:t>
+            </a:r>
+          </a:p>
+        </p:txBody>
+      </p:sp>
+      <p:pic>
+        <p:nvPicPr>
+          <p:cNvPr id="5" name="Picture 4">
+            <a:extLst>
+              <a:ext uri="{FF2B5EF4-FFF2-40B4-BE49-F238E27FC236}">
+                <a16:creationId xmlns:a16="http://schemas.microsoft.com/office/drawing/2014/main" id="{0C9EFE36-1847-998C-BC8A-0BD4F55D2503}"/>
+              </a:ext>
+            </a:extLst>
+          </p:cNvPr>
+          <p:cNvPicPr>
+            <a:picLocks noChangeAspect="1"/>
+          </p:cNvPicPr>
+          <p:nvPr/>
+        </p:nvPicPr>
+        <p:blipFill>
+          <a:blip r:embed="rId4">
+            <a:extLst>
+              <a:ext uri="{28A0092B-C50C-407E-A947-70E740481C1C}">
+                <a14:useLocalDpi xmlns:a14="http://schemas.microsoft.com/office/drawing/2010/main" val="0"/>
+              </a:ext>
+            </a:extLst>
+          </a:blip>
+          <a:stretch>
+            <a:fillRect/>
+          </a:stretch>
+        </p:blipFill>
+        <p:spPr>
+          <a:xfrm>
+            <a:off x="6096000" y="3769733"/>
+            <a:ext cx="4703747" cy="2750114"/>
+          </a:xfrm>
+          <a:prstGeom prst="rect">
+            <a:avLst/>
+          </a:prstGeom>
+        </p:spPr>
+      </p:pic>
+      <p:sp>
+        <p:nvSpPr>
+          <p:cNvPr id="6" name="TextBox 5">
+            <a:extLst>
+              <a:ext uri="{FF2B5EF4-FFF2-40B4-BE49-F238E27FC236}">
+                <a16:creationId xmlns:a16="http://schemas.microsoft.com/office/drawing/2014/main" id="{A4523804-2530-9B74-8D02-669AC00E9B63}"/>
+              </a:ext>
+            </a:extLst>
+          </p:cNvPr>
+          <p:cNvSpPr txBox="1"/>
+          <p:nvPr/>
+        </p:nvSpPr>
+        <p:spPr>
+          <a:xfrm>
+            <a:off x="11688203" y="6391186"/>
+            <a:ext cx="503797" cy="383458"/>
+          </a:xfrm>
+          <a:prstGeom prst="rect">
+            <a:avLst/>
+          </a:prstGeom>
+          <a:noFill/>
+        </p:spPr>
+        <p:txBody>
+          <a:bodyPr wrap="square" rtlCol="0">
+            <a:spAutoFit/>
+          </a:bodyPr>
+          <a:lstStyle/>
+          <a:p>
+            <a:r>
+              <a:rPr lang="es-MX" dirty="0"/>
+              <a:t>2</a:t>
+            </a:r>
+            <a:endParaRPr lang="en-US" dirty="0"/>
           </a:p>
         </p:txBody>
       </p:sp>
@@ -14431,122 +13755,6 @@
 </file>
 
 <file path=ppt/slides/slide4.xml><?xml version="1.0" encoding="utf-8"?>
-<p:sld xmlns:a="http://schemas.openxmlformats.org/drawingml/2006/main" xmlns:r="http://schemas.openxmlformats.org/officeDocument/2006/relationships" xmlns:p="http://schemas.openxmlformats.org/presentationml/2006/main">
-  <p:cSld>
-    <p:spTree>
-      <p:nvGrpSpPr>
-        <p:cNvPr id="1" name=""/>
-        <p:cNvGrpSpPr/>
-        <p:nvPr/>
-      </p:nvGrpSpPr>
-      <p:grpSpPr>
-        <a:xfrm>
-          <a:off x="0" y="0"/>
-          <a:ext cx="0" cy="0"/>
-          <a:chOff x="0" y="0"/>
-          <a:chExt cx="0" cy="0"/>
-        </a:xfrm>
-      </p:grpSpPr>
-      <p:sp>
-        <p:nvSpPr>
-          <p:cNvPr id="4" name="Título 2">
-            <a:extLst>
-              <a:ext uri="{FF2B5EF4-FFF2-40B4-BE49-F238E27FC236}">
-                <a16:creationId xmlns:a16="http://schemas.microsoft.com/office/drawing/2014/main" id="{8E05DA94-1C90-4046-A49E-D288257268C1}"/>
-              </a:ext>
-            </a:extLst>
-          </p:cNvPr>
-          <p:cNvSpPr>
-            <a:spLocks noGrp="1"/>
-          </p:cNvSpPr>
-          <p:nvPr>
-            <p:ph type="title"/>
-          </p:nvPr>
-        </p:nvSpPr>
-        <p:spPr>
-          <a:xfrm>
-            <a:off x="633793" y="428574"/>
-            <a:ext cx="6130801" cy="825046"/>
-          </a:xfrm>
-        </p:spPr>
-        <p:txBody>
-          <a:bodyPr/>
-          <a:lstStyle/>
-          <a:p>
-            <a:pPr>
-              <a:spcBef>
-                <a:spcPts val="1000"/>
-              </a:spcBef>
-              <a:buClr>
-                <a:schemeClr val="tx2"/>
-              </a:buClr>
-            </a:pPr>
-            <a:r>
-              <a:rPr lang="es-MX" sz="3200" b="1" dirty="0">
-                <a:solidFill>
-                  <a:srgbClr val="000066"/>
-                </a:solidFill>
-                <a:latin typeface="Arial" panose="020B0604020202020204" pitchFamily="34" charset="0"/>
-                <a:ea typeface="+mn-ea"/>
-                <a:cs typeface="Arial" panose="020B0604020202020204" pitchFamily="34" charset="0"/>
-              </a:rPr>
-              <a:t>OBJETIVO</a:t>
-            </a:r>
-            <a:endParaRPr lang="es-CU" sz="3200" b="1" dirty="0">
-              <a:solidFill>
-                <a:srgbClr val="000066"/>
-              </a:solidFill>
-              <a:latin typeface="Arial" panose="020B0604020202020204" pitchFamily="34" charset="0"/>
-              <a:ea typeface="+mn-ea"/>
-              <a:cs typeface="Arial" panose="020B0604020202020204" pitchFamily="34" charset="0"/>
-            </a:endParaRPr>
-          </a:p>
-        </p:txBody>
-      </p:sp>
-      <p:pic>
-        <p:nvPicPr>
-          <p:cNvPr id="17" name="Picture 16">
-            <a:extLst>
-              <a:ext uri="{FF2B5EF4-FFF2-40B4-BE49-F238E27FC236}">
-                <a16:creationId xmlns:a16="http://schemas.microsoft.com/office/drawing/2014/main" id="{5B8D8CCC-B516-1BDF-9B0A-19631FF3458E}"/>
-              </a:ext>
-            </a:extLst>
-          </p:cNvPr>
-          <p:cNvPicPr>
-            <a:picLocks noChangeAspect="1"/>
-          </p:cNvPicPr>
-          <p:nvPr/>
-        </p:nvPicPr>
-        <p:blipFill>
-          <a:blip r:embed="rId3"/>
-          <a:stretch>
-            <a:fillRect/>
-          </a:stretch>
-        </p:blipFill>
-        <p:spPr>
-          <a:xfrm>
-            <a:off x="10942385" y="0"/>
-            <a:ext cx="1249615" cy="1499463"/>
-          </a:xfrm>
-          <a:prstGeom prst="rect">
-            <a:avLst/>
-          </a:prstGeom>
-        </p:spPr>
-      </p:pic>
-    </p:spTree>
-    <p:extLst>
-      <p:ext uri="{BB962C8B-B14F-4D97-AF65-F5344CB8AC3E}">
-        <p14:creationId xmlns:p14="http://schemas.microsoft.com/office/powerpoint/2010/main" val="9628699"/>
-      </p:ext>
-    </p:extLst>
-  </p:cSld>
-  <p:clrMapOvr>
-    <a:masterClrMapping/>
-  </p:clrMapOvr>
-</p:sld>
-</file>
-
-<file path=ppt/slides/slide5.xml><?xml version="1.0" encoding="utf-8"?>
 <p:sld xmlns:a="http://schemas.openxmlformats.org/drawingml/2006/main" xmlns:r="http://schemas.openxmlformats.org/officeDocument/2006/relationships" xmlns:p="http://schemas.openxmlformats.org/presentationml/2006/main">
   <p:cSld>
     <p:spTree>
@@ -15034,6 +14242,42 @@
           </a:p>
         </p:txBody>
       </p:sp>
+      <p:sp>
+        <p:nvSpPr>
+          <p:cNvPr id="2" name="TextBox 1">
+            <a:extLst>
+              <a:ext uri="{FF2B5EF4-FFF2-40B4-BE49-F238E27FC236}">
+                <a16:creationId xmlns:a16="http://schemas.microsoft.com/office/drawing/2014/main" id="{DA173954-2D81-0E19-81A6-7CE69D319295}"/>
+              </a:ext>
+            </a:extLst>
+          </p:cNvPr>
+          <p:cNvSpPr txBox="1"/>
+          <p:nvPr/>
+        </p:nvSpPr>
+        <p:spPr>
+          <a:xfrm>
+            <a:off x="11688203" y="6391186"/>
+            <a:ext cx="503797" cy="383458"/>
+          </a:xfrm>
+          <a:prstGeom prst="rect">
+            <a:avLst/>
+          </a:prstGeom>
+          <a:noFill/>
+        </p:spPr>
+        <p:txBody>
+          <a:bodyPr wrap="square" rtlCol="0">
+            <a:spAutoFit/>
+          </a:bodyPr>
+          <a:lstStyle/>
+          <a:p>
+            <a:r>
+              <a:rPr lang="es-MX" dirty="0"/>
+              <a:t>3</a:t>
+            </a:r>
+            <a:endParaRPr lang="en-US" dirty="0"/>
+          </a:p>
+        </p:txBody>
+      </p:sp>
     </p:spTree>
     <p:extLst>
       <p:ext uri="{BB962C8B-B14F-4D97-AF65-F5344CB8AC3E}">
@@ -15047,7 +14291,7 @@
 </p:sld>
 </file>
 
-<file path=ppt/slides/slide6.xml><?xml version="1.0" encoding="utf-8"?>
+<file path=ppt/slides/slide5.xml><?xml version="1.0" encoding="utf-8"?>
 <p:sld xmlns:a="http://schemas.openxmlformats.org/drawingml/2006/main" xmlns:r="http://schemas.openxmlformats.org/officeDocument/2006/relationships" xmlns:p="http://schemas.openxmlformats.org/presentationml/2006/main">
   <p:cSld>
     <p:spTree>
@@ -15170,7 +14414,7 @@
         </p:nvSpPr>
         <p:spPr>
           <a:xfrm>
-            <a:off x="633793" y="2027655"/>
+            <a:off x="509115" y="1939707"/>
             <a:ext cx="10835150" cy="2802690"/>
           </a:xfrm>
           <a:prstGeom prst="rect">
@@ -15199,7 +14443,27 @@
                 <a:ea typeface="Calibri" panose="020F0502020204030204" pitchFamily="34" charset="0"/>
                 <a:cs typeface="Arial" panose="020B0604020202020204" pitchFamily="34" charset="0"/>
               </a:rPr>
-              <a:t>El conjunto de datos empleado consta de 168 atributos que describen la composición y las propiedades de los materiales superconductores, con temperaturas críticas que oscilan entre 0 y 140 K. </a:t>
+              <a:t>El conjunto de datos empleado consta de </a:t>
+            </a:r>
+            <a:r>
+              <a:rPr lang="es-ES" sz="2400" b="1" dirty="0">
+                <a:solidFill>
+                  <a:schemeClr val="tx2"/>
+                </a:solidFill>
+                <a:ea typeface="Calibri" panose="020F0502020204030204" pitchFamily="34" charset="0"/>
+                <a:cs typeface="Arial" panose="020B0604020202020204" pitchFamily="34" charset="0"/>
+              </a:rPr>
+              <a:t>168 atributos </a:t>
+            </a:r>
+            <a:r>
+              <a:rPr lang="es-ES" sz="2400" dirty="0">
+                <a:solidFill>
+                  <a:schemeClr val="tx2"/>
+                </a:solidFill>
+                <a:ea typeface="Calibri" panose="020F0502020204030204" pitchFamily="34" charset="0"/>
+                <a:cs typeface="Arial" panose="020B0604020202020204" pitchFamily="34" charset="0"/>
+              </a:rPr>
+              <a:t>que describen la composición y las propiedades de los materiales superconductores, con temperaturas críticas que oscilan entre 0 y 140 K. </a:t>
             </a:r>
           </a:p>
           <a:p>
@@ -15270,6 +14534,305 @@
               </a:rPr>
               <a:t> material.</a:t>
             </a:r>
+          </a:p>
+        </p:txBody>
+      </p:sp>
+      <p:graphicFrame>
+        <p:nvGraphicFramePr>
+          <p:cNvPr id="2" name="Table 1">
+            <a:extLst>
+              <a:ext uri="{FF2B5EF4-FFF2-40B4-BE49-F238E27FC236}">
+                <a16:creationId xmlns:a16="http://schemas.microsoft.com/office/drawing/2014/main" id="{D882D62A-AF56-F95D-A36A-37F20C29D166}"/>
+              </a:ext>
+            </a:extLst>
+          </p:cNvPr>
+          <p:cNvGraphicFramePr>
+            <a:graphicFrameLocks noGrp="1"/>
+          </p:cNvGraphicFramePr>
+          <p:nvPr>
+            <p:extLst>
+              <p:ext uri="{D42A27DB-BD31-4B8C-83A1-F6EECF244321}">
+                <p14:modId xmlns:p14="http://schemas.microsoft.com/office/powerpoint/2010/main" val="1331268294"/>
+              </p:ext>
+            </p:extLst>
+          </p:nvPr>
+        </p:nvGraphicFramePr>
+        <p:xfrm>
+          <a:off x="499280" y="5301669"/>
+          <a:ext cx="11193440" cy="617351"/>
+        </p:xfrm>
+        <a:graphic>
+          <a:graphicData uri="http://schemas.openxmlformats.org/drawingml/2006/table">
+            <a:tbl>
+              <a:tblPr firstRow="1" bandRow="1">
+                <a:tableStyleId>{073A0DAA-6AF3-43AB-8588-CEC1D06C72B9}</a:tableStyleId>
+              </a:tblPr>
+              <a:tblGrid>
+                <a:gridCol w="1119344">
+                  <a:extLst>
+                    <a:ext uri="{9D8B030D-6E8A-4147-A177-3AD203B41FA5}">
+                      <a16:colId xmlns:a16="http://schemas.microsoft.com/office/drawing/2014/main" val="1704071903"/>
+                    </a:ext>
+                  </a:extLst>
+                </a:gridCol>
+                <a:gridCol w="994465">
+                  <a:extLst>
+                    <a:ext uri="{9D8B030D-6E8A-4147-A177-3AD203B41FA5}">
+                      <a16:colId xmlns:a16="http://schemas.microsoft.com/office/drawing/2014/main" val="3787398168"/>
+                    </a:ext>
+                  </a:extLst>
+                </a:gridCol>
+                <a:gridCol w="1081549">
+                  <a:extLst>
+                    <a:ext uri="{9D8B030D-6E8A-4147-A177-3AD203B41FA5}">
+                      <a16:colId xmlns:a16="http://schemas.microsoft.com/office/drawing/2014/main" val="3726910531"/>
+                    </a:ext>
+                  </a:extLst>
+                </a:gridCol>
+                <a:gridCol w="1297858">
+                  <a:extLst>
+                    <a:ext uri="{9D8B030D-6E8A-4147-A177-3AD203B41FA5}">
+                      <a16:colId xmlns:a16="http://schemas.microsoft.com/office/drawing/2014/main" val="4247888895"/>
+                    </a:ext>
+                  </a:extLst>
+                </a:gridCol>
+                <a:gridCol w="924232">
+                  <a:extLst>
+                    <a:ext uri="{9D8B030D-6E8A-4147-A177-3AD203B41FA5}">
+                      <a16:colId xmlns:a16="http://schemas.microsoft.com/office/drawing/2014/main" val="629976983"/>
+                    </a:ext>
+                  </a:extLst>
+                </a:gridCol>
+                <a:gridCol w="997511">
+                  <a:extLst>
+                    <a:ext uri="{9D8B030D-6E8A-4147-A177-3AD203B41FA5}">
+                      <a16:colId xmlns:a16="http://schemas.microsoft.com/office/drawing/2014/main" val="1456004182"/>
+                    </a:ext>
+                  </a:extLst>
+                </a:gridCol>
+                <a:gridCol w="1120877">
+                  <a:extLst>
+                    <a:ext uri="{9D8B030D-6E8A-4147-A177-3AD203B41FA5}">
+                      <a16:colId xmlns:a16="http://schemas.microsoft.com/office/drawing/2014/main" val="626142417"/>
+                    </a:ext>
+                  </a:extLst>
+                </a:gridCol>
+                <a:gridCol w="1077096">
+                  <a:extLst>
+                    <a:ext uri="{9D8B030D-6E8A-4147-A177-3AD203B41FA5}">
+                      <a16:colId xmlns:a16="http://schemas.microsoft.com/office/drawing/2014/main" val="1017694918"/>
+                    </a:ext>
+                  </a:extLst>
+                </a:gridCol>
+                <a:gridCol w="1331808">
+                  <a:extLst>
+                    <a:ext uri="{9D8B030D-6E8A-4147-A177-3AD203B41FA5}">
+                      <a16:colId xmlns:a16="http://schemas.microsoft.com/office/drawing/2014/main" val="3665019811"/>
+                    </a:ext>
+                  </a:extLst>
+                </a:gridCol>
+                <a:gridCol w="1248700">
+                  <a:extLst>
+                    <a:ext uri="{9D8B030D-6E8A-4147-A177-3AD203B41FA5}">
+                      <a16:colId xmlns:a16="http://schemas.microsoft.com/office/drawing/2014/main" val="2698413911"/>
+                    </a:ext>
+                  </a:extLst>
+                </a:gridCol>
+              </a:tblGrid>
+              <a:tr h="617351">
+                <a:tc>
+                  <a:txBody>
+                    <a:bodyPr/>
+                    <a:lstStyle/>
+                    <a:p>
+                      <a:pPr algn="ctr"/>
+                      <a:r>
+                        <a:rPr lang="es-MX" sz="1400" b="0" dirty="0"/>
+                        <a:t>Número de elementos</a:t>
+                      </a:r>
+                      <a:endParaRPr lang="en-US" sz="1400" b="0" dirty="0"/>
+                    </a:p>
+                  </a:txBody>
+                  <a:tcPr anchor="ctr"/>
+                </a:tc>
+                <a:tc>
+                  <a:txBody>
+                    <a:bodyPr/>
+                    <a:lstStyle/>
+                    <a:p>
+                      <a:pPr algn="ctr"/>
+                      <a:r>
+                        <a:rPr lang="es-MX" sz="1400" b="0" dirty="0"/>
+                        <a:t>Masa Atómica</a:t>
+                      </a:r>
+                      <a:endParaRPr lang="en-US" sz="1400" b="0" dirty="0"/>
+                    </a:p>
+                  </a:txBody>
+                  <a:tcPr anchor="ctr"/>
+                </a:tc>
+                <a:tc>
+                  <a:txBody>
+                    <a:bodyPr/>
+                    <a:lstStyle/>
+                    <a:p>
+                      <a:pPr algn="ctr"/>
+                      <a:r>
+                        <a:rPr lang="es-MX" sz="1400" b="0" dirty="0"/>
+                        <a:t>Entropía</a:t>
+                      </a:r>
+                      <a:endParaRPr lang="en-US" sz="1400" b="0" dirty="0"/>
+                    </a:p>
+                  </a:txBody>
+                  <a:tcPr anchor="ctr"/>
+                </a:tc>
+                <a:tc>
+                  <a:txBody>
+                    <a:bodyPr/>
+                    <a:lstStyle/>
+                    <a:p>
+                      <a:pPr algn="ctr"/>
+                      <a:r>
+                        <a:rPr lang="es-MX" sz="1400" b="0" dirty="0"/>
+                        <a:t>Rango de masa atómica</a:t>
+                      </a:r>
+                      <a:endParaRPr lang="en-US" sz="1400" b="0" dirty="0"/>
+                    </a:p>
+                  </a:txBody>
+                  <a:tcPr anchor="ctr"/>
+                </a:tc>
+                <a:tc>
+                  <a:txBody>
+                    <a:bodyPr/>
+                    <a:lstStyle/>
+                    <a:p>
+                      <a:pPr algn="ctr"/>
+                      <a:r>
+                        <a:rPr lang="es-MX" sz="1400" b="0" dirty="0"/>
+                        <a:t>Valencia</a:t>
+                      </a:r>
+                      <a:endParaRPr lang="en-US" sz="1400" b="0" dirty="0"/>
+                    </a:p>
+                  </a:txBody>
+                  <a:tcPr anchor="ctr"/>
+                </a:tc>
+                <a:tc>
+                  <a:txBody>
+                    <a:bodyPr/>
+                    <a:lstStyle/>
+                    <a:p>
+                      <a:pPr algn="ctr"/>
+                      <a:r>
+                        <a:rPr lang="es-MX" sz="1400" b="0" dirty="0"/>
+                        <a:t>Material</a:t>
+                      </a:r>
+                      <a:endParaRPr lang="en-US" sz="1400" b="0" dirty="0"/>
+                    </a:p>
+                  </a:txBody>
+                  <a:tcPr anchor="ctr"/>
+                </a:tc>
+                <a:tc>
+                  <a:txBody>
+                    <a:bodyPr/>
+                    <a:lstStyle/>
+                    <a:p>
+                      <a:pPr algn="ctr"/>
+                      <a:r>
+                        <a:rPr lang="es-MX" sz="1400" b="0" dirty="0"/>
+                        <a:t>Densidad</a:t>
+                      </a:r>
+                      <a:endParaRPr lang="en-US" sz="1400" b="0" dirty="0"/>
+                    </a:p>
+                  </a:txBody>
+                  <a:tcPr anchor="ctr"/>
+                </a:tc>
+                <a:tc>
+                  <a:txBody>
+                    <a:bodyPr/>
+                    <a:lstStyle/>
+                    <a:p>
+                      <a:pPr algn="ctr"/>
+                      <a:r>
+                        <a:rPr lang="es-MX" sz="1400" b="0" dirty="0"/>
+                        <a:t>Radio atómico</a:t>
+                      </a:r>
+                      <a:endParaRPr lang="en-US" sz="1400" b="0" dirty="0"/>
+                    </a:p>
+                  </a:txBody>
+                  <a:tcPr anchor="ctr"/>
+                </a:tc>
+                <a:tc>
+                  <a:txBody>
+                    <a:bodyPr/>
+                    <a:lstStyle/>
+                    <a:p>
+                      <a:pPr algn="ctr"/>
+                      <a:r>
+                        <a:rPr lang="es-MX" sz="1400" b="0" dirty="0"/>
+                        <a:t>Conductividad térmica</a:t>
+                      </a:r>
+                      <a:endParaRPr lang="en-US" sz="1400" b="0" dirty="0"/>
+                    </a:p>
+                  </a:txBody>
+                  <a:tcPr anchor="ctr"/>
+                </a:tc>
+                <a:tc>
+                  <a:txBody>
+                    <a:bodyPr/>
+                    <a:lstStyle/>
+                    <a:p>
+                      <a:pPr algn="ctr"/>
+                      <a:r>
+                        <a:rPr lang="es-MX" sz="1400" b="0" dirty="0"/>
+                        <a:t>Temperatura crítica</a:t>
+                      </a:r>
+                      <a:endParaRPr lang="en-US" sz="1400" b="0" dirty="0"/>
+                    </a:p>
+                  </a:txBody>
+                  <a:tcPr anchor="ctr"/>
+                </a:tc>
+                <a:extLst>
+                  <a:ext uri="{0D108BD9-81ED-4DB2-BD59-A6C34878D82A}">
+                    <a16:rowId xmlns:a16="http://schemas.microsoft.com/office/drawing/2014/main" val="1000650793"/>
+                  </a:ext>
+                </a:extLst>
+              </a:tr>
+            </a:tbl>
+          </a:graphicData>
+        </a:graphic>
+      </p:graphicFrame>
+      <p:sp>
+        <p:nvSpPr>
+          <p:cNvPr id="5" name="TextBox 4">
+            <a:extLst>
+              <a:ext uri="{FF2B5EF4-FFF2-40B4-BE49-F238E27FC236}">
+                <a16:creationId xmlns:a16="http://schemas.microsoft.com/office/drawing/2014/main" id="{D4B1257B-02C2-8B00-E0DF-3131A2719EF7}"/>
+              </a:ext>
+            </a:extLst>
+          </p:cNvPr>
+          <p:cNvSpPr txBox="1"/>
+          <p:nvPr/>
+        </p:nvSpPr>
+        <p:spPr>
+          <a:xfrm>
+            <a:off x="11688203" y="6391186"/>
+            <a:ext cx="503797" cy="383458"/>
+          </a:xfrm>
+          <a:prstGeom prst="rect">
+            <a:avLst/>
+          </a:prstGeom>
+          <a:noFill/>
+        </p:spPr>
+        <p:txBody>
+          <a:bodyPr wrap="square" rtlCol="0">
+            <a:spAutoFit/>
+          </a:bodyPr>
+          <a:lstStyle/>
+          <a:p>
+            <a:r>
+              <a:rPr lang="es-MX" dirty="0"/>
+              <a:t>4</a:t>
+            </a:r>
+            <a:endParaRPr lang="en-US" dirty="0"/>
           </a:p>
         </p:txBody>
       </p:sp>
@@ -15286,129 +14849,7 @@
 </p:sld>
 </file>
 
-<file path=ppt/slides/slide7.xml><?xml version="1.0" encoding="utf-8"?>
-<p:sld xmlns:a="http://schemas.openxmlformats.org/drawingml/2006/main" xmlns:r="http://schemas.openxmlformats.org/officeDocument/2006/relationships" xmlns:p="http://schemas.openxmlformats.org/presentationml/2006/main">
-  <p:cSld>
-    <p:spTree>
-      <p:nvGrpSpPr>
-        <p:cNvPr id="1" name="">
-          <a:extLst>
-            <a:ext uri="{FF2B5EF4-FFF2-40B4-BE49-F238E27FC236}">
-              <a16:creationId xmlns:a16="http://schemas.microsoft.com/office/drawing/2014/main" id="{095B61FB-37E3-B778-9362-75F9843C160F}"/>
-            </a:ext>
-          </a:extLst>
-        </p:cNvPr>
-        <p:cNvGrpSpPr/>
-        <p:nvPr/>
-      </p:nvGrpSpPr>
-      <p:grpSpPr>
-        <a:xfrm>
-          <a:off x="0" y="0"/>
-          <a:ext cx="0" cy="0"/>
-          <a:chOff x="0" y="0"/>
-          <a:chExt cx="0" cy="0"/>
-        </a:xfrm>
-      </p:grpSpPr>
-      <p:sp>
-        <p:nvSpPr>
-          <p:cNvPr id="4" name="Título 2">
-            <a:extLst>
-              <a:ext uri="{FF2B5EF4-FFF2-40B4-BE49-F238E27FC236}">
-                <a16:creationId xmlns:a16="http://schemas.microsoft.com/office/drawing/2014/main" id="{250AA6C6-60F8-D670-AF51-CC89233112EB}"/>
-              </a:ext>
-            </a:extLst>
-          </p:cNvPr>
-          <p:cNvSpPr>
-            <a:spLocks noGrp="1"/>
-          </p:cNvSpPr>
-          <p:nvPr>
-            <p:ph type="title"/>
-          </p:nvPr>
-        </p:nvSpPr>
-        <p:spPr>
-          <a:xfrm>
-            <a:off x="633793" y="428574"/>
-            <a:ext cx="6130801" cy="825046"/>
-          </a:xfrm>
-        </p:spPr>
-        <p:txBody>
-          <a:bodyPr/>
-          <a:lstStyle/>
-          <a:p>
-            <a:pPr>
-              <a:spcBef>
-                <a:spcPts val="1000"/>
-              </a:spcBef>
-              <a:buClr>
-                <a:schemeClr val="tx2"/>
-              </a:buClr>
-            </a:pPr>
-            <a:r>
-              <a:rPr lang="es-MX" sz="3200" b="1" dirty="0">
-                <a:solidFill>
-                  <a:srgbClr val="000066"/>
-                </a:solidFill>
-                <a:latin typeface="Arial" panose="020B0604020202020204" pitchFamily="34" charset="0"/>
-                <a:ea typeface="+mn-ea"/>
-                <a:cs typeface="Arial" panose="020B0604020202020204" pitchFamily="34" charset="0"/>
-              </a:rPr>
-              <a:t>PREPROCESAMIENTO</a:t>
-            </a:r>
-            <a:endParaRPr lang="es-CU" sz="3200" b="1" dirty="0">
-              <a:solidFill>
-                <a:srgbClr val="000066"/>
-              </a:solidFill>
-              <a:latin typeface="Arial" panose="020B0604020202020204" pitchFamily="34" charset="0"/>
-              <a:ea typeface="+mn-ea"/>
-              <a:cs typeface="Arial" panose="020B0604020202020204" pitchFamily="34" charset="0"/>
-            </a:endParaRPr>
-          </a:p>
-        </p:txBody>
-      </p:sp>
-      <p:pic>
-        <p:nvPicPr>
-          <p:cNvPr id="17" name="Picture 16">
-            <a:extLst>
-              <a:ext uri="{FF2B5EF4-FFF2-40B4-BE49-F238E27FC236}">
-                <a16:creationId xmlns:a16="http://schemas.microsoft.com/office/drawing/2014/main" id="{B900F0A2-4D5A-6FEA-71CA-C63DFA549D02}"/>
-              </a:ext>
-            </a:extLst>
-          </p:cNvPr>
-          <p:cNvPicPr>
-            <a:picLocks noChangeAspect="1"/>
-          </p:cNvPicPr>
-          <p:nvPr/>
-        </p:nvPicPr>
-        <p:blipFill>
-          <a:blip r:embed="rId3"/>
-          <a:stretch>
-            <a:fillRect/>
-          </a:stretch>
-        </p:blipFill>
-        <p:spPr>
-          <a:xfrm>
-            <a:off x="10942385" y="0"/>
-            <a:ext cx="1249615" cy="1499463"/>
-          </a:xfrm>
-          <a:prstGeom prst="rect">
-            <a:avLst/>
-          </a:prstGeom>
-        </p:spPr>
-      </p:pic>
-    </p:spTree>
-    <p:extLst>
-      <p:ext uri="{BB962C8B-B14F-4D97-AF65-F5344CB8AC3E}">
-        <p14:creationId xmlns:p14="http://schemas.microsoft.com/office/powerpoint/2010/main" val="1267617684"/>
-      </p:ext>
-    </p:extLst>
-  </p:cSld>
-  <p:clrMapOvr>
-    <a:masterClrMapping/>
-  </p:clrMapOvr>
-</p:sld>
-</file>
-
-<file path=ppt/slides/slide8.xml><?xml version="1.0" encoding="utf-8"?>
+<file path=ppt/slides/slide6.xml><?xml version="1.0" encoding="utf-8"?>
 <p:sld xmlns:a="http://schemas.openxmlformats.org/drawingml/2006/main" xmlns:r="http://schemas.openxmlformats.org/officeDocument/2006/relationships" xmlns:p="http://schemas.openxmlformats.org/presentationml/2006/main">
   <p:cSld>
     <p:spTree>
@@ -15474,7 +14915,7 @@
                 <a:ea typeface="+mn-ea"/>
                 <a:cs typeface="Arial" panose="020B0604020202020204" pitchFamily="34" charset="0"/>
               </a:rPr>
-              <a:t>GESTIÓN DE DATOS DESBALANCEADOS</a:t>
+              <a:t>PREPROCESAMIENTO</a:t>
             </a:r>
             <a:endParaRPr lang="es-CU" sz="3200" b="1" dirty="0">
               <a:solidFill>
@@ -15531,8 +14972,8 @@
         </p:nvSpPr>
         <p:spPr>
           <a:xfrm>
-            <a:off x="490287" y="2094723"/>
-            <a:ext cx="10856140" cy="2248693"/>
+            <a:off x="555135" y="1352436"/>
+            <a:ext cx="10856140" cy="1420004"/>
           </a:xfrm>
           <a:prstGeom prst="rect">
             <a:avLst/>
@@ -15544,6 +14985,23 @@
             <a:spAutoFit/>
           </a:bodyPr>
           <a:lstStyle/>
+          <a:p>
+            <a:pPr algn="ctr">
+              <a:lnSpc>
+                <a:spcPct val="150000"/>
+              </a:lnSpc>
+            </a:pPr>
+            <a:r>
+              <a:rPr lang="es-ES" sz="2000" b="1" dirty="0">
+                <a:solidFill>
+                  <a:schemeClr val="tx2"/>
+                </a:solidFill>
+                <a:ea typeface="Calibri" panose="020F0502020204030204" pitchFamily="34" charset="0"/>
+                <a:cs typeface="Arial" panose="020B0604020202020204" pitchFamily="34" charset="0"/>
+              </a:rPr>
+              <a:t>GESTIÓN DE DATOS BALANCEADOS</a:t>
+            </a:r>
+          </a:p>
           <a:p>
             <a:pPr marL="342900" indent="-342900" algn="just">
               <a:lnSpc>
@@ -15553,7 +15011,7 @@
               <a:buChar char="•"/>
             </a:pPr>
             <a:r>
-              <a:rPr lang="es-ES" sz="2400" dirty="0">
+              <a:rPr lang="es-ES" sz="2000" dirty="0">
                 <a:solidFill>
                   <a:schemeClr val="tx2"/>
                 </a:solidFill>
@@ -15572,7 +15030,7 @@
               <a:buChar char="•"/>
             </a:pPr>
             <a:r>
-              <a:rPr lang="es-ES" sz="2400" dirty="0">
+              <a:rPr lang="es-ES" sz="2000" dirty="0">
                 <a:solidFill>
                   <a:schemeClr val="tx2"/>
                 </a:solidFill>
@@ -15581,13 +15039,249 @@
               </a:rPr>
               <a:t>Se emplearon histogramas y gráficos de densidad para visualizar la distribución.</a:t>
             </a:r>
-            <a:endParaRPr lang="en-US" sz="2400" dirty="0">
+          </a:p>
+        </p:txBody>
+      </p:sp>
+      <p:sp>
+        <p:nvSpPr>
+          <p:cNvPr id="5" name="TextBox 4">
+            <a:extLst>
+              <a:ext uri="{FF2B5EF4-FFF2-40B4-BE49-F238E27FC236}">
+                <a16:creationId xmlns:a16="http://schemas.microsoft.com/office/drawing/2014/main" id="{344EE378-245F-778E-D297-A70419CA92D7}"/>
+              </a:ext>
+            </a:extLst>
+          </p:cNvPr>
+          <p:cNvSpPr txBox="1"/>
+          <p:nvPr/>
+        </p:nvSpPr>
+        <p:spPr>
+          <a:xfrm>
+            <a:off x="555135" y="3217720"/>
+            <a:ext cx="6096000" cy="2804999"/>
+          </a:xfrm>
+          <a:prstGeom prst="rect">
+            <a:avLst/>
+          </a:prstGeom>
+          <a:noFill/>
+        </p:spPr>
+        <p:txBody>
+          <a:bodyPr wrap="square">
+            <a:spAutoFit/>
+          </a:bodyPr>
+          <a:lstStyle/>
+          <a:p>
+            <a:pPr algn="ctr">
+              <a:lnSpc>
+                <a:spcPct val="150000"/>
+              </a:lnSpc>
+            </a:pPr>
+            <a:r>
+              <a:rPr lang="es-ES" sz="2000" b="1" dirty="0">
+                <a:solidFill>
+                  <a:schemeClr val="tx2"/>
+                </a:solidFill>
+                <a:ea typeface="Calibri" panose="020F0502020204030204" pitchFamily="34" charset="0"/>
+                <a:cs typeface="Arial" panose="020B0604020202020204" pitchFamily="34" charset="0"/>
+              </a:rPr>
+              <a:t>ESTANDARIZACIÓN</a:t>
+            </a:r>
+          </a:p>
+          <a:p>
+            <a:pPr marL="342900" indent="-342900" algn="just">
+              <a:lnSpc>
+                <a:spcPct val="150000"/>
+              </a:lnSpc>
+              <a:buFont typeface="Arial" panose="020B0604020202020204" pitchFamily="34" charset="0"/>
+              <a:buChar char="•"/>
+            </a:pPr>
+            <a:r>
+              <a:rPr lang="es-ES" sz="2000" dirty="0">
+                <a:solidFill>
+                  <a:schemeClr val="tx2"/>
+                </a:solidFill>
+                <a:ea typeface="Calibri" panose="020F0502020204030204" pitchFamily="34" charset="0"/>
+                <a:cs typeface="Arial" panose="020B0604020202020204" pitchFamily="34" charset="0"/>
+              </a:rPr>
+              <a:t>Se obtuvo que los datos estaban </a:t>
+            </a:r>
+            <a:r>
+              <a:rPr lang="en-US" sz="2000" dirty="0" err="1">
+                <a:solidFill>
+                  <a:schemeClr val="tx2"/>
+                </a:solidFill>
+                <a:ea typeface="Calibri" panose="020F0502020204030204" pitchFamily="34" charset="0"/>
+                <a:cs typeface="Arial" panose="020B0604020202020204" pitchFamily="34" charset="0"/>
+              </a:rPr>
+              <a:t>desbalanceados</a:t>
+            </a:r>
+            <a:r>
+              <a:rPr lang="en-US" sz="2000" dirty="0">
+                <a:solidFill>
+                  <a:schemeClr val="tx2"/>
+                </a:solidFill>
+                <a:ea typeface="Calibri" panose="020F0502020204030204" pitchFamily="34" charset="0"/>
+                <a:cs typeface="Arial" panose="020B0604020202020204" pitchFamily="34" charset="0"/>
+              </a:rPr>
+              <a:t> </a:t>
+            </a:r>
+            <a:r>
+              <a:rPr lang="en-US" sz="2000" dirty="0" err="1">
+                <a:solidFill>
+                  <a:schemeClr val="tx2"/>
+                </a:solidFill>
+                <a:ea typeface="Calibri" panose="020F0502020204030204" pitchFamily="34" charset="0"/>
+                <a:cs typeface="Arial" panose="020B0604020202020204" pitchFamily="34" charset="0"/>
+              </a:rPr>
+              <a:t>hacia</a:t>
+            </a:r>
+            <a:r>
+              <a:rPr lang="en-US" sz="2000" dirty="0">
+                <a:solidFill>
+                  <a:schemeClr val="tx2"/>
+                </a:solidFill>
+                <a:ea typeface="Calibri" panose="020F0502020204030204" pitchFamily="34" charset="0"/>
+                <a:cs typeface="Arial" panose="020B0604020202020204" pitchFamily="34" charset="0"/>
+              </a:rPr>
+              <a:t> </a:t>
+            </a:r>
+            <a:r>
+              <a:rPr lang="en-US" sz="2000" dirty="0" err="1">
+                <a:solidFill>
+                  <a:schemeClr val="tx2"/>
+                </a:solidFill>
+                <a:ea typeface="Calibri" panose="020F0502020204030204" pitchFamily="34" charset="0"/>
+                <a:cs typeface="Arial" panose="020B0604020202020204" pitchFamily="34" charset="0"/>
+              </a:rPr>
+              <a:t>temperaturas</a:t>
+            </a:r>
+            <a:r>
+              <a:rPr lang="en-US" sz="2000" dirty="0">
+                <a:solidFill>
+                  <a:schemeClr val="tx2"/>
+                </a:solidFill>
+                <a:ea typeface="Calibri" panose="020F0502020204030204" pitchFamily="34" charset="0"/>
+                <a:cs typeface="Arial" panose="020B0604020202020204" pitchFamily="34" charset="0"/>
+              </a:rPr>
+              <a:t> </a:t>
+            </a:r>
+            <a:r>
+              <a:rPr lang="en-US" sz="2000" dirty="0" err="1">
+                <a:solidFill>
+                  <a:schemeClr val="tx2"/>
+                </a:solidFill>
+                <a:ea typeface="Calibri" panose="020F0502020204030204" pitchFamily="34" charset="0"/>
+                <a:cs typeface="Arial" panose="020B0604020202020204" pitchFamily="34" charset="0"/>
+              </a:rPr>
+              <a:t>cercanas</a:t>
+            </a:r>
+            <a:r>
+              <a:rPr lang="en-US" sz="2000" dirty="0">
+                <a:solidFill>
+                  <a:schemeClr val="tx2"/>
+                </a:solidFill>
+                <a:ea typeface="Calibri" panose="020F0502020204030204" pitchFamily="34" charset="0"/>
+                <a:cs typeface="Arial" panose="020B0604020202020204" pitchFamily="34" charset="0"/>
+              </a:rPr>
+              <a:t> al 0 absolute.</a:t>
+            </a:r>
+          </a:p>
+          <a:p>
+            <a:pPr marL="342900" indent="-342900" algn="just">
+              <a:lnSpc>
+                <a:spcPct val="150000"/>
+              </a:lnSpc>
+              <a:buFont typeface="Arial" panose="020B0604020202020204" pitchFamily="34" charset="0"/>
+              <a:buChar char="•"/>
+            </a:pPr>
+            <a:r>
+              <a:rPr lang="es-ES" sz="2000" dirty="0">
+                <a:solidFill>
+                  <a:schemeClr val="tx2"/>
+                </a:solidFill>
+                <a:ea typeface="Calibri" panose="020F0502020204030204" pitchFamily="34" charset="0"/>
+                <a:cs typeface="Arial" panose="020B0604020202020204" pitchFamily="34" charset="0"/>
+              </a:rPr>
+              <a:t>Se hizo una transformación z-score para que todos los atributos contribuyan de manera equitativa al entrenamiento del modelo.</a:t>
+            </a:r>
+            <a:endParaRPr lang="en-US" sz="2000" dirty="0">
               <a:solidFill>
                 <a:schemeClr val="tx2"/>
               </a:solidFill>
               <a:ea typeface="Calibri" panose="020F0502020204030204" pitchFamily="34" charset="0"/>
               <a:cs typeface="Arial" panose="020B0604020202020204" pitchFamily="34" charset="0"/>
             </a:endParaRPr>
+          </a:p>
+        </p:txBody>
+      </p:sp>
+      <p:pic>
+        <p:nvPicPr>
+          <p:cNvPr id="7" name="Picture 6">
+            <a:extLst>
+              <a:ext uri="{FF2B5EF4-FFF2-40B4-BE49-F238E27FC236}">
+                <a16:creationId xmlns:a16="http://schemas.microsoft.com/office/drawing/2014/main" id="{B76C140B-ACB2-13DE-6527-04032EC52817}"/>
+              </a:ext>
+            </a:extLst>
+          </p:cNvPr>
+          <p:cNvPicPr>
+            <a:picLocks noChangeAspect="1"/>
+          </p:cNvPicPr>
+          <p:nvPr/>
+        </p:nvPicPr>
+        <p:blipFill>
+          <a:blip r:embed="rId4">
+            <a:extLst>
+              <a:ext uri="{28A0092B-C50C-407E-A947-70E740481C1C}">
+                <a14:useLocalDpi xmlns:a14="http://schemas.microsoft.com/office/drawing/2010/main" val="0"/>
+              </a:ext>
+            </a:extLst>
+          </a:blip>
+          <a:stretch>
+            <a:fillRect/>
+          </a:stretch>
+        </p:blipFill>
+        <p:spPr>
+          <a:xfrm>
+            <a:off x="6882212" y="3217720"/>
+            <a:ext cx="4995524" cy="3181084"/>
+          </a:xfrm>
+          <a:prstGeom prst="rect">
+            <a:avLst/>
+          </a:prstGeom>
+        </p:spPr>
+      </p:pic>
+      <p:sp>
+        <p:nvSpPr>
+          <p:cNvPr id="8" name="TextBox 7">
+            <a:extLst>
+              <a:ext uri="{FF2B5EF4-FFF2-40B4-BE49-F238E27FC236}">
+                <a16:creationId xmlns:a16="http://schemas.microsoft.com/office/drawing/2014/main" id="{0820D51E-C430-DE5C-8755-C28CD11FF755}"/>
+              </a:ext>
+            </a:extLst>
+          </p:cNvPr>
+          <p:cNvSpPr txBox="1"/>
+          <p:nvPr/>
+        </p:nvSpPr>
+        <p:spPr>
+          <a:xfrm>
+            <a:off x="11688203" y="6391186"/>
+            <a:ext cx="503797" cy="383458"/>
+          </a:xfrm>
+          <a:prstGeom prst="rect">
+            <a:avLst/>
+          </a:prstGeom>
+          <a:noFill/>
+        </p:spPr>
+        <p:txBody>
+          <a:bodyPr wrap="square" rtlCol="0">
+            <a:spAutoFit/>
+          </a:bodyPr>
+          <a:lstStyle/>
+          <a:p>
+            <a:r>
+              <a:rPr lang="es-MX" dirty="0"/>
+              <a:t>5</a:t>
+            </a:r>
+            <a:endParaRPr lang="en-US" dirty="0"/>
           </a:p>
         </p:txBody>
       </p:sp>
@@ -15604,7 +15298,7 @@
 </p:sld>
 </file>
 
-<file path=ppt/slides/slide9.xml><?xml version="1.0" encoding="utf-8"?>
+<file path=ppt/slides/slide7.xml><?xml version="1.0" encoding="utf-8"?>
 <p:sld xmlns:a="http://schemas.openxmlformats.org/drawingml/2006/main" xmlns:r="http://schemas.openxmlformats.org/officeDocument/2006/relationships" xmlns:p="http://schemas.openxmlformats.org/presentationml/2006/main">
   <p:cSld>
     <p:spTree>
@@ -15612,7 +15306,7 @@
         <p:cNvPr id="1" name="">
           <a:extLst>
             <a:ext uri="{FF2B5EF4-FFF2-40B4-BE49-F238E27FC236}">
-              <a16:creationId xmlns:a16="http://schemas.microsoft.com/office/drawing/2014/main" id="{1D4B8830-D78C-180E-3F41-7846258F1656}"/>
+              <a16:creationId xmlns:a16="http://schemas.microsoft.com/office/drawing/2014/main" id="{C513C9DF-7E79-37E8-2D3E-6409E7F42AFD}"/>
             </a:ext>
           </a:extLst>
         </p:cNvPr>
@@ -15632,7 +15326,7 @@
           <p:cNvPr id="4" name="Título 2">
             <a:extLst>
               <a:ext uri="{FF2B5EF4-FFF2-40B4-BE49-F238E27FC236}">
-                <a16:creationId xmlns:a16="http://schemas.microsoft.com/office/drawing/2014/main" id="{F8905016-0490-389B-187A-F35B76D6E9FA}"/>
+                <a16:creationId xmlns:a16="http://schemas.microsoft.com/office/drawing/2014/main" id="{5C50F0F2-14B3-C984-2778-FBA3D00E4738}"/>
               </a:ext>
             </a:extLst>
           </p:cNvPr>
@@ -15670,7 +15364,7 @@
                 <a:ea typeface="+mn-ea"/>
                 <a:cs typeface="Arial" panose="020B0604020202020204" pitchFamily="34" charset="0"/>
               </a:rPr>
-              <a:t>ESTANDARIZACIÓN</a:t>
+              <a:t>ARQUITECTURA DEL MODELO</a:t>
             </a:r>
             <a:endParaRPr lang="es-CU" sz="3200" b="1" dirty="0">
               <a:solidFill>
@@ -15688,7 +15382,7 @@
           <p:cNvPr id="17" name="Picture 16">
             <a:extLst>
               <a:ext uri="{FF2B5EF4-FFF2-40B4-BE49-F238E27FC236}">
-                <a16:creationId xmlns:a16="http://schemas.microsoft.com/office/drawing/2014/main" id="{AA53A714-1AC3-9259-8A1C-DF21251B8B58}"/>
+                <a16:creationId xmlns:a16="http://schemas.microsoft.com/office/drawing/2014/main" id="{7D5E027A-6BB1-259B-F176-084CB1174991}"/>
               </a:ext>
             </a:extLst>
           </p:cNvPr>
@@ -15718,7 +15412,7 @@
           <p:cNvPr id="3" name="TextBox 2">
             <a:extLst>
               <a:ext uri="{FF2B5EF4-FFF2-40B4-BE49-F238E27FC236}">
-                <a16:creationId xmlns:a16="http://schemas.microsoft.com/office/drawing/2014/main" id="{E8BE37DB-5578-2120-82E4-E530E6353E2C}"/>
+                <a16:creationId xmlns:a16="http://schemas.microsoft.com/office/drawing/2014/main" id="{BD9B8E34-ECA4-EA7F-D9C2-0B49717EB575}"/>
               </a:ext>
             </a:extLst>
           </p:cNvPr>
@@ -15727,8 +15421,662 @@
         </p:nvSpPr>
         <p:spPr>
           <a:xfrm>
-            <a:off x="490287" y="2094723"/>
-            <a:ext cx="10983958" cy="2793842"/>
+            <a:off x="488262" y="1632206"/>
+            <a:ext cx="11215476" cy="4195700"/>
+          </a:xfrm>
+          <a:prstGeom prst="rect">
+            <a:avLst/>
+          </a:prstGeom>
+          <a:noFill/>
+        </p:spPr>
+        <p:txBody>
+          <a:bodyPr wrap="square">
+            <a:spAutoFit/>
+          </a:bodyPr>
+          <a:lstStyle/>
+          <a:p>
+            <a:pPr algn="just">
+              <a:lnSpc>
+                <a:spcPct val="150000"/>
+              </a:lnSpc>
+            </a:pPr>
+            <a:r>
+              <a:rPr lang="es-ES" dirty="0">
+                <a:solidFill>
+                  <a:schemeClr val="tx2"/>
+                </a:solidFill>
+                <a:ea typeface="Calibri" panose="020F0502020204030204" pitchFamily="34" charset="0"/>
+                <a:cs typeface="Arial" panose="020B0604020202020204" pitchFamily="34" charset="0"/>
+              </a:rPr>
+              <a:t>Se diseñó un modelo de red neuronal profunda utilizando </a:t>
+            </a:r>
+            <a:r>
+              <a:rPr lang="es-ES" dirty="0" err="1">
+                <a:solidFill>
+                  <a:schemeClr val="tx2"/>
+                </a:solidFill>
+                <a:ea typeface="Calibri" panose="020F0502020204030204" pitchFamily="34" charset="0"/>
+                <a:cs typeface="Arial" panose="020B0604020202020204" pitchFamily="34" charset="0"/>
+              </a:rPr>
+              <a:t>Keras</a:t>
+            </a:r>
+            <a:r>
+              <a:rPr lang="es-ES" dirty="0">
+                <a:solidFill>
+                  <a:schemeClr val="tx2"/>
+                </a:solidFill>
+                <a:ea typeface="Calibri" panose="020F0502020204030204" pitchFamily="34" charset="0"/>
+                <a:cs typeface="Arial" panose="020B0604020202020204" pitchFamily="34" charset="0"/>
+              </a:rPr>
+              <a:t> y se usaron capas densas con la justificación de atacar una problemática con muchos atributos, con la siguiente </a:t>
+            </a:r>
+            <a:r>
+              <a:rPr lang="en-US" dirty="0" err="1">
+                <a:solidFill>
+                  <a:schemeClr val="tx2"/>
+                </a:solidFill>
+                <a:ea typeface="Calibri" panose="020F0502020204030204" pitchFamily="34" charset="0"/>
+                <a:cs typeface="Arial" panose="020B0604020202020204" pitchFamily="34" charset="0"/>
+              </a:rPr>
+              <a:t>arquitectura</a:t>
+            </a:r>
+            <a:r>
+              <a:rPr lang="en-US" dirty="0">
+                <a:solidFill>
+                  <a:schemeClr val="tx2"/>
+                </a:solidFill>
+                <a:ea typeface="Calibri" panose="020F0502020204030204" pitchFamily="34" charset="0"/>
+                <a:cs typeface="Arial" panose="020B0604020202020204" pitchFamily="34" charset="0"/>
+              </a:rPr>
+              <a:t>:</a:t>
+            </a:r>
+          </a:p>
+          <a:p>
+            <a:pPr marL="800100" lvl="2" indent="-342900" algn="just">
+              <a:lnSpc>
+                <a:spcPct val="150000"/>
+              </a:lnSpc>
+              <a:buFont typeface="Arial" panose="020B0604020202020204" pitchFamily="34" charset="0"/>
+              <a:buChar char="•"/>
+            </a:pPr>
+            <a:r>
+              <a:rPr lang="es-ES" dirty="0">
+                <a:solidFill>
+                  <a:schemeClr val="tx2"/>
+                </a:solidFill>
+                <a:ea typeface="Calibri" panose="020F0502020204030204" pitchFamily="34" charset="0"/>
+                <a:cs typeface="Arial" panose="020B0604020202020204" pitchFamily="34" charset="0"/>
+              </a:rPr>
+              <a:t>Una capa densa de 256 neuronas con función de activación </a:t>
+            </a:r>
+            <a:r>
+              <a:rPr lang="en-US" dirty="0" err="1">
+                <a:solidFill>
+                  <a:schemeClr val="tx2"/>
+                </a:solidFill>
+                <a:ea typeface="Calibri" panose="020F0502020204030204" pitchFamily="34" charset="0"/>
+                <a:cs typeface="Arial" panose="020B0604020202020204" pitchFamily="34" charset="0"/>
+              </a:rPr>
+              <a:t>ReLU</a:t>
+            </a:r>
+            <a:r>
+              <a:rPr lang="en-US" dirty="0">
+                <a:solidFill>
+                  <a:schemeClr val="tx2"/>
+                </a:solidFill>
+                <a:ea typeface="Calibri" panose="020F0502020204030204" pitchFamily="34" charset="0"/>
+                <a:cs typeface="Arial" panose="020B0604020202020204" pitchFamily="34" charset="0"/>
+              </a:rPr>
+              <a:t>, </a:t>
+            </a:r>
+            <a:r>
+              <a:rPr lang="en-US" dirty="0" err="1">
+                <a:solidFill>
+                  <a:schemeClr val="tx2"/>
+                </a:solidFill>
+                <a:ea typeface="Calibri" panose="020F0502020204030204" pitchFamily="34" charset="0"/>
+                <a:cs typeface="Arial" panose="020B0604020202020204" pitchFamily="34" charset="0"/>
+              </a:rPr>
+              <a:t>seguida</a:t>
+            </a:r>
+            <a:r>
+              <a:rPr lang="en-US" dirty="0">
+                <a:solidFill>
+                  <a:schemeClr val="tx2"/>
+                </a:solidFill>
+                <a:ea typeface="Calibri" panose="020F0502020204030204" pitchFamily="34" charset="0"/>
+                <a:cs typeface="Arial" panose="020B0604020202020204" pitchFamily="34" charset="0"/>
+              </a:rPr>
+              <a:t> de </a:t>
+            </a:r>
+            <a:r>
+              <a:rPr lang="en-US" dirty="0" err="1">
+                <a:solidFill>
+                  <a:schemeClr val="tx2"/>
+                </a:solidFill>
+                <a:ea typeface="Calibri" panose="020F0502020204030204" pitchFamily="34" charset="0"/>
+                <a:cs typeface="Arial" panose="020B0604020202020204" pitchFamily="34" charset="0"/>
+              </a:rPr>
+              <a:t>una</a:t>
+            </a:r>
+            <a:r>
+              <a:rPr lang="en-US" dirty="0">
+                <a:solidFill>
+                  <a:schemeClr val="tx2"/>
+                </a:solidFill>
+                <a:ea typeface="Calibri" panose="020F0502020204030204" pitchFamily="34" charset="0"/>
+                <a:cs typeface="Arial" panose="020B0604020202020204" pitchFamily="34" charset="0"/>
+              </a:rPr>
+              <a:t> </a:t>
+            </a:r>
+            <a:r>
+              <a:rPr lang="en-US" dirty="0" err="1">
+                <a:solidFill>
+                  <a:schemeClr val="tx2"/>
+                </a:solidFill>
+                <a:ea typeface="Calibri" panose="020F0502020204030204" pitchFamily="34" charset="0"/>
+                <a:cs typeface="Arial" panose="020B0604020202020204" pitchFamily="34" charset="0"/>
+              </a:rPr>
+              <a:t>capa</a:t>
+            </a:r>
+            <a:r>
+              <a:rPr lang="en-US" dirty="0">
+                <a:solidFill>
+                  <a:schemeClr val="tx2"/>
+                </a:solidFill>
+                <a:ea typeface="Calibri" panose="020F0502020204030204" pitchFamily="34" charset="0"/>
+                <a:cs typeface="Arial" panose="020B0604020202020204" pitchFamily="34" charset="0"/>
+              </a:rPr>
+              <a:t> de Dropout (0.3) para </a:t>
+            </a:r>
+            <a:r>
+              <a:rPr lang="en-US" dirty="0" err="1">
+                <a:solidFill>
+                  <a:schemeClr val="tx2"/>
+                </a:solidFill>
+                <a:ea typeface="Calibri" panose="020F0502020204030204" pitchFamily="34" charset="0"/>
+                <a:cs typeface="Arial" panose="020B0604020202020204" pitchFamily="34" charset="0"/>
+              </a:rPr>
+              <a:t>prevenir</a:t>
+            </a:r>
+            <a:r>
+              <a:rPr lang="en-US" dirty="0">
+                <a:solidFill>
+                  <a:schemeClr val="tx2"/>
+                </a:solidFill>
+                <a:ea typeface="Calibri" panose="020F0502020204030204" pitchFamily="34" charset="0"/>
+                <a:cs typeface="Arial" panose="020B0604020202020204" pitchFamily="34" charset="0"/>
+              </a:rPr>
+              <a:t> </a:t>
+            </a:r>
+            <a:r>
+              <a:rPr lang="en-US" dirty="0" err="1">
+                <a:solidFill>
+                  <a:schemeClr val="tx2"/>
+                </a:solidFill>
+                <a:ea typeface="Calibri" panose="020F0502020204030204" pitchFamily="34" charset="0"/>
+                <a:cs typeface="Arial" panose="020B0604020202020204" pitchFamily="34" charset="0"/>
+              </a:rPr>
+              <a:t>el</a:t>
+            </a:r>
+            <a:r>
+              <a:rPr lang="en-US" dirty="0">
+                <a:solidFill>
+                  <a:schemeClr val="tx2"/>
+                </a:solidFill>
+                <a:ea typeface="Calibri" panose="020F0502020204030204" pitchFamily="34" charset="0"/>
+                <a:cs typeface="Arial" panose="020B0604020202020204" pitchFamily="34" charset="0"/>
+              </a:rPr>
+              <a:t> </a:t>
+            </a:r>
+            <a:r>
+              <a:rPr lang="en-US" dirty="0" err="1">
+                <a:solidFill>
+                  <a:schemeClr val="tx2"/>
+                </a:solidFill>
+                <a:ea typeface="Calibri" panose="020F0502020204030204" pitchFamily="34" charset="0"/>
+                <a:cs typeface="Arial" panose="020B0604020202020204" pitchFamily="34" charset="0"/>
+              </a:rPr>
+              <a:t>sobreajuste</a:t>
+            </a:r>
+            <a:r>
+              <a:rPr lang="en-US" dirty="0">
+                <a:solidFill>
+                  <a:schemeClr val="tx2"/>
+                </a:solidFill>
+                <a:ea typeface="Calibri" panose="020F0502020204030204" pitchFamily="34" charset="0"/>
+                <a:cs typeface="Arial" panose="020B0604020202020204" pitchFamily="34" charset="0"/>
+              </a:rPr>
+              <a:t>.</a:t>
+            </a:r>
+          </a:p>
+          <a:p>
+            <a:pPr marL="800100" lvl="2" indent="-342900" algn="just">
+              <a:lnSpc>
+                <a:spcPct val="150000"/>
+              </a:lnSpc>
+              <a:buFont typeface="Arial" panose="020B0604020202020204" pitchFamily="34" charset="0"/>
+              <a:buChar char="•"/>
+            </a:pPr>
+            <a:r>
+              <a:rPr lang="es-ES" dirty="0">
+                <a:solidFill>
+                  <a:schemeClr val="tx2"/>
+                </a:solidFill>
+                <a:ea typeface="Calibri" panose="020F0502020204030204" pitchFamily="34" charset="0"/>
+                <a:cs typeface="Arial" panose="020B0604020202020204" pitchFamily="34" charset="0"/>
+              </a:rPr>
+              <a:t>Una segunda capa densa de 128 neuronas con </a:t>
+            </a:r>
+            <a:r>
+              <a:rPr lang="es-ES" dirty="0" err="1">
+                <a:solidFill>
+                  <a:schemeClr val="tx2"/>
+                </a:solidFill>
+                <a:ea typeface="Calibri" panose="020F0502020204030204" pitchFamily="34" charset="0"/>
+                <a:cs typeface="Arial" panose="020B0604020202020204" pitchFamily="34" charset="0"/>
+              </a:rPr>
+              <a:t>ReLU</a:t>
+            </a:r>
+            <a:r>
+              <a:rPr lang="es-ES" dirty="0">
+                <a:solidFill>
+                  <a:schemeClr val="tx2"/>
+                </a:solidFill>
+                <a:ea typeface="Calibri" panose="020F0502020204030204" pitchFamily="34" charset="0"/>
+                <a:cs typeface="Arial" panose="020B0604020202020204" pitchFamily="34" charset="0"/>
+              </a:rPr>
+              <a:t>, </a:t>
+            </a:r>
+            <a:r>
+              <a:rPr lang="en-US" dirty="0" err="1">
+                <a:solidFill>
+                  <a:schemeClr val="tx2"/>
+                </a:solidFill>
+                <a:ea typeface="Calibri" panose="020F0502020204030204" pitchFamily="34" charset="0"/>
+                <a:cs typeface="Arial" panose="020B0604020202020204" pitchFamily="34" charset="0"/>
+              </a:rPr>
+              <a:t>seguida</a:t>
+            </a:r>
+            <a:r>
+              <a:rPr lang="en-US" dirty="0">
+                <a:solidFill>
+                  <a:schemeClr val="tx2"/>
+                </a:solidFill>
+                <a:ea typeface="Calibri" panose="020F0502020204030204" pitchFamily="34" charset="0"/>
+                <a:cs typeface="Arial" panose="020B0604020202020204" pitchFamily="34" charset="0"/>
+              </a:rPr>
+              <a:t> de </a:t>
+            </a:r>
+            <a:r>
+              <a:rPr lang="en-US" dirty="0" err="1">
+                <a:solidFill>
+                  <a:schemeClr val="tx2"/>
+                </a:solidFill>
+                <a:ea typeface="Calibri" panose="020F0502020204030204" pitchFamily="34" charset="0"/>
+                <a:cs typeface="Arial" panose="020B0604020202020204" pitchFamily="34" charset="0"/>
+              </a:rPr>
+              <a:t>una</a:t>
+            </a:r>
+            <a:r>
+              <a:rPr lang="en-US" dirty="0">
+                <a:solidFill>
+                  <a:schemeClr val="tx2"/>
+                </a:solidFill>
+                <a:ea typeface="Calibri" panose="020F0502020204030204" pitchFamily="34" charset="0"/>
+                <a:cs typeface="Arial" panose="020B0604020202020204" pitchFamily="34" charset="0"/>
+              </a:rPr>
+              <a:t> </a:t>
+            </a:r>
+            <a:r>
+              <a:rPr lang="en-US" dirty="0" err="1">
+                <a:solidFill>
+                  <a:schemeClr val="tx2"/>
+                </a:solidFill>
+                <a:ea typeface="Calibri" panose="020F0502020204030204" pitchFamily="34" charset="0"/>
+                <a:cs typeface="Arial" panose="020B0604020202020204" pitchFamily="34" charset="0"/>
+              </a:rPr>
+              <a:t>capa</a:t>
+            </a:r>
+            <a:r>
+              <a:rPr lang="en-US" dirty="0">
+                <a:solidFill>
+                  <a:schemeClr val="tx2"/>
+                </a:solidFill>
+                <a:ea typeface="Calibri" panose="020F0502020204030204" pitchFamily="34" charset="0"/>
+                <a:cs typeface="Arial" panose="020B0604020202020204" pitchFamily="34" charset="0"/>
+              </a:rPr>
+              <a:t> de Dropout (0.3).</a:t>
+            </a:r>
+          </a:p>
+          <a:p>
+            <a:pPr marL="800100" lvl="2" indent="-342900" algn="just">
+              <a:lnSpc>
+                <a:spcPct val="150000"/>
+              </a:lnSpc>
+              <a:buFont typeface="Arial" panose="020B0604020202020204" pitchFamily="34" charset="0"/>
+              <a:buChar char="•"/>
+            </a:pPr>
+            <a:r>
+              <a:rPr lang="es-ES" dirty="0">
+                <a:solidFill>
+                  <a:schemeClr val="tx2"/>
+                </a:solidFill>
+                <a:ea typeface="Calibri" panose="020F0502020204030204" pitchFamily="34" charset="0"/>
+                <a:cs typeface="Arial" panose="020B0604020202020204" pitchFamily="34" charset="0"/>
+              </a:rPr>
+              <a:t>Capas adicionales de 64, 32 y 16 neuronas con </a:t>
+            </a:r>
+            <a:r>
+              <a:rPr lang="es-ES" dirty="0" err="1">
+                <a:solidFill>
+                  <a:schemeClr val="tx2"/>
+                </a:solidFill>
+                <a:ea typeface="Calibri" panose="020F0502020204030204" pitchFamily="34" charset="0"/>
+                <a:cs typeface="Arial" panose="020B0604020202020204" pitchFamily="34" charset="0"/>
+              </a:rPr>
+              <a:t>ReLU</a:t>
+            </a:r>
+            <a:r>
+              <a:rPr lang="es-ES" dirty="0">
+                <a:solidFill>
+                  <a:schemeClr val="tx2"/>
+                </a:solidFill>
+                <a:ea typeface="Calibri" panose="020F0502020204030204" pitchFamily="34" charset="0"/>
+                <a:cs typeface="Arial" panose="020B0604020202020204" pitchFamily="34" charset="0"/>
+              </a:rPr>
+              <a:t> </a:t>
+            </a:r>
+            <a:r>
+              <a:rPr lang="en-US" dirty="0">
+                <a:solidFill>
+                  <a:schemeClr val="tx2"/>
+                </a:solidFill>
+                <a:ea typeface="Calibri" panose="020F0502020204030204" pitchFamily="34" charset="0"/>
+                <a:cs typeface="Arial" panose="020B0604020202020204" pitchFamily="34" charset="0"/>
+              </a:rPr>
+              <a:t>para </a:t>
+            </a:r>
+            <a:r>
+              <a:rPr lang="en-US" dirty="0" err="1">
+                <a:solidFill>
+                  <a:schemeClr val="tx2"/>
+                </a:solidFill>
+                <a:ea typeface="Calibri" panose="020F0502020204030204" pitchFamily="34" charset="0"/>
+                <a:cs typeface="Arial" panose="020B0604020202020204" pitchFamily="34" charset="0"/>
+              </a:rPr>
+              <a:t>capturar</a:t>
+            </a:r>
+            <a:r>
+              <a:rPr lang="en-US" dirty="0">
+                <a:solidFill>
+                  <a:schemeClr val="tx2"/>
+                </a:solidFill>
+                <a:ea typeface="Calibri" panose="020F0502020204030204" pitchFamily="34" charset="0"/>
+                <a:cs typeface="Arial" panose="020B0604020202020204" pitchFamily="34" charset="0"/>
+              </a:rPr>
+              <a:t> </a:t>
+            </a:r>
+            <a:r>
+              <a:rPr lang="en-US" dirty="0" err="1">
+                <a:solidFill>
+                  <a:schemeClr val="tx2"/>
+                </a:solidFill>
+                <a:ea typeface="Calibri" panose="020F0502020204030204" pitchFamily="34" charset="0"/>
+                <a:cs typeface="Arial" panose="020B0604020202020204" pitchFamily="34" charset="0"/>
+              </a:rPr>
+              <a:t>características</a:t>
+            </a:r>
+            <a:r>
+              <a:rPr lang="en-US" dirty="0">
+                <a:solidFill>
+                  <a:schemeClr val="tx2"/>
+                </a:solidFill>
+                <a:ea typeface="Calibri" panose="020F0502020204030204" pitchFamily="34" charset="0"/>
+                <a:cs typeface="Arial" panose="020B0604020202020204" pitchFamily="34" charset="0"/>
+              </a:rPr>
+              <a:t> </a:t>
+            </a:r>
+            <a:r>
+              <a:rPr lang="en-US" dirty="0" err="1">
+                <a:solidFill>
+                  <a:schemeClr val="tx2"/>
+                </a:solidFill>
+                <a:ea typeface="Calibri" panose="020F0502020204030204" pitchFamily="34" charset="0"/>
+                <a:cs typeface="Arial" panose="020B0604020202020204" pitchFamily="34" charset="0"/>
+              </a:rPr>
+              <a:t>complejas</a:t>
+            </a:r>
+            <a:r>
+              <a:rPr lang="en-US" dirty="0">
+                <a:solidFill>
+                  <a:schemeClr val="tx2"/>
+                </a:solidFill>
+                <a:ea typeface="Calibri" panose="020F0502020204030204" pitchFamily="34" charset="0"/>
+                <a:cs typeface="Arial" panose="020B0604020202020204" pitchFamily="34" charset="0"/>
+              </a:rPr>
+              <a:t>.</a:t>
+            </a:r>
+          </a:p>
+          <a:p>
+            <a:pPr marL="800100" lvl="2" indent="-342900" algn="just">
+              <a:lnSpc>
+                <a:spcPct val="150000"/>
+              </a:lnSpc>
+              <a:buFont typeface="Arial" panose="020B0604020202020204" pitchFamily="34" charset="0"/>
+              <a:buChar char="•"/>
+            </a:pPr>
+            <a:r>
+              <a:rPr lang="es-ES" dirty="0">
+                <a:solidFill>
+                  <a:schemeClr val="tx2"/>
+                </a:solidFill>
+                <a:ea typeface="Calibri" panose="020F0502020204030204" pitchFamily="34" charset="0"/>
+                <a:cs typeface="Arial" panose="020B0604020202020204" pitchFamily="34" charset="0"/>
+              </a:rPr>
+              <a:t>Una capa de salida de 1 neurona sin función de activación, adecuada para un problema de regresión.</a:t>
+            </a:r>
+          </a:p>
+          <a:p>
+            <a:pPr algn="just">
+              <a:lnSpc>
+                <a:spcPct val="150000"/>
+              </a:lnSpc>
+            </a:pPr>
+            <a:r>
+              <a:rPr lang="es-ES" dirty="0">
+                <a:solidFill>
+                  <a:schemeClr val="tx2"/>
+                </a:solidFill>
+                <a:ea typeface="Calibri" panose="020F0502020204030204" pitchFamily="34" charset="0"/>
+                <a:cs typeface="Arial" panose="020B0604020202020204" pitchFamily="34" charset="0"/>
+              </a:rPr>
+              <a:t>El modelo fue compilado con el optimizador Adam y una tasa de aprendizaje inicial de 0.001, utilizando el error cuadrático medio (MSE) como función de pérdida y el error absoluto medio (MAE) como métrica de evaluación.</a:t>
+            </a:r>
+            <a:endParaRPr lang="en-US" dirty="0">
+              <a:solidFill>
+                <a:schemeClr val="tx2"/>
+              </a:solidFill>
+              <a:ea typeface="Calibri" panose="020F0502020204030204" pitchFamily="34" charset="0"/>
+              <a:cs typeface="Arial" panose="020B0604020202020204" pitchFamily="34" charset="0"/>
+            </a:endParaRPr>
+          </a:p>
+        </p:txBody>
+      </p:sp>
+      <p:sp>
+        <p:nvSpPr>
+          <p:cNvPr id="2" name="TextBox 1">
+            <a:extLst>
+              <a:ext uri="{FF2B5EF4-FFF2-40B4-BE49-F238E27FC236}">
+                <a16:creationId xmlns:a16="http://schemas.microsoft.com/office/drawing/2014/main" id="{6EB45C3E-93E3-BD65-0BC8-43563E6F402E}"/>
+              </a:ext>
+            </a:extLst>
+          </p:cNvPr>
+          <p:cNvSpPr txBox="1"/>
+          <p:nvPr/>
+        </p:nvSpPr>
+        <p:spPr>
+          <a:xfrm>
+            <a:off x="11688203" y="6391186"/>
+            <a:ext cx="503797" cy="383458"/>
+          </a:xfrm>
+          <a:prstGeom prst="rect">
+            <a:avLst/>
+          </a:prstGeom>
+          <a:noFill/>
+        </p:spPr>
+        <p:txBody>
+          <a:bodyPr wrap="square" rtlCol="0">
+            <a:spAutoFit/>
+          </a:bodyPr>
+          <a:lstStyle/>
+          <a:p>
+            <a:r>
+              <a:rPr lang="es-MX" dirty="0"/>
+              <a:t>6</a:t>
+            </a:r>
+            <a:endParaRPr lang="en-US" dirty="0"/>
+          </a:p>
+        </p:txBody>
+      </p:sp>
+    </p:spTree>
+    <p:extLst>
+      <p:ext uri="{BB962C8B-B14F-4D97-AF65-F5344CB8AC3E}">
+        <p14:creationId xmlns:p14="http://schemas.microsoft.com/office/powerpoint/2010/main" val="2958810132"/>
+      </p:ext>
+    </p:extLst>
+  </p:cSld>
+  <p:clrMapOvr>
+    <a:masterClrMapping/>
+  </p:clrMapOvr>
+</p:sld>
+</file>
+
+<file path=ppt/slides/slide8.xml><?xml version="1.0" encoding="utf-8"?>
+<p:sld xmlns:a="http://schemas.openxmlformats.org/drawingml/2006/main" xmlns:r="http://schemas.openxmlformats.org/officeDocument/2006/relationships" xmlns:p="http://schemas.openxmlformats.org/presentationml/2006/main">
+  <p:cSld>
+    <p:spTree>
+      <p:nvGrpSpPr>
+        <p:cNvPr id="1" name="">
+          <a:extLst>
+            <a:ext uri="{FF2B5EF4-FFF2-40B4-BE49-F238E27FC236}">
+              <a16:creationId xmlns:a16="http://schemas.microsoft.com/office/drawing/2014/main" id="{265C4DE1-14D2-AA7E-DCB7-72703577FBC2}"/>
+            </a:ext>
+          </a:extLst>
+        </p:cNvPr>
+        <p:cNvGrpSpPr/>
+        <p:nvPr/>
+      </p:nvGrpSpPr>
+      <p:grpSpPr>
+        <a:xfrm>
+          <a:off x="0" y="0"/>
+          <a:ext cx="0" cy="0"/>
+          <a:chOff x="0" y="0"/>
+          <a:chExt cx="0" cy="0"/>
+        </a:xfrm>
+      </p:grpSpPr>
+      <p:sp>
+        <p:nvSpPr>
+          <p:cNvPr id="4" name="Título 2">
+            <a:extLst>
+              <a:ext uri="{FF2B5EF4-FFF2-40B4-BE49-F238E27FC236}">
+                <a16:creationId xmlns:a16="http://schemas.microsoft.com/office/drawing/2014/main" id="{83F8405D-5C80-4E9D-33FE-3A2CE9601A14}"/>
+              </a:ext>
+            </a:extLst>
+          </p:cNvPr>
+          <p:cNvSpPr>
+            <a:spLocks noGrp="1"/>
+          </p:cNvSpPr>
+          <p:nvPr>
+            <p:ph type="title"/>
+          </p:nvPr>
+        </p:nvSpPr>
+        <p:spPr>
+          <a:xfrm>
+            <a:off x="633793" y="428574"/>
+            <a:ext cx="8746181" cy="825046"/>
+          </a:xfrm>
+        </p:spPr>
+        <p:txBody>
+          <a:bodyPr/>
+          <a:lstStyle/>
+          <a:p>
+            <a:pPr>
+              <a:spcBef>
+                <a:spcPts val="1000"/>
+              </a:spcBef>
+              <a:buClr>
+                <a:schemeClr val="tx2"/>
+              </a:buClr>
+            </a:pPr>
+            <a:r>
+              <a:rPr lang="es-MX" sz="3200" b="1" dirty="0">
+                <a:solidFill>
+                  <a:srgbClr val="000066"/>
+                </a:solidFill>
+                <a:latin typeface="Arial" panose="020B0604020202020204" pitchFamily="34" charset="0"/>
+                <a:ea typeface="+mn-ea"/>
+                <a:cs typeface="Arial" panose="020B0604020202020204" pitchFamily="34" charset="0"/>
+              </a:rPr>
+              <a:t>ENTRENAMIENTO</a:t>
+            </a:r>
+            <a:endParaRPr lang="es-CU" sz="3200" b="1" dirty="0">
+              <a:solidFill>
+                <a:srgbClr val="000066"/>
+              </a:solidFill>
+              <a:latin typeface="Arial" panose="020B0604020202020204" pitchFamily="34" charset="0"/>
+              <a:ea typeface="+mn-ea"/>
+              <a:cs typeface="Arial" panose="020B0604020202020204" pitchFamily="34" charset="0"/>
+            </a:endParaRPr>
+          </a:p>
+        </p:txBody>
+      </p:sp>
+      <p:pic>
+        <p:nvPicPr>
+          <p:cNvPr id="17" name="Picture 16">
+            <a:extLst>
+              <a:ext uri="{FF2B5EF4-FFF2-40B4-BE49-F238E27FC236}">
+                <a16:creationId xmlns:a16="http://schemas.microsoft.com/office/drawing/2014/main" id="{CE0E8D05-9A76-0C56-0A08-68CB24D00181}"/>
+              </a:ext>
+            </a:extLst>
+          </p:cNvPr>
+          <p:cNvPicPr>
+            <a:picLocks noChangeAspect="1"/>
+          </p:cNvPicPr>
+          <p:nvPr/>
+        </p:nvPicPr>
+        <p:blipFill>
+          <a:blip r:embed="rId3"/>
+          <a:stretch>
+            <a:fillRect/>
+          </a:stretch>
+        </p:blipFill>
+        <p:spPr>
+          <a:xfrm>
+            <a:off x="10942385" y="0"/>
+            <a:ext cx="1249615" cy="1499463"/>
+          </a:xfrm>
+          <a:prstGeom prst="rect">
+            <a:avLst/>
+          </a:prstGeom>
+        </p:spPr>
+      </p:pic>
+      <p:sp>
+        <p:nvSpPr>
+          <p:cNvPr id="5" name="TextBox 4">
+            <a:extLst>
+              <a:ext uri="{FF2B5EF4-FFF2-40B4-BE49-F238E27FC236}">
+                <a16:creationId xmlns:a16="http://schemas.microsoft.com/office/drawing/2014/main" id="{F68D8A3B-B702-41EA-C954-B6D0AA26853E}"/>
+              </a:ext>
+            </a:extLst>
+          </p:cNvPr>
+          <p:cNvSpPr txBox="1"/>
+          <p:nvPr/>
+        </p:nvSpPr>
+        <p:spPr>
+          <a:xfrm>
+            <a:off x="496723" y="1691236"/>
+            <a:ext cx="5595676" cy="4189993"/>
           </a:xfrm>
           <a:prstGeom prst="rect">
             <a:avLst/>
@@ -15749,94 +16097,54 @@
               <a:buChar char="•"/>
             </a:pPr>
             <a:r>
-              <a:rPr lang="es-ES" sz="2400" dirty="0">
-                <a:solidFill>
-                  <a:schemeClr val="tx2"/>
-                </a:solidFill>
-                <a:ea typeface="Calibri" panose="020F0502020204030204" pitchFamily="34" charset="0"/>
-                <a:cs typeface="Arial" panose="020B0604020202020204" pitchFamily="34" charset="0"/>
-              </a:rPr>
-              <a:t>Se obtuvo que los datos estaban </a:t>
-            </a:r>
-            <a:r>
-              <a:rPr lang="en-US" sz="2400" dirty="0" err="1">
-                <a:solidFill>
-                  <a:schemeClr val="tx2"/>
-                </a:solidFill>
-                <a:ea typeface="Calibri" panose="020F0502020204030204" pitchFamily="34" charset="0"/>
-                <a:cs typeface="Arial" panose="020B0604020202020204" pitchFamily="34" charset="0"/>
-              </a:rPr>
-              <a:t>desbalanceados</a:t>
-            </a:r>
-            <a:r>
-              <a:rPr lang="en-US" sz="2400" dirty="0">
-                <a:solidFill>
-                  <a:schemeClr val="tx2"/>
-                </a:solidFill>
-                <a:ea typeface="Calibri" panose="020F0502020204030204" pitchFamily="34" charset="0"/>
-                <a:cs typeface="Arial" panose="020B0604020202020204" pitchFamily="34" charset="0"/>
-              </a:rPr>
-              <a:t> </a:t>
-            </a:r>
-            <a:r>
-              <a:rPr lang="en-US" sz="2400" dirty="0" err="1">
-                <a:solidFill>
-                  <a:schemeClr val="tx2"/>
-                </a:solidFill>
-                <a:ea typeface="Calibri" panose="020F0502020204030204" pitchFamily="34" charset="0"/>
-                <a:cs typeface="Arial" panose="020B0604020202020204" pitchFamily="34" charset="0"/>
-              </a:rPr>
-              <a:t>hacia</a:t>
-            </a:r>
-            <a:r>
-              <a:rPr lang="en-US" sz="2400" dirty="0">
-                <a:solidFill>
-                  <a:schemeClr val="tx2"/>
-                </a:solidFill>
-                <a:ea typeface="Calibri" panose="020F0502020204030204" pitchFamily="34" charset="0"/>
-                <a:cs typeface="Arial" panose="020B0604020202020204" pitchFamily="34" charset="0"/>
-              </a:rPr>
-              <a:t> </a:t>
-            </a:r>
-            <a:r>
-              <a:rPr lang="en-US" sz="2400" dirty="0" err="1">
-                <a:solidFill>
-                  <a:schemeClr val="tx2"/>
-                </a:solidFill>
-                <a:ea typeface="Calibri" panose="020F0502020204030204" pitchFamily="34" charset="0"/>
-                <a:cs typeface="Arial" panose="020B0604020202020204" pitchFamily="34" charset="0"/>
-              </a:rPr>
-              <a:t>temperaturas</a:t>
-            </a:r>
-            <a:r>
-              <a:rPr lang="en-US" sz="2400" dirty="0">
-                <a:solidFill>
-                  <a:schemeClr val="tx2"/>
-                </a:solidFill>
-                <a:ea typeface="Calibri" panose="020F0502020204030204" pitchFamily="34" charset="0"/>
-                <a:cs typeface="Arial" panose="020B0604020202020204" pitchFamily="34" charset="0"/>
-              </a:rPr>
-              <a:t> </a:t>
-            </a:r>
-            <a:r>
-              <a:rPr lang="en-US" sz="2400" dirty="0" err="1">
-                <a:solidFill>
-                  <a:schemeClr val="tx2"/>
-                </a:solidFill>
-                <a:ea typeface="Calibri" panose="020F0502020204030204" pitchFamily="34" charset="0"/>
-                <a:cs typeface="Arial" panose="020B0604020202020204" pitchFamily="34" charset="0"/>
-              </a:rPr>
-              <a:t>cercanas</a:t>
-            </a:r>
-            <a:r>
-              <a:rPr lang="en-US" sz="2400" dirty="0">
-                <a:solidFill>
-                  <a:schemeClr val="tx2"/>
-                </a:solidFill>
-                <a:ea typeface="Calibri" panose="020F0502020204030204" pitchFamily="34" charset="0"/>
-                <a:cs typeface="Arial" panose="020B0604020202020204" pitchFamily="34" charset="0"/>
-              </a:rPr>
-              <a:t> al 0 absolute.</a:t>
+              <a:rPr lang="es-ES" sz="2000" dirty="0">
+                <a:solidFill>
+                  <a:schemeClr val="tx2"/>
+                </a:solidFill>
+                <a:ea typeface="Calibri" panose="020F0502020204030204" pitchFamily="34" charset="0"/>
+                <a:cs typeface="Arial" panose="020B0604020202020204" pitchFamily="34" charset="0"/>
+              </a:rPr>
+              <a:t>Se entrenó el modelo durante 25 épocas con un tamaño de </a:t>
+            </a:r>
+            <a:r>
+              <a:rPr lang="en-US" sz="2000" dirty="0" err="1">
+                <a:solidFill>
+                  <a:schemeClr val="tx2"/>
+                </a:solidFill>
+                <a:ea typeface="Calibri" panose="020F0502020204030204" pitchFamily="34" charset="0"/>
+                <a:cs typeface="Arial" panose="020B0604020202020204" pitchFamily="34" charset="0"/>
+              </a:rPr>
+              <a:t>lote</a:t>
+            </a:r>
+            <a:r>
+              <a:rPr lang="en-US" sz="2000" dirty="0">
+                <a:solidFill>
+                  <a:schemeClr val="tx2"/>
+                </a:solidFill>
+                <a:ea typeface="Calibri" panose="020F0502020204030204" pitchFamily="34" charset="0"/>
+                <a:cs typeface="Arial" panose="020B0604020202020204" pitchFamily="34" charset="0"/>
+              </a:rPr>
+              <a:t> de 32 </a:t>
+            </a:r>
+            <a:r>
+              <a:rPr lang="en-US" sz="2000" dirty="0" err="1">
+                <a:solidFill>
+                  <a:schemeClr val="tx2"/>
+                </a:solidFill>
+                <a:ea typeface="Calibri" panose="020F0502020204030204" pitchFamily="34" charset="0"/>
+                <a:cs typeface="Arial" panose="020B0604020202020204" pitchFamily="34" charset="0"/>
+              </a:rPr>
+              <a:t>muestras</a:t>
+            </a:r>
+            <a:r>
+              <a:rPr lang="en-US" sz="2000" dirty="0">
+                <a:solidFill>
+                  <a:schemeClr val="tx2"/>
+                </a:solidFill>
+                <a:ea typeface="Calibri" panose="020F0502020204030204" pitchFamily="34" charset="0"/>
+                <a:cs typeface="Arial" panose="020B0604020202020204" pitchFamily="34" charset="0"/>
+              </a:rPr>
+              <a:t>. </a:t>
             </a:r>
           </a:p>
           <a:p>
@@ -15848,29 +16156,747 @@
               <a:buChar char="•"/>
             </a:pPr>
             <a:r>
-              <a:rPr lang="es-ES" sz="2400" dirty="0">
-                <a:solidFill>
-                  <a:schemeClr val="tx2"/>
-                </a:solidFill>
-                <a:ea typeface="Calibri" panose="020F0502020204030204" pitchFamily="34" charset="0"/>
-                <a:cs typeface="Arial" panose="020B0604020202020204" pitchFamily="34" charset="0"/>
-              </a:rPr>
-              <a:t>Se hizo una transformación z-score para de modo que todos los atributos contribuyan de manera equitativa al entrenamiento del modelo, evitando que los atributos con mayores magnitudes dominen el proceso.</a:t>
-            </a:r>
-            <a:endParaRPr lang="en-US" sz="2400" dirty="0">
-              <a:solidFill>
-                <a:schemeClr val="tx2"/>
-              </a:solidFill>
-              <a:ea typeface="Calibri" panose="020F0502020204030204" pitchFamily="34" charset="0"/>
-              <a:cs typeface="Arial" panose="020B0604020202020204" pitchFamily="34" charset="0"/>
-            </a:endParaRPr>
+              <a:rPr lang="en-US" sz="2000" dirty="0">
+                <a:solidFill>
+                  <a:schemeClr val="tx2"/>
+                </a:solidFill>
+                <a:ea typeface="Calibri" panose="020F0502020204030204" pitchFamily="34" charset="0"/>
+                <a:cs typeface="Arial" panose="020B0604020202020204" pitchFamily="34" charset="0"/>
+              </a:rPr>
+              <a:t>Se </a:t>
+            </a:r>
+            <a:r>
+              <a:rPr lang="en-US" sz="2000" dirty="0" err="1">
+                <a:solidFill>
+                  <a:schemeClr val="tx2"/>
+                </a:solidFill>
+                <a:ea typeface="Calibri" panose="020F0502020204030204" pitchFamily="34" charset="0"/>
+                <a:cs typeface="Arial" panose="020B0604020202020204" pitchFamily="34" charset="0"/>
+              </a:rPr>
+              <a:t>implementó</a:t>
+            </a:r>
+            <a:r>
+              <a:rPr lang="en-US" sz="2000" dirty="0">
+                <a:solidFill>
+                  <a:schemeClr val="tx2"/>
+                </a:solidFill>
+                <a:ea typeface="Calibri" panose="020F0502020204030204" pitchFamily="34" charset="0"/>
+                <a:cs typeface="Arial" panose="020B0604020202020204" pitchFamily="34" charset="0"/>
+              </a:rPr>
+              <a:t> un </a:t>
+            </a:r>
+            <a:r>
+              <a:rPr lang="en-US" sz="2000" dirty="0" err="1">
+                <a:solidFill>
+                  <a:schemeClr val="tx2"/>
+                </a:solidFill>
+                <a:ea typeface="Calibri" panose="020F0502020204030204" pitchFamily="34" charset="0"/>
+                <a:cs typeface="Arial" panose="020B0604020202020204" pitchFamily="34" charset="0"/>
+              </a:rPr>
+              <a:t>programador</a:t>
+            </a:r>
+            <a:r>
+              <a:rPr lang="en-US" sz="2000" dirty="0">
+                <a:solidFill>
+                  <a:schemeClr val="tx2"/>
+                </a:solidFill>
+                <a:ea typeface="Calibri" panose="020F0502020204030204" pitchFamily="34" charset="0"/>
+                <a:cs typeface="Arial" panose="020B0604020202020204" pitchFamily="34" charset="0"/>
+              </a:rPr>
+              <a:t> de </a:t>
+            </a:r>
+            <a:r>
+              <a:rPr lang="en-US" sz="2000" dirty="0" err="1">
+                <a:solidFill>
+                  <a:schemeClr val="tx2"/>
+                </a:solidFill>
+                <a:ea typeface="Calibri" panose="020F0502020204030204" pitchFamily="34" charset="0"/>
+                <a:cs typeface="Arial" panose="020B0604020202020204" pitchFamily="34" charset="0"/>
+              </a:rPr>
+              <a:t>tasa</a:t>
+            </a:r>
+            <a:r>
+              <a:rPr lang="en-US" sz="2000" dirty="0">
+                <a:solidFill>
+                  <a:schemeClr val="tx2"/>
+                </a:solidFill>
+                <a:ea typeface="Calibri" panose="020F0502020204030204" pitchFamily="34" charset="0"/>
+                <a:cs typeface="Arial" panose="020B0604020202020204" pitchFamily="34" charset="0"/>
+              </a:rPr>
+              <a:t> </a:t>
+            </a:r>
+            <a:r>
+              <a:rPr lang="es-ES" sz="2000" dirty="0">
+                <a:solidFill>
+                  <a:schemeClr val="tx2"/>
+                </a:solidFill>
+                <a:ea typeface="Calibri" panose="020F0502020204030204" pitchFamily="34" charset="0"/>
+                <a:cs typeface="Arial" panose="020B0604020202020204" pitchFamily="34" charset="0"/>
+              </a:rPr>
+              <a:t>de aprendizaje que redujo la tasa a la mitad cada 10 épocas </a:t>
+            </a:r>
+            <a:r>
+              <a:rPr lang="en-US" sz="2000" dirty="0">
+                <a:solidFill>
+                  <a:schemeClr val="tx2"/>
+                </a:solidFill>
+                <a:ea typeface="Calibri" panose="020F0502020204030204" pitchFamily="34" charset="0"/>
+                <a:cs typeface="Arial" panose="020B0604020202020204" pitchFamily="34" charset="0"/>
+              </a:rPr>
+              <a:t>para </a:t>
+            </a:r>
+            <a:r>
+              <a:rPr lang="en-US" sz="2000" dirty="0" err="1">
+                <a:solidFill>
+                  <a:schemeClr val="tx2"/>
+                </a:solidFill>
+                <a:ea typeface="Calibri" panose="020F0502020204030204" pitchFamily="34" charset="0"/>
+                <a:cs typeface="Arial" panose="020B0604020202020204" pitchFamily="34" charset="0"/>
+              </a:rPr>
+              <a:t>optimizar</a:t>
+            </a:r>
+            <a:r>
+              <a:rPr lang="en-US" sz="2000" dirty="0">
+                <a:solidFill>
+                  <a:schemeClr val="tx2"/>
+                </a:solidFill>
+                <a:ea typeface="Calibri" panose="020F0502020204030204" pitchFamily="34" charset="0"/>
+                <a:cs typeface="Arial" panose="020B0604020202020204" pitchFamily="34" charset="0"/>
+              </a:rPr>
+              <a:t> la </a:t>
+            </a:r>
+            <a:r>
+              <a:rPr lang="en-US" sz="2000" dirty="0" err="1">
+                <a:solidFill>
+                  <a:schemeClr val="tx2"/>
+                </a:solidFill>
+                <a:ea typeface="Calibri" panose="020F0502020204030204" pitchFamily="34" charset="0"/>
+                <a:cs typeface="Arial" panose="020B0604020202020204" pitchFamily="34" charset="0"/>
+              </a:rPr>
+              <a:t>convergencia</a:t>
+            </a:r>
+            <a:r>
+              <a:rPr lang="en-US" sz="2000" dirty="0">
+                <a:solidFill>
+                  <a:schemeClr val="tx2"/>
+                </a:solidFill>
+                <a:ea typeface="Calibri" panose="020F0502020204030204" pitchFamily="34" charset="0"/>
+                <a:cs typeface="Arial" panose="020B0604020202020204" pitchFamily="34" charset="0"/>
+              </a:rPr>
+              <a:t>. </a:t>
+            </a:r>
+          </a:p>
+          <a:p>
+            <a:pPr marL="342900" indent="-342900" algn="just">
+              <a:lnSpc>
+                <a:spcPct val="150000"/>
+              </a:lnSpc>
+              <a:buFont typeface="Arial" panose="020B0604020202020204" pitchFamily="34" charset="0"/>
+              <a:buChar char="•"/>
+            </a:pPr>
+            <a:r>
+              <a:rPr lang="en-US" sz="2000" dirty="0">
+                <a:solidFill>
+                  <a:schemeClr val="tx2"/>
+                </a:solidFill>
+                <a:ea typeface="Calibri" panose="020F0502020204030204" pitchFamily="34" charset="0"/>
+                <a:cs typeface="Arial" panose="020B0604020202020204" pitchFamily="34" charset="0"/>
+              </a:rPr>
+              <a:t>Se </a:t>
+            </a:r>
+            <a:r>
+              <a:rPr lang="en-US" sz="2000" dirty="0" err="1">
+                <a:solidFill>
+                  <a:schemeClr val="tx2"/>
+                </a:solidFill>
+                <a:ea typeface="Calibri" panose="020F0502020204030204" pitchFamily="34" charset="0"/>
+                <a:cs typeface="Arial" panose="020B0604020202020204" pitchFamily="34" charset="0"/>
+              </a:rPr>
+              <a:t>usaron</a:t>
+            </a:r>
+            <a:r>
+              <a:rPr lang="en-US" sz="2000" dirty="0">
+                <a:solidFill>
+                  <a:schemeClr val="tx2"/>
+                </a:solidFill>
+                <a:ea typeface="Calibri" panose="020F0502020204030204" pitchFamily="34" charset="0"/>
+                <a:cs typeface="Arial" panose="020B0604020202020204" pitchFamily="34" charset="0"/>
+              </a:rPr>
+              <a:t> conjuntos </a:t>
+            </a:r>
+            <a:r>
+              <a:rPr lang="es-ES" sz="2000" dirty="0">
+                <a:solidFill>
+                  <a:schemeClr val="tx2"/>
+                </a:solidFill>
+                <a:ea typeface="Calibri" panose="020F0502020204030204" pitchFamily="34" charset="0"/>
+                <a:cs typeface="Arial" panose="020B0604020202020204" pitchFamily="34" charset="0"/>
+              </a:rPr>
+              <a:t>de datos de validación para monitorear el rendimiento y ajustar </a:t>
+            </a:r>
+            <a:r>
+              <a:rPr lang="en-US" sz="2000" dirty="0" err="1">
+                <a:solidFill>
+                  <a:schemeClr val="tx2"/>
+                </a:solidFill>
+                <a:ea typeface="Calibri" panose="020F0502020204030204" pitchFamily="34" charset="0"/>
+                <a:cs typeface="Arial" panose="020B0604020202020204" pitchFamily="34" charset="0"/>
+              </a:rPr>
+              <a:t>los</a:t>
+            </a:r>
+            <a:r>
+              <a:rPr lang="en-US" sz="2000" dirty="0">
+                <a:solidFill>
+                  <a:schemeClr val="tx2"/>
+                </a:solidFill>
+                <a:ea typeface="Calibri" panose="020F0502020204030204" pitchFamily="34" charset="0"/>
+                <a:cs typeface="Arial" panose="020B0604020202020204" pitchFamily="34" charset="0"/>
+              </a:rPr>
+              <a:t> </a:t>
+            </a:r>
+            <a:r>
+              <a:rPr lang="en-US" sz="2000" dirty="0" err="1">
+                <a:solidFill>
+                  <a:schemeClr val="tx2"/>
+                </a:solidFill>
+                <a:ea typeface="Calibri" panose="020F0502020204030204" pitchFamily="34" charset="0"/>
+                <a:cs typeface="Arial" panose="020B0604020202020204" pitchFamily="34" charset="0"/>
+              </a:rPr>
+              <a:t>hiperparámetros</a:t>
+            </a:r>
+            <a:r>
+              <a:rPr lang="en-US" sz="2000" dirty="0">
+                <a:solidFill>
+                  <a:schemeClr val="tx2"/>
+                </a:solidFill>
+                <a:ea typeface="Calibri" panose="020F0502020204030204" pitchFamily="34" charset="0"/>
+                <a:cs typeface="Arial" panose="020B0604020202020204" pitchFamily="34" charset="0"/>
+              </a:rPr>
+              <a:t>.</a:t>
+            </a:r>
+          </a:p>
+        </p:txBody>
+      </p:sp>
+      <p:pic>
+        <p:nvPicPr>
+          <p:cNvPr id="7" name="Picture 6">
+            <a:extLst>
+              <a:ext uri="{FF2B5EF4-FFF2-40B4-BE49-F238E27FC236}">
+                <a16:creationId xmlns:a16="http://schemas.microsoft.com/office/drawing/2014/main" id="{143EAC2B-90C0-B101-127D-A138F28A9D48}"/>
+              </a:ext>
+            </a:extLst>
+          </p:cNvPr>
+          <p:cNvPicPr>
+            <a:picLocks noChangeAspect="1"/>
+          </p:cNvPicPr>
+          <p:nvPr/>
+        </p:nvPicPr>
+        <p:blipFill>
+          <a:blip r:embed="rId4">
+            <a:extLst>
+              <a:ext uri="{28A0092B-C50C-407E-A947-70E740481C1C}">
+                <a14:useLocalDpi xmlns:a14="http://schemas.microsoft.com/office/drawing/2010/main" val="0"/>
+              </a:ext>
+            </a:extLst>
+          </a:blip>
+          <a:stretch>
+            <a:fillRect/>
+          </a:stretch>
+        </p:blipFill>
+        <p:spPr>
+          <a:xfrm>
+            <a:off x="6229470" y="1499463"/>
+            <a:ext cx="5825459" cy="4573541"/>
+          </a:xfrm>
+          <a:prstGeom prst="rect">
+            <a:avLst/>
+          </a:prstGeom>
+        </p:spPr>
+      </p:pic>
+      <p:sp>
+        <p:nvSpPr>
+          <p:cNvPr id="8" name="TextBox 7">
+            <a:extLst>
+              <a:ext uri="{FF2B5EF4-FFF2-40B4-BE49-F238E27FC236}">
+                <a16:creationId xmlns:a16="http://schemas.microsoft.com/office/drawing/2014/main" id="{447D3998-257D-1351-4468-EE9686079EE8}"/>
+              </a:ext>
+            </a:extLst>
+          </p:cNvPr>
+          <p:cNvSpPr txBox="1"/>
+          <p:nvPr/>
+        </p:nvSpPr>
+        <p:spPr>
+          <a:xfrm>
+            <a:off x="11688203" y="6391186"/>
+            <a:ext cx="503797" cy="383458"/>
+          </a:xfrm>
+          <a:prstGeom prst="rect">
+            <a:avLst/>
+          </a:prstGeom>
+          <a:noFill/>
+        </p:spPr>
+        <p:txBody>
+          <a:bodyPr wrap="square" rtlCol="0">
+            <a:spAutoFit/>
+          </a:bodyPr>
+          <a:lstStyle/>
+          <a:p>
+            <a:r>
+              <a:rPr lang="es-MX" dirty="0"/>
+              <a:t>7</a:t>
+            </a:r>
+            <a:endParaRPr lang="en-US" dirty="0"/>
           </a:p>
         </p:txBody>
       </p:sp>
     </p:spTree>
     <p:extLst>
       <p:ext uri="{BB962C8B-B14F-4D97-AF65-F5344CB8AC3E}">
-        <p14:creationId xmlns:p14="http://schemas.microsoft.com/office/powerpoint/2010/main" val="4232836576"/>
+        <p14:creationId xmlns:p14="http://schemas.microsoft.com/office/powerpoint/2010/main" val="563979870"/>
+      </p:ext>
+    </p:extLst>
+  </p:cSld>
+  <p:clrMapOvr>
+    <a:masterClrMapping/>
+  </p:clrMapOvr>
+</p:sld>
+</file>
+
+<file path=ppt/slides/slide9.xml><?xml version="1.0" encoding="utf-8"?>
+<p:sld xmlns:a="http://schemas.openxmlformats.org/drawingml/2006/main" xmlns:r="http://schemas.openxmlformats.org/officeDocument/2006/relationships" xmlns:p="http://schemas.openxmlformats.org/presentationml/2006/main">
+  <p:cSld>
+    <p:spTree>
+      <p:nvGrpSpPr>
+        <p:cNvPr id="1" name="">
+          <a:extLst>
+            <a:ext uri="{FF2B5EF4-FFF2-40B4-BE49-F238E27FC236}">
+              <a16:creationId xmlns:a16="http://schemas.microsoft.com/office/drawing/2014/main" id="{AD4FBA75-1A52-158D-7A5F-BE2C4E08931F}"/>
+            </a:ext>
+          </a:extLst>
+        </p:cNvPr>
+        <p:cNvGrpSpPr/>
+        <p:nvPr/>
+      </p:nvGrpSpPr>
+      <p:grpSpPr>
+        <a:xfrm>
+          <a:off x="0" y="0"/>
+          <a:ext cx="0" cy="0"/>
+          <a:chOff x="0" y="0"/>
+          <a:chExt cx="0" cy="0"/>
+        </a:xfrm>
+      </p:grpSpPr>
+      <p:sp>
+        <p:nvSpPr>
+          <p:cNvPr id="4" name="Título 2">
+            <a:extLst>
+              <a:ext uri="{FF2B5EF4-FFF2-40B4-BE49-F238E27FC236}">
+                <a16:creationId xmlns:a16="http://schemas.microsoft.com/office/drawing/2014/main" id="{ACDE0680-819C-36BC-7FD7-739FB2E1510D}"/>
+              </a:ext>
+            </a:extLst>
+          </p:cNvPr>
+          <p:cNvSpPr>
+            <a:spLocks noGrp="1"/>
+          </p:cNvSpPr>
+          <p:nvPr>
+            <p:ph type="title"/>
+          </p:nvPr>
+        </p:nvSpPr>
+        <p:spPr>
+          <a:xfrm>
+            <a:off x="633793" y="428574"/>
+            <a:ext cx="8746181" cy="825046"/>
+          </a:xfrm>
+        </p:spPr>
+        <p:txBody>
+          <a:bodyPr/>
+          <a:lstStyle/>
+          <a:p>
+            <a:pPr>
+              <a:spcBef>
+                <a:spcPts val="1000"/>
+              </a:spcBef>
+              <a:buClr>
+                <a:schemeClr val="tx2"/>
+              </a:buClr>
+            </a:pPr>
+            <a:r>
+              <a:rPr lang="es-MX" sz="3200" b="1" dirty="0">
+                <a:solidFill>
+                  <a:srgbClr val="000066"/>
+                </a:solidFill>
+                <a:latin typeface="Arial" panose="020B0604020202020204" pitchFamily="34" charset="0"/>
+                <a:ea typeface="+mn-ea"/>
+                <a:cs typeface="Arial" panose="020B0604020202020204" pitchFamily="34" charset="0"/>
+              </a:rPr>
+              <a:t>EVALUACIÓN</a:t>
+            </a:r>
+            <a:endParaRPr lang="es-CU" sz="3200" b="1" dirty="0">
+              <a:solidFill>
+                <a:srgbClr val="000066"/>
+              </a:solidFill>
+              <a:latin typeface="Arial" panose="020B0604020202020204" pitchFamily="34" charset="0"/>
+              <a:ea typeface="+mn-ea"/>
+              <a:cs typeface="Arial" panose="020B0604020202020204" pitchFamily="34" charset="0"/>
+            </a:endParaRPr>
+          </a:p>
+        </p:txBody>
+      </p:sp>
+      <p:pic>
+        <p:nvPicPr>
+          <p:cNvPr id="17" name="Picture 16">
+            <a:extLst>
+              <a:ext uri="{FF2B5EF4-FFF2-40B4-BE49-F238E27FC236}">
+                <a16:creationId xmlns:a16="http://schemas.microsoft.com/office/drawing/2014/main" id="{B99F0243-1942-FB30-55AC-405607918E4E}"/>
+              </a:ext>
+            </a:extLst>
+          </p:cNvPr>
+          <p:cNvPicPr>
+            <a:picLocks noChangeAspect="1"/>
+          </p:cNvPicPr>
+          <p:nvPr/>
+        </p:nvPicPr>
+        <p:blipFill>
+          <a:blip r:embed="rId3"/>
+          <a:stretch>
+            <a:fillRect/>
+          </a:stretch>
+        </p:blipFill>
+        <p:spPr>
+          <a:xfrm>
+            <a:off x="10942385" y="0"/>
+            <a:ext cx="1249615" cy="1499463"/>
+          </a:xfrm>
+          <a:prstGeom prst="rect">
+            <a:avLst/>
+          </a:prstGeom>
+        </p:spPr>
+      </p:pic>
+      <p:sp>
+        <p:nvSpPr>
+          <p:cNvPr id="5" name="TextBox 4">
+            <a:extLst>
+              <a:ext uri="{FF2B5EF4-FFF2-40B4-BE49-F238E27FC236}">
+                <a16:creationId xmlns:a16="http://schemas.microsoft.com/office/drawing/2014/main" id="{8B63AF7D-2B0F-BCB6-221B-73BC4FA4B995}"/>
+              </a:ext>
+            </a:extLst>
+          </p:cNvPr>
+          <p:cNvSpPr txBox="1"/>
+          <p:nvPr/>
+        </p:nvSpPr>
+        <p:spPr>
+          <a:xfrm>
+            <a:off x="496142" y="1674459"/>
+            <a:ext cx="10928942" cy="3901517"/>
+          </a:xfrm>
+          <a:prstGeom prst="rect">
+            <a:avLst/>
+          </a:prstGeom>
+          <a:noFill/>
+        </p:spPr>
+        <p:txBody>
+          <a:bodyPr wrap="square">
+            <a:spAutoFit/>
+          </a:bodyPr>
+          <a:lstStyle/>
+          <a:p>
+            <a:pPr marL="342900" indent="-342900" algn="just">
+              <a:lnSpc>
+                <a:spcPct val="150000"/>
+              </a:lnSpc>
+              <a:buFont typeface="Arial" panose="020B0604020202020204" pitchFamily="34" charset="0"/>
+              <a:buChar char="•"/>
+            </a:pPr>
+            <a:r>
+              <a:rPr lang="es-ES" sz="2400" dirty="0">
+                <a:solidFill>
+                  <a:schemeClr val="tx2"/>
+                </a:solidFill>
+                <a:ea typeface="Calibri" panose="020F0502020204030204" pitchFamily="34" charset="0"/>
+                <a:cs typeface="Arial" panose="020B0604020202020204" pitchFamily="34" charset="0"/>
+              </a:rPr>
+              <a:t>El rendimiento del modelo se evaluó utilizando el MAE, el RMSE y el coeficiente de determinación (R2) en el conjunto de prueba. </a:t>
+            </a:r>
+          </a:p>
+          <a:p>
+            <a:pPr marL="342900" indent="-342900" algn="just">
+              <a:lnSpc>
+                <a:spcPct val="150000"/>
+              </a:lnSpc>
+              <a:buFont typeface="Arial" panose="020B0604020202020204" pitchFamily="34" charset="0"/>
+              <a:buChar char="•"/>
+            </a:pPr>
+            <a:r>
+              <a:rPr lang="es-ES" sz="2400" dirty="0">
+                <a:solidFill>
+                  <a:schemeClr val="tx2"/>
+                </a:solidFill>
+                <a:ea typeface="Calibri" panose="020F0502020204030204" pitchFamily="34" charset="0"/>
+                <a:cs typeface="Arial" panose="020B0604020202020204" pitchFamily="34" charset="0"/>
+              </a:rPr>
+              <a:t>Se compararon los resultados con modelos </a:t>
+            </a:r>
+            <a:r>
+              <a:rPr lang="en-US" sz="2400" dirty="0">
+                <a:solidFill>
+                  <a:schemeClr val="tx2"/>
+                </a:solidFill>
+                <a:ea typeface="Calibri" panose="020F0502020204030204" pitchFamily="34" charset="0"/>
+                <a:cs typeface="Arial" panose="020B0604020202020204" pitchFamily="34" charset="0"/>
+              </a:rPr>
+              <a:t>de </a:t>
+            </a:r>
+            <a:r>
+              <a:rPr lang="en-US" sz="2400" dirty="0" err="1">
+                <a:solidFill>
+                  <a:schemeClr val="tx2"/>
+                </a:solidFill>
+                <a:ea typeface="Calibri" panose="020F0502020204030204" pitchFamily="34" charset="0"/>
+                <a:cs typeface="Arial" panose="020B0604020202020204" pitchFamily="34" charset="0"/>
+              </a:rPr>
+              <a:t>referencia</a:t>
+            </a:r>
+            <a:r>
+              <a:rPr lang="en-US" sz="2400" dirty="0">
+                <a:solidFill>
+                  <a:schemeClr val="tx2"/>
+                </a:solidFill>
+                <a:ea typeface="Calibri" panose="020F0502020204030204" pitchFamily="34" charset="0"/>
+                <a:cs typeface="Arial" panose="020B0604020202020204" pitchFamily="34" charset="0"/>
+              </a:rPr>
+              <a:t>, </a:t>
+            </a:r>
+            <a:r>
+              <a:rPr lang="en-US" sz="2400" dirty="0" err="1">
+                <a:solidFill>
+                  <a:schemeClr val="tx2"/>
+                </a:solidFill>
+                <a:ea typeface="Calibri" panose="020F0502020204030204" pitchFamily="34" charset="0"/>
+                <a:cs typeface="Arial" panose="020B0604020202020204" pitchFamily="34" charset="0"/>
+              </a:rPr>
+              <a:t>como</a:t>
+            </a:r>
+            <a:r>
+              <a:rPr lang="en-US" sz="2400" dirty="0">
+                <a:solidFill>
+                  <a:schemeClr val="tx2"/>
+                </a:solidFill>
+                <a:ea typeface="Calibri" panose="020F0502020204030204" pitchFamily="34" charset="0"/>
+                <a:cs typeface="Arial" panose="020B0604020202020204" pitchFamily="34" charset="0"/>
+              </a:rPr>
+              <a:t> Random Forests y </a:t>
+            </a:r>
+            <a:r>
+              <a:rPr lang="en-US" sz="2400" dirty="0" err="1">
+                <a:solidFill>
+                  <a:schemeClr val="tx2"/>
+                </a:solidFill>
+                <a:ea typeface="Calibri" panose="020F0502020204030204" pitchFamily="34" charset="0"/>
+                <a:cs typeface="Arial" panose="020B0604020202020204" pitchFamily="34" charset="0"/>
+              </a:rPr>
+              <a:t>métodos</a:t>
+            </a:r>
+            <a:r>
+              <a:rPr lang="en-US" sz="2400" dirty="0">
+                <a:solidFill>
+                  <a:schemeClr val="tx2"/>
+                </a:solidFill>
+                <a:ea typeface="Calibri" panose="020F0502020204030204" pitchFamily="34" charset="0"/>
+                <a:cs typeface="Arial" panose="020B0604020202020204" pitchFamily="34" charset="0"/>
+              </a:rPr>
+              <a:t> de regression </a:t>
+            </a:r>
+            <a:r>
+              <a:rPr lang="es-ES" sz="2400" dirty="0">
+                <a:solidFill>
+                  <a:schemeClr val="tx2"/>
+                </a:solidFill>
+                <a:ea typeface="Calibri" panose="020F0502020204030204" pitchFamily="34" charset="0"/>
+                <a:cs typeface="Arial" panose="020B0604020202020204" pitchFamily="34" charset="0"/>
+              </a:rPr>
+              <a:t>tradicionales, reportados en estudios previos. </a:t>
+            </a:r>
+          </a:p>
+          <a:p>
+            <a:pPr marL="342900" indent="-342900" algn="just">
+              <a:lnSpc>
+                <a:spcPct val="150000"/>
+              </a:lnSpc>
+              <a:buFont typeface="Arial" panose="020B0604020202020204" pitchFamily="34" charset="0"/>
+              <a:buChar char="•"/>
+            </a:pPr>
+            <a:r>
+              <a:rPr lang="es-ES" sz="2400" dirty="0">
+                <a:solidFill>
+                  <a:schemeClr val="tx2"/>
+                </a:solidFill>
+                <a:ea typeface="Calibri" panose="020F0502020204030204" pitchFamily="34" charset="0"/>
+                <a:cs typeface="Arial" panose="020B0604020202020204" pitchFamily="34" charset="0"/>
+              </a:rPr>
+              <a:t>Se generaron gráficos de dispersión para analizar visualmente las predicciones </a:t>
+            </a:r>
+            <a:r>
+              <a:rPr lang="en-US" sz="2400" dirty="0" err="1">
+                <a:solidFill>
+                  <a:schemeClr val="tx2"/>
+                </a:solidFill>
+                <a:ea typeface="Calibri" panose="020F0502020204030204" pitchFamily="34" charset="0"/>
+                <a:cs typeface="Arial" panose="020B0604020202020204" pitchFamily="34" charset="0"/>
+              </a:rPr>
+              <a:t>frente</a:t>
+            </a:r>
+            <a:r>
+              <a:rPr lang="en-US" sz="2400" dirty="0">
+                <a:solidFill>
+                  <a:schemeClr val="tx2"/>
+                </a:solidFill>
+                <a:ea typeface="Calibri" panose="020F0502020204030204" pitchFamily="34" charset="0"/>
+                <a:cs typeface="Arial" panose="020B0604020202020204" pitchFamily="34" charset="0"/>
+              </a:rPr>
+              <a:t> a </a:t>
+            </a:r>
+            <a:r>
+              <a:rPr lang="en-US" sz="2400" dirty="0" err="1">
+                <a:solidFill>
+                  <a:schemeClr val="tx2"/>
+                </a:solidFill>
+                <a:ea typeface="Calibri" panose="020F0502020204030204" pitchFamily="34" charset="0"/>
+                <a:cs typeface="Arial" panose="020B0604020202020204" pitchFamily="34" charset="0"/>
+              </a:rPr>
+              <a:t>los</a:t>
+            </a:r>
+            <a:r>
+              <a:rPr lang="en-US" sz="2400" dirty="0">
+                <a:solidFill>
+                  <a:schemeClr val="tx2"/>
+                </a:solidFill>
+                <a:ea typeface="Calibri" panose="020F0502020204030204" pitchFamily="34" charset="0"/>
+                <a:cs typeface="Arial" panose="020B0604020202020204" pitchFamily="34" charset="0"/>
+              </a:rPr>
+              <a:t> </a:t>
+            </a:r>
+            <a:r>
+              <a:rPr lang="en-US" sz="2400" dirty="0" err="1">
+                <a:solidFill>
+                  <a:schemeClr val="tx2"/>
+                </a:solidFill>
+                <a:ea typeface="Calibri" panose="020F0502020204030204" pitchFamily="34" charset="0"/>
+                <a:cs typeface="Arial" panose="020B0604020202020204" pitchFamily="34" charset="0"/>
+              </a:rPr>
+              <a:t>valores</a:t>
+            </a:r>
+            <a:r>
+              <a:rPr lang="en-US" sz="2400" dirty="0">
+                <a:solidFill>
+                  <a:schemeClr val="tx2"/>
+                </a:solidFill>
+                <a:ea typeface="Calibri" panose="020F0502020204030204" pitchFamily="34" charset="0"/>
+                <a:cs typeface="Arial" panose="020B0604020202020204" pitchFamily="34" charset="0"/>
+              </a:rPr>
+              <a:t> </a:t>
+            </a:r>
+            <a:r>
+              <a:rPr lang="en-US" sz="2400" dirty="0" err="1">
+                <a:solidFill>
+                  <a:schemeClr val="tx2"/>
+                </a:solidFill>
+                <a:ea typeface="Calibri" panose="020F0502020204030204" pitchFamily="34" charset="0"/>
+                <a:cs typeface="Arial" panose="020B0604020202020204" pitchFamily="34" charset="0"/>
+              </a:rPr>
+              <a:t>reales</a:t>
+            </a:r>
+            <a:r>
+              <a:rPr lang="en-US" sz="2400" dirty="0">
+                <a:solidFill>
+                  <a:schemeClr val="tx2"/>
+                </a:solidFill>
+                <a:ea typeface="Calibri" panose="020F0502020204030204" pitchFamily="34" charset="0"/>
+                <a:cs typeface="Arial" panose="020B0604020202020204" pitchFamily="34" charset="0"/>
+              </a:rPr>
+              <a:t> de </a:t>
+            </a:r>
+            <a:r>
+              <a:rPr lang="en-US" sz="2400" dirty="0" err="1">
+                <a:solidFill>
+                  <a:schemeClr val="tx2"/>
+                </a:solidFill>
+                <a:ea typeface="Calibri" panose="020F0502020204030204" pitchFamily="34" charset="0"/>
+                <a:cs typeface="Arial" panose="020B0604020202020204" pitchFamily="34" charset="0"/>
+              </a:rPr>
+              <a:t>temperatura</a:t>
+            </a:r>
+            <a:r>
+              <a:rPr lang="en-US" sz="2400" dirty="0">
+                <a:solidFill>
+                  <a:schemeClr val="tx2"/>
+                </a:solidFill>
+                <a:ea typeface="Calibri" panose="020F0502020204030204" pitchFamily="34" charset="0"/>
+                <a:cs typeface="Arial" panose="020B0604020202020204" pitchFamily="34" charset="0"/>
+              </a:rPr>
+              <a:t> </a:t>
+            </a:r>
+            <a:r>
+              <a:rPr lang="en-US" sz="2400" dirty="0" err="1">
+                <a:solidFill>
+                  <a:schemeClr val="tx2"/>
+                </a:solidFill>
+                <a:ea typeface="Calibri" panose="020F0502020204030204" pitchFamily="34" charset="0"/>
+                <a:cs typeface="Arial" panose="020B0604020202020204" pitchFamily="34" charset="0"/>
+              </a:rPr>
+              <a:t>crítica</a:t>
+            </a:r>
+            <a:r>
+              <a:rPr lang="en-US" sz="2400" dirty="0">
+                <a:solidFill>
+                  <a:schemeClr val="tx2"/>
+                </a:solidFill>
+                <a:ea typeface="Calibri" panose="020F0502020204030204" pitchFamily="34" charset="0"/>
+                <a:cs typeface="Arial" panose="020B0604020202020204" pitchFamily="34" charset="0"/>
+              </a:rPr>
+              <a:t>.</a:t>
+            </a:r>
+          </a:p>
+        </p:txBody>
+      </p:sp>
+      <p:sp>
+        <p:nvSpPr>
+          <p:cNvPr id="7" name="TextBox 6">
+            <a:extLst>
+              <a:ext uri="{FF2B5EF4-FFF2-40B4-BE49-F238E27FC236}">
+                <a16:creationId xmlns:a16="http://schemas.microsoft.com/office/drawing/2014/main" id="{54C02842-3D7A-7A43-92D0-65BF437FA09A}"/>
+              </a:ext>
+            </a:extLst>
+          </p:cNvPr>
+          <p:cNvSpPr txBox="1"/>
+          <p:nvPr/>
+        </p:nvSpPr>
+        <p:spPr>
+          <a:xfrm>
+            <a:off x="11688203" y="6391186"/>
+            <a:ext cx="503797" cy="383458"/>
+          </a:xfrm>
+          <a:prstGeom prst="rect">
+            <a:avLst/>
+          </a:prstGeom>
+          <a:noFill/>
+        </p:spPr>
+        <p:txBody>
+          <a:bodyPr wrap="square" rtlCol="0">
+            <a:spAutoFit/>
+          </a:bodyPr>
+          <a:lstStyle/>
+          <a:p>
+            <a:r>
+              <a:rPr lang="es-MX" dirty="0"/>
+              <a:t>8</a:t>
+            </a:r>
+            <a:endParaRPr lang="en-US" dirty="0"/>
+          </a:p>
+        </p:txBody>
+      </p:sp>
+    </p:spTree>
+    <p:extLst>
+      <p:ext uri="{BB962C8B-B14F-4D97-AF65-F5344CB8AC3E}">
+        <p14:creationId xmlns:p14="http://schemas.microsoft.com/office/powerpoint/2010/main" val="2004433302"/>
       </p:ext>
     </p:extLst>
   </p:cSld>
